--- a/writeup/figures-gdrive/counterfactual-languages.pptx
+++ b/writeup/figures-gdrive/counterfactual-languages.pptx
@@ -8,7 +8,7 @@
     <p:sldId id="256" r:id="rId3"/>
   </p:sldIdLst>
   <p:sldSz cx="10150475" cy="3840162"/>
-  <p:notesSz cx="6858000" cy="9144000"/>
+  <p:notesSz cx="7772400" cy="10058400"/>
 </p:presentation>
 </file>
 
@@ -53,7 +53,7 @@
       </p:grpSpPr>
       <p:sp>
         <p:nvSpPr>
-          <p:cNvPr id="24" name="PlaceHolder 1"/>
+          <p:cNvPr id="22" name="PlaceHolder 1"/>
           <p:cNvSpPr>
             <a:spLocks noGrp="1"/>
           </p:cNvSpPr>
@@ -64,7 +64,7 @@
         <p:spPr>
           <a:xfrm>
             <a:off x="311760" y="744480"/>
-            <a:ext cx="8520120" cy="2052360"/>
+            <a:ext cx="8519760" cy="2052000"/>
           </a:xfrm>
           <a:prstGeom prst="rect">
             <a:avLst/>
@@ -73,18 +73,16 @@
         <p:txBody>
           <a:bodyPr lIns="0" rIns="0" tIns="0" bIns="0" anchor="ctr"/>
           <a:p>
-            <a:endParaRPr b="0" lang="en-US" sz="1400" spc="-1" strike="noStrike">
-              <a:solidFill>
-                <a:srgbClr val="000000"/>
-              </a:solidFill>
-              <a:latin typeface="Arial"/>
-            </a:endParaRPr>
-          </a:p>
-        </p:txBody>
-      </p:sp>
-      <p:sp>
-        <p:nvSpPr>
-          <p:cNvPr id="25" name="PlaceHolder 2"/>
+            <a:pPr algn="ctr"/>
+            <a:endParaRPr b="0" lang="en-US" sz="4400" spc="-1" strike="noStrike">
+              <a:latin typeface="Arial"/>
+            </a:endParaRPr>
+          </a:p>
+        </p:txBody>
+      </p:sp>
+      <p:sp>
+        <p:nvSpPr>
+          <p:cNvPr id="23" name="PlaceHolder 2"/>
           <p:cNvSpPr>
             <a:spLocks noGrp="1"/>
           </p:cNvSpPr>
@@ -94,8 +92,8 @@
         </p:nvSpPr>
         <p:spPr>
           <a:xfrm>
-            <a:off x="457200" y="1203480"/>
-            <a:ext cx="8229240" cy="1422720"/>
+            <a:off x="507240" y="898560"/>
+            <a:ext cx="9135000" cy="1062000"/>
           </a:xfrm>
           <a:prstGeom prst="rect">
             <a:avLst/>
@@ -106,18 +104,15 @@
             <a:normAutofit/>
           </a:bodyPr>
           <a:p>
-            <a:endParaRPr b="0" lang="en-US" sz="1400" spc="-1" strike="noStrike">
-              <a:solidFill>
-                <a:srgbClr val="000000"/>
-              </a:solidFill>
-              <a:latin typeface="Arial"/>
-            </a:endParaRPr>
-          </a:p>
-        </p:txBody>
-      </p:sp>
-      <p:sp>
-        <p:nvSpPr>
-          <p:cNvPr id="26" name="PlaceHolder 3"/>
+            <a:endParaRPr b="0" lang="en-US" sz="3200" spc="-1" strike="noStrike">
+              <a:latin typeface="Arial"/>
+            </a:endParaRPr>
+          </a:p>
+        </p:txBody>
+      </p:sp>
+      <p:sp>
+        <p:nvSpPr>
+          <p:cNvPr id="24" name="PlaceHolder 3"/>
           <p:cNvSpPr>
             <a:spLocks noGrp="1"/>
           </p:cNvSpPr>
@@ -127,8 +122,8 @@
         </p:nvSpPr>
         <p:spPr>
           <a:xfrm>
-            <a:off x="457200" y="2761920"/>
-            <a:ext cx="8229240" cy="1422720"/>
+            <a:off x="507240" y="2061720"/>
+            <a:ext cx="9135000" cy="1062000"/>
           </a:xfrm>
           <a:prstGeom prst="rect">
             <a:avLst/>
@@ -139,10 +134,7 @@
             <a:normAutofit/>
           </a:bodyPr>
           <a:p>
-            <a:endParaRPr b="0" lang="en-US" sz="1400" spc="-1" strike="noStrike">
-              <a:solidFill>
-                <a:srgbClr val="000000"/>
-              </a:solidFill>
+            <a:endParaRPr b="0" lang="en-US" sz="3200" spc="-1" strike="noStrike">
               <a:latin typeface="Arial"/>
             </a:endParaRPr>
           </a:p>
@@ -172,7 +164,7 @@
       </p:grpSpPr>
       <p:sp>
         <p:nvSpPr>
-          <p:cNvPr id="27" name="PlaceHolder 1"/>
+          <p:cNvPr id="25" name="PlaceHolder 1"/>
           <p:cNvSpPr>
             <a:spLocks noGrp="1"/>
           </p:cNvSpPr>
@@ -183,7 +175,7 @@
         <p:spPr>
           <a:xfrm>
             <a:off x="311760" y="744480"/>
-            <a:ext cx="8520120" cy="2052360"/>
+            <a:ext cx="8519760" cy="2052000"/>
           </a:xfrm>
           <a:prstGeom prst="rect">
             <a:avLst/>
@@ -192,18 +184,16 @@
         <p:txBody>
           <a:bodyPr lIns="0" rIns="0" tIns="0" bIns="0" anchor="ctr"/>
           <a:p>
-            <a:endParaRPr b="0" lang="en-US" sz="1400" spc="-1" strike="noStrike">
-              <a:solidFill>
-                <a:srgbClr val="000000"/>
-              </a:solidFill>
-              <a:latin typeface="Arial"/>
-            </a:endParaRPr>
-          </a:p>
-        </p:txBody>
-      </p:sp>
-      <p:sp>
-        <p:nvSpPr>
-          <p:cNvPr id="28" name="PlaceHolder 2"/>
+            <a:pPr algn="ctr"/>
+            <a:endParaRPr b="0" lang="en-US" sz="4400" spc="-1" strike="noStrike">
+              <a:latin typeface="Arial"/>
+            </a:endParaRPr>
+          </a:p>
+        </p:txBody>
+      </p:sp>
+      <p:sp>
+        <p:nvSpPr>
+          <p:cNvPr id="26" name="PlaceHolder 2"/>
           <p:cNvSpPr>
             <a:spLocks noGrp="1"/>
           </p:cNvSpPr>
@@ -213,8 +203,8 @@
         </p:nvSpPr>
         <p:spPr>
           <a:xfrm>
-            <a:off x="457200" y="1203480"/>
-            <a:ext cx="4015800" cy="1422720"/>
+            <a:off x="507240" y="898560"/>
+            <a:ext cx="4457520" cy="1062000"/>
           </a:xfrm>
           <a:prstGeom prst="rect">
             <a:avLst/>
@@ -225,18 +215,15 @@
             <a:normAutofit/>
           </a:bodyPr>
           <a:p>
-            <a:endParaRPr b="0" lang="en-US" sz="1400" spc="-1" strike="noStrike">
-              <a:solidFill>
-                <a:srgbClr val="000000"/>
-              </a:solidFill>
-              <a:latin typeface="Arial"/>
-            </a:endParaRPr>
-          </a:p>
-        </p:txBody>
-      </p:sp>
-      <p:sp>
-        <p:nvSpPr>
-          <p:cNvPr id="29" name="PlaceHolder 3"/>
+            <a:endParaRPr b="0" lang="en-US" sz="3200" spc="-1" strike="noStrike">
+              <a:latin typeface="Arial"/>
+            </a:endParaRPr>
+          </a:p>
+        </p:txBody>
+      </p:sp>
+      <p:sp>
+        <p:nvSpPr>
+          <p:cNvPr id="27" name="PlaceHolder 3"/>
           <p:cNvSpPr>
             <a:spLocks noGrp="1"/>
           </p:cNvSpPr>
@@ -246,8 +233,8 @@
         </p:nvSpPr>
         <p:spPr>
           <a:xfrm>
-            <a:off x="4674240" y="1203480"/>
-            <a:ext cx="4015800" cy="1422720"/>
+            <a:off x="5187960" y="898560"/>
+            <a:ext cx="4457520" cy="1062000"/>
           </a:xfrm>
           <a:prstGeom prst="rect">
             <a:avLst/>
@@ -258,18 +245,15 @@
             <a:normAutofit/>
           </a:bodyPr>
           <a:p>
-            <a:endParaRPr b="0" lang="en-US" sz="1400" spc="-1" strike="noStrike">
-              <a:solidFill>
-                <a:srgbClr val="000000"/>
-              </a:solidFill>
-              <a:latin typeface="Arial"/>
-            </a:endParaRPr>
-          </a:p>
-        </p:txBody>
-      </p:sp>
-      <p:sp>
-        <p:nvSpPr>
-          <p:cNvPr id="30" name="PlaceHolder 4"/>
+            <a:endParaRPr b="0" lang="en-US" sz="3200" spc="-1" strike="noStrike">
+              <a:latin typeface="Arial"/>
+            </a:endParaRPr>
+          </a:p>
+        </p:txBody>
+      </p:sp>
+      <p:sp>
+        <p:nvSpPr>
+          <p:cNvPr id="28" name="PlaceHolder 4"/>
           <p:cNvSpPr>
             <a:spLocks noGrp="1"/>
           </p:cNvSpPr>
@@ -279,8 +263,8 @@
         </p:nvSpPr>
         <p:spPr>
           <a:xfrm>
-            <a:off x="457200" y="2761920"/>
-            <a:ext cx="4015800" cy="1422720"/>
+            <a:off x="507240" y="2061720"/>
+            <a:ext cx="4457520" cy="1062000"/>
           </a:xfrm>
           <a:prstGeom prst="rect">
             <a:avLst/>
@@ -291,18 +275,15 @@
             <a:normAutofit/>
           </a:bodyPr>
           <a:p>
-            <a:endParaRPr b="0" lang="en-US" sz="1400" spc="-1" strike="noStrike">
-              <a:solidFill>
-                <a:srgbClr val="000000"/>
-              </a:solidFill>
-              <a:latin typeface="Arial"/>
-            </a:endParaRPr>
-          </a:p>
-        </p:txBody>
-      </p:sp>
-      <p:sp>
-        <p:nvSpPr>
-          <p:cNvPr id="31" name="PlaceHolder 5"/>
+            <a:endParaRPr b="0" lang="en-US" sz="3200" spc="-1" strike="noStrike">
+              <a:latin typeface="Arial"/>
+            </a:endParaRPr>
+          </a:p>
+        </p:txBody>
+      </p:sp>
+      <p:sp>
+        <p:nvSpPr>
+          <p:cNvPr id="29" name="PlaceHolder 5"/>
           <p:cNvSpPr>
             <a:spLocks noGrp="1"/>
           </p:cNvSpPr>
@@ -312,8 +293,8 @@
         </p:nvSpPr>
         <p:spPr>
           <a:xfrm>
-            <a:off x="4674240" y="2761920"/>
-            <a:ext cx="4015800" cy="1422720"/>
+            <a:off x="5187960" y="2061720"/>
+            <a:ext cx="4457520" cy="1062000"/>
           </a:xfrm>
           <a:prstGeom prst="rect">
             <a:avLst/>
@@ -324,10 +305,7 @@
             <a:normAutofit/>
           </a:bodyPr>
           <a:p>
-            <a:endParaRPr b="0" lang="en-US" sz="1400" spc="-1" strike="noStrike">
-              <a:solidFill>
-                <a:srgbClr val="000000"/>
-              </a:solidFill>
+            <a:endParaRPr b="0" lang="en-US" sz="3200" spc="-1" strike="noStrike">
               <a:latin typeface="Arial"/>
             </a:endParaRPr>
           </a:p>
@@ -357,7 +335,7 @@
       </p:grpSpPr>
       <p:sp>
         <p:nvSpPr>
-          <p:cNvPr id="32" name="PlaceHolder 1"/>
+          <p:cNvPr id="30" name="PlaceHolder 1"/>
           <p:cNvSpPr>
             <a:spLocks noGrp="1"/>
           </p:cNvSpPr>
@@ -368,7 +346,7 @@
         <p:spPr>
           <a:xfrm>
             <a:off x="311760" y="744480"/>
-            <a:ext cx="8520120" cy="2052360"/>
+            <a:ext cx="8519760" cy="2052000"/>
           </a:xfrm>
           <a:prstGeom prst="rect">
             <a:avLst/>
@@ -377,18 +355,16 @@
         <p:txBody>
           <a:bodyPr lIns="0" rIns="0" tIns="0" bIns="0" anchor="ctr"/>
           <a:p>
-            <a:endParaRPr b="0" lang="en-US" sz="1400" spc="-1" strike="noStrike">
-              <a:solidFill>
-                <a:srgbClr val="000000"/>
-              </a:solidFill>
-              <a:latin typeface="Arial"/>
-            </a:endParaRPr>
-          </a:p>
-        </p:txBody>
-      </p:sp>
-      <p:sp>
-        <p:nvSpPr>
-          <p:cNvPr id="33" name="PlaceHolder 2"/>
+            <a:pPr algn="ctr"/>
+            <a:endParaRPr b="0" lang="en-US" sz="4400" spc="-1" strike="noStrike">
+              <a:latin typeface="Arial"/>
+            </a:endParaRPr>
+          </a:p>
+        </p:txBody>
+      </p:sp>
+      <p:sp>
+        <p:nvSpPr>
+          <p:cNvPr id="31" name="PlaceHolder 2"/>
           <p:cNvSpPr>
             <a:spLocks noGrp="1"/>
           </p:cNvSpPr>
@@ -398,8 +374,8 @@
         </p:nvSpPr>
         <p:spPr>
           <a:xfrm>
-            <a:off x="457200" y="1203480"/>
-            <a:ext cx="2649600" cy="1422720"/>
+            <a:off x="507240" y="898560"/>
+            <a:ext cx="2941200" cy="1062000"/>
           </a:xfrm>
           <a:prstGeom prst="rect">
             <a:avLst/>
@@ -410,18 +386,15 @@
             <a:normAutofit/>
           </a:bodyPr>
           <a:p>
-            <a:endParaRPr b="0" lang="en-US" sz="1400" spc="-1" strike="noStrike">
-              <a:solidFill>
-                <a:srgbClr val="000000"/>
-              </a:solidFill>
-              <a:latin typeface="Arial"/>
-            </a:endParaRPr>
-          </a:p>
-        </p:txBody>
-      </p:sp>
-      <p:sp>
-        <p:nvSpPr>
-          <p:cNvPr id="34" name="PlaceHolder 3"/>
+            <a:endParaRPr b="0" lang="en-US" sz="3200" spc="-1" strike="noStrike">
+              <a:latin typeface="Arial"/>
+            </a:endParaRPr>
+          </a:p>
+        </p:txBody>
+      </p:sp>
+      <p:sp>
+        <p:nvSpPr>
+          <p:cNvPr id="32" name="PlaceHolder 3"/>
           <p:cNvSpPr>
             <a:spLocks noGrp="1"/>
           </p:cNvSpPr>
@@ -431,8 +404,8 @@
         </p:nvSpPr>
         <p:spPr>
           <a:xfrm>
-            <a:off x="3239640" y="1203480"/>
-            <a:ext cx="2649600" cy="1422720"/>
+            <a:off x="3596040" y="898560"/>
+            <a:ext cx="2941200" cy="1062000"/>
           </a:xfrm>
           <a:prstGeom prst="rect">
             <a:avLst/>
@@ -443,18 +416,15 @@
             <a:normAutofit/>
           </a:bodyPr>
           <a:p>
-            <a:endParaRPr b="0" lang="en-US" sz="1400" spc="-1" strike="noStrike">
-              <a:solidFill>
-                <a:srgbClr val="000000"/>
-              </a:solidFill>
-              <a:latin typeface="Arial"/>
-            </a:endParaRPr>
-          </a:p>
-        </p:txBody>
-      </p:sp>
-      <p:sp>
-        <p:nvSpPr>
-          <p:cNvPr id="35" name="PlaceHolder 4"/>
+            <a:endParaRPr b="0" lang="en-US" sz="3200" spc="-1" strike="noStrike">
+              <a:latin typeface="Arial"/>
+            </a:endParaRPr>
+          </a:p>
+        </p:txBody>
+      </p:sp>
+      <p:sp>
+        <p:nvSpPr>
+          <p:cNvPr id="33" name="PlaceHolder 4"/>
           <p:cNvSpPr>
             <a:spLocks noGrp="1"/>
           </p:cNvSpPr>
@@ -464,8 +434,8 @@
         </p:nvSpPr>
         <p:spPr>
           <a:xfrm>
-            <a:off x="6022080" y="1203480"/>
-            <a:ext cx="2649600" cy="1422720"/>
+            <a:off x="6684480" y="898560"/>
+            <a:ext cx="2941200" cy="1062000"/>
           </a:xfrm>
           <a:prstGeom prst="rect">
             <a:avLst/>
@@ -476,18 +446,15 @@
             <a:normAutofit/>
           </a:bodyPr>
           <a:p>
-            <a:endParaRPr b="0" lang="en-US" sz="1400" spc="-1" strike="noStrike">
-              <a:solidFill>
-                <a:srgbClr val="000000"/>
-              </a:solidFill>
-              <a:latin typeface="Arial"/>
-            </a:endParaRPr>
-          </a:p>
-        </p:txBody>
-      </p:sp>
-      <p:sp>
-        <p:nvSpPr>
-          <p:cNvPr id="36" name="PlaceHolder 5"/>
+            <a:endParaRPr b="0" lang="en-US" sz="3200" spc="-1" strike="noStrike">
+              <a:latin typeface="Arial"/>
+            </a:endParaRPr>
+          </a:p>
+        </p:txBody>
+      </p:sp>
+      <p:sp>
+        <p:nvSpPr>
+          <p:cNvPr id="34" name="PlaceHolder 5"/>
           <p:cNvSpPr>
             <a:spLocks noGrp="1"/>
           </p:cNvSpPr>
@@ -497,8 +464,8 @@
         </p:nvSpPr>
         <p:spPr>
           <a:xfrm>
-            <a:off x="457200" y="2761920"/>
-            <a:ext cx="2649600" cy="1422720"/>
+            <a:off x="507240" y="2061720"/>
+            <a:ext cx="2941200" cy="1062000"/>
           </a:xfrm>
           <a:prstGeom prst="rect">
             <a:avLst/>
@@ -509,18 +476,15 @@
             <a:normAutofit/>
           </a:bodyPr>
           <a:p>
-            <a:endParaRPr b="0" lang="en-US" sz="1400" spc="-1" strike="noStrike">
-              <a:solidFill>
-                <a:srgbClr val="000000"/>
-              </a:solidFill>
-              <a:latin typeface="Arial"/>
-            </a:endParaRPr>
-          </a:p>
-        </p:txBody>
-      </p:sp>
-      <p:sp>
-        <p:nvSpPr>
-          <p:cNvPr id="37" name="PlaceHolder 6"/>
+            <a:endParaRPr b="0" lang="en-US" sz="3200" spc="-1" strike="noStrike">
+              <a:latin typeface="Arial"/>
+            </a:endParaRPr>
+          </a:p>
+        </p:txBody>
+      </p:sp>
+      <p:sp>
+        <p:nvSpPr>
+          <p:cNvPr id="35" name="PlaceHolder 6"/>
           <p:cNvSpPr>
             <a:spLocks noGrp="1"/>
           </p:cNvSpPr>
@@ -530,8 +494,8 @@
         </p:nvSpPr>
         <p:spPr>
           <a:xfrm>
-            <a:off x="3239640" y="2761920"/>
-            <a:ext cx="2649600" cy="1422720"/>
+            <a:off x="3596040" y="2061720"/>
+            <a:ext cx="2941200" cy="1062000"/>
           </a:xfrm>
           <a:prstGeom prst="rect">
             <a:avLst/>
@@ -542,18 +506,15 @@
             <a:normAutofit/>
           </a:bodyPr>
           <a:p>
-            <a:endParaRPr b="0" lang="en-US" sz="1400" spc="-1" strike="noStrike">
-              <a:solidFill>
-                <a:srgbClr val="000000"/>
-              </a:solidFill>
-              <a:latin typeface="Arial"/>
-            </a:endParaRPr>
-          </a:p>
-        </p:txBody>
-      </p:sp>
-      <p:sp>
-        <p:nvSpPr>
-          <p:cNvPr id="38" name="PlaceHolder 7"/>
+            <a:endParaRPr b="0" lang="en-US" sz="3200" spc="-1" strike="noStrike">
+              <a:latin typeface="Arial"/>
+            </a:endParaRPr>
+          </a:p>
+        </p:txBody>
+      </p:sp>
+      <p:sp>
+        <p:nvSpPr>
+          <p:cNvPr id="36" name="PlaceHolder 7"/>
           <p:cNvSpPr>
             <a:spLocks noGrp="1"/>
           </p:cNvSpPr>
@@ -563,8 +524,8 @@
         </p:nvSpPr>
         <p:spPr>
           <a:xfrm>
-            <a:off x="6022080" y="2761920"/>
-            <a:ext cx="2649600" cy="1422720"/>
+            <a:off x="6684480" y="2061720"/>
+            <a:ext cx="2941200" cy="1062000"/>
           </a:xfrm>
           <a:prstGeom prst="rect">
             <a:avLst/>
@@ -575,10 +536,7 @@
             <a:normAutofit/>
           </a:bodyPr>
           <a:p>
-            <a:endParaRPr b="0" lang="en-US" sz="1400" spc="-1" strike="noStrike">
-              <a:solidFill>
-                <a:srgbClr val="000000"/>
-              </a:solidFill>
+            <a:endParaRPr b="0" lang="en-US" sz="3200" spc="-1" strike="noStrike">
               <a:latin typeface="Arial"/>
             </a:endParaRPr>
           </a:p>
@@ -608,7 +566,7 @@
       </p:grpSpPr>
       <p:sp>
         <p:nvSpPr>
-          <p:cNvPr id="3" name="PlaceHolder 1"/>
+          <p:cNvPr id="1" name="PlaceHolder 1"/>
           <p:cNvSpPr>
             <a:spLocks noGrp="1"/>
           </p:cNvSpPr>
@@ -619,7 +577,7 @@
         <p:spPr>
           <a:xfrm>
             <a:off x="311760" y="744480"/>
-            <a:ext cx="8520120" cy="2052360"/>
+            <a:ext cx="8519760" cy="2052000"/>
           </a:xfrm>
           <a:prstGeom prst="rect">
             <a:avLst/>
@@ -628,18 +586,16 @@
         <p:txBody>
           <a:bodyPr lIns="0" rIns="0" tIns="0" bIns="0" anchor="ctr"/>
           <a:p>
-            <a:endParaRPr b="0" lang="en-US" sz="1400" spc="-1" strike="noStrike">
-              <a:solidFill>
-                <a:srgbClr val="000000"/>
-              </a:solidFill>
-              <a:latin typeface="Arial"/>
-            </a:endParaRPr>
-          </a:p>
-        </p:txBody>
-      </p:sp>
-      <p:sp>
-        <p:nvSpPr>
-          <p:cNvPr id="4" name="PlaceHolder 2"/>
+            <a:pPr algn="ctr"/>
+            <a:endParaRPr b="0" lang="en-US" sz="4400" spc="-1" strike="noStrike">
+              <a:latin typeface="Arial"/>
+            </a:endParaRPr>
+          </a:p>
+        </p:txBody>
+      </p:sp>
+      <p:sp>
+        <p:nvSpPr>
+          <p:cNvPr id="2" name="PlaceHolder 2"/>
           <p:cNvSpPr>
             <a:spLocks noGrp="1"/>
           </p:cNvSpPr>
@@ -649,8 +605,8 @@
         </p:nvSpPr>
         <p:spPr>
           <a:xfrm>
-            <a:off x="457200" y="1203480"/>
-            <a:ext cx="8229240" cy="2982960"/>
+            <a:off x="507240" y="898560"/>
+            <a:ext cx="9135000" cy="2226600"/>
           </a:xfrm>
           <a:prstGeom prst="rect">
             <a:avLst/>
@@ -690,7 +646,7 @@
       </p:grpSpPr>
       <p:sp>
         <p:nvSpPr>
-          <p:cNvPr id="5" name="PlaceHolder 1"/>
+          <p:cNvPr id="3" name="PlaceHolder 1"/>
           <p:cNvSpPr>
             <a:spLocks noGrp="1"/>
           </p:cNvSpPr>
@@ -701,7 +657,7 @@
         <p:spPr>
           <a:xfrm>
             <a:off x="311760" y="744480"/>
-            <a:ext cx="8520120" cy="2052360"/>
+            <a:ext cx="8519760" cy="2052000"/>
           </a:xfrm>
           <a:prstGeom prst="rect">
             <a:avLst/>
@@ -710,18 +666,16 @@
         <p:txBody>
           <a:bodyPr lIns="0" rIns="0" tIns="0" bIns="0" anchor="ctr"/>
           <a:p>
-            <a:endParaRPr b="0" lang="en-US" sz="1400" spc="-1" strike="noStrike">
-              <a:solidFill>
-                <a:srgbClr val="000000"/>
-              </a:solidFill>
-              <a:latin typeface="Arial"/>
-            </a:endParaRPr>
-          </a:p>
-        </p:txBody>
-      </p:sp>
-      <p:sp>
-        <p:nvSpPr>
-          <p:cNvPr id="6" name="PlaceHolder 2"/>
+            <a:pPr algn="ctr"/>
+            <a:endParaRPr b="0" lang="en-US" sz="4400" spc="-1" strike="noStrike">
+              <a:latin typeface="Arial"/>
+            </a:endParaRPr>
+          </a:p>
+        </p:txBody>
+      </p:sp>
+      <p:sp>
+        <p:nvSpPr>
+          <p:cNvPr id="4" name="PlaceHolder 2"/>
           <p:cNvSpPr>
             <a:spLocks noGrp="1"/>
           </p:cNvSpPr>
@@ -731,8 +685,8 @@
         </p:nvSpPr>
         <p:spPr>
           <a:xfrm>
-            <a:off x="457200" y="1203480"/>
-            <a:ext cx="8229240" cy="2982960"/>
+            <a:off x="507240" y="898560"/>
+            <a:ext cx="9135000" cy="2226600"/>
           </a:xfrm>
           <a:prstGeom prst="rect">
             <a:avLst/>
@@ -743,10 +697,7 @@
             <a:normAutofit/>
           </a:bodyPr>
           <a:p>
-            <a:endParaRPr b="0" lang="en-US" sz="1400" spc="-1" strike="noStrike">
-              <a:solidFill>
-                <a:srgbClr val="000000"/>
-              </a:solidFill>
+            <a:endParaRPr b="0" lang="en-US" sz="3200" spc="-1" strike="noStrike">
               <a:latin typeface="Arial"/>
             </a:endParaRPr>
           </a:p>
@@ -776,7 +727,7 @@
       </p:grpSpPr>
       <p:sp>
         <p:nvSpPr>
-          <p:cNvPr id="7" name="PlaceHolder 1"/>
+          <p:cNvPr id="5" name="PlaceHolder 1"/>
           <p:cNvSpPr>
             <a:spLocks noGrp="1"/>
           </p:cNvSpPr>
@@ -787,7 +738,7 @@
         <p:spPr>
           <a:xfrm>
             <a:off x="311760" y="744480"/>
-            <a:ext cx="8520120" cy="2052360"/>
+            <a:ext cx="8519760" cy="2052000"/>
           </a:xfrm>
           <a:prstGeom prst="rect">
             <a:avLst/>
@@ -796,18 +747,16 @@
         <p:txBody>
           <a:bodyPr lIns="0" rIns="0" tIns="0" bIns="0" anchor="ctr"/>
           <a:p>
-            <a:endParaRPr b="0" lang="en-US" sz="1400" spc="-1" strike="noStrike">
-              <a:solidFill>
-                <a:srgbClr val="000000"/>
-              </a:solidFill>
-              <a:latin typeface="Arial"/>
-            </a:endParaRPr>
-          </a:p>
-        </p:txBody>
-      </p:sp>
-      <p:sp>
-        <p:nvSpPr>
-          <p:cNvPr id="8" name="PlaceHolder 2"/>
+            <a:pPr algn="ctr"/>
+            <a:endParaRPr b="0" lang="en-US" sz="4400" spc="-1" strike="noStrike">
+              <a:latin typeface="Arial"/>
+            </a:endParaRPr>
+          </a:p>
+        </p:txBody>
+      </p:sp>
+      <p:sp>
+        <p:nvSpPr>
+          <p:cNvPr id="6" name="PlaceHolder 2"/>
           <p:cNvSpPr>
             <a:spLocks noGrp="1"/>
           </p:cNvSpPr>
@@ -817,8 +766,8 @@
         </p:nvSpPr>
         <p:spPr>
           <a:xfrm>
-            <a:off x="457200" y="1203480"/>
-            <a:ext cx="4015800" cy="2982960"/>
+            <a:off x="507240" y="898560"/>
+            <a:ext cx="4457520" cy="2226600"/>
           </a:xfrm>
           <a:prstGeom prst="rect">
             <a:avLst/>
@@ -829,18 +778,15 @@
             <a:normAutofit/>
           </a:bodyPr>
           <a:p>
-            <a:endParaRPr b="0" lang="en-US" sz="1400" spc="-1" strike="noStrike">
-              <a:solidFill>
-                <a:srgbClr val="000000"/>
-              </a:solidFill>
-              <a:latin typeface="Arial"/>
-            </a:endParaRPr>
-          </a:p>
-        </p:txBody>
-      </p:sp>
-      <p:sp>
-        <p:nvSpPr>
-          <p:cNvPr id="9" name="PlaceHolder 3"/>
+            <a:endParaRPr b="0" lang="en-US" sz="3200" spc="-1" strike="noStrike">
+              <a:latin typeface="Arial"/>
+            </a:endParaRPr>
+          </a:p>
+        </p:txBody>
+      </p:sp>
+      <p:sp>
+        <p:nvSpPr>
+          <p:cNvPr id="7" name="PlaceHolder 3"/>
           <p:cNvSpPr>
             <a:spLocks noGrp="1"/>
           </p:cNvSpPr>
@@ -850,8 +796,8 @@
         </p:nvSpPr>
         <p:spPr>
           <a:xfrm>
-            <a:off x="4674240" y="1203480"/>
-            <a:ext cx="4015800" cy="2982960"/>
+            <a:off x="5187960" y="898560"/>
+            <a:ext cx="4457520" cy="2226600"/>
           </a:xfrm>
           <a:prstGeom prst="rect">
             <a:avLst/>
@@ -862,10 +808,7 @@
             <a:normAutofit/>
           </a:bodyPr>
           <a:p>
-            <a:endParaRPr b="0" lang="en-US" sz="1400" spc="-1" strike="noStrike">
-              <a:solidFill>
-                <a:srgbClr val="000000"/>
-              </a:solidFill>
+            <a:endParaRPr b="0" lang="en-US" sz="3200" spc="-1" strike="noStrike">
               <a:latin typeface="Arial"/>
             </a:endParaRPr>
           </a:p>
@@ -895,7 +838,7 @@
       </p:grpSpPr>
       <p:sp>
         <p:nvSpPr>
-          <p:cNvPr id="10" name="PlaceHolder 1"/>
+          <p:cNvPr id="8" name="PlaceHolder 1"/>
           <p:cNvSpPr>
             <a:spLocks noGrp="1"/>
           </p:cNvSpPr>
@@ -906,7 +849,7 @@
         <p:spPr>
           <a:xfrm>
             <a:off x="311760" y="744480"/>
-            <a:ext cx="8520120" cy="2052360"/>
+            <a:ext cx="8519760" cy="2052000"/>
           </a:xfrm>
           <a:prstGeom prst="rect">
             <a:avLst/>
@@ -915,10 +858,8 @@
         <p:txBody>
           <a:bodyPr lIns="0" rIns="0" tIns="0" bIns="0" anchor="ctr"/>
           <a:p>
-            <a:endParaRPr b="0" lang="en-US" sz="1400" spc="-1" strike="noStrike">
-              <a:solidFill>
-                <a:srgbClr val="000000"/>
-              </a:solidFill>
+            <a:pPr algn="ctr"/>
+            <a:endParaRPr b="0" lang="en-US" sz="4400" spc="-1" strike="noStrike">
               <a:latin typeface="Arial"/>
             </a:endParaRPr>
           </a:p>
@@ -948,7 +889,7 @@
       </p:grpSpPr>
       <p:sp>
         <p:nvSpPr>
-          <p:cNvPr id="11" name="PlaceHolder 1"/>
+          <p:cNvPr id="9" name="PlaceHolder 1"/>
           <p:cNvSpPr>
             <a:spLocks noGrp="1"/>
           </p:cNvSpPr>
@@ -958,8 +899,8 @@
         </p:nvSpPr>
         <p:spPr>
           <a:xfrm>
-            <a:off x="311760" y="1661400"/>
-            <a:ext cx="8520120" cy="7680960"/>
+            <a:off x="311760" y="1660680"/>
+            <a:ext cx="8519760" cy="7680240"/>
           </a:xfrm>
           <a:prstGeom prst="rect">
             <a:avLst/>
@@ -999,7 +940,7 @@
       </p:grpSpPr>
       <p:sp>
         <p:nvSpPr>
-          <p:cNvPr id="12" name="PlaceHolder 1"/>
+          <p:cNvPr id="10" name="PlaceHolder 1"/>
           <p:cNvSpPr>
             <a:spLocks noGrp="1"/>
           </p:cNvSpPr>
@@ -1010,7 +951,7 @@
         <p:spPr>
           <a:xfrm>
             <a:off x="311760" y="744480"/>
-            <a:ext cx="8520120" cy="2052360"/>
+            <a:ext cx="8519760" cy="2052000"/>
           </a:xfrm>
           <a:prstGeom prst="rect">
             <a:avLst/>
@@ -1019,18 +960,16 @@
         <p:txBody>
           <a:bodyPr lIns="0" rIns="0" tIns="0" bIns="0" anchor="ctr"/>
           <a:p>
-            <a:endParaRPr b="0" lang="en-US" sz="1400" spc="-1" strike="noStrike">
-              <a:solidFill>
-                <a:srgbClr val="000000"/>
-              </a:solidFill>
-              <a:latin typeface="Arial"/>
-            </a:endParaRPr>
-          </a:p>
-        </p:txBody>
-      </p:sp>
-      <p:sp>
-        <p:nvSpPr>
-          <p:cNvPr id="13" name="PlaceHolder 2"/>
+            <a:pPr algn="ctr"/>
+            <a:endParaRPr b="0" lang="en-US" sz="4400" spc="-1" strike="noStrike">
+              <a:latin typeface="Arial"/>
+            </a:endParaRPr>
+          </a:p>
+        </p:txBody>
+      </p:sp>
+      <p:sp>
+        <p:nvSpPr>
+          <p:cNvPr id="11" name="PlaceHolder 2"/>
           <p:cNvSpPr>
             <a:spLocks noGrp="1"/>
           </p:cNvSpPr>
@@ -1040,8 +979,8 @@
         </p:nvSpPr>
         <p:spPr>
           <a:xfrm>
-            <a:off x="457200" y="1203480"/>
-            <a:ext cx="4015800" cy="1422720"/>
+            <a:off x="507240" y="898560"/>
+            <a:ext cx="4457520" cy="1062000"/>
           </a:xfrm>
           <a:prstGeom prst="rect">
             <a:avLst/>
@@ -1052,18 +991,15 @@
             <a:normAutofit/>
           </a:bodyPr>
           <a:p>
-            <a:endParaRPr b="0" lang="en-US" sz="1400" spc="-1" strike="noStrike">
-              <a:solidFill>
-                <a:srgbClr val="000000"/>
-              </a:solidFill>
-              <a:latin typeface="Arial"/>
-            </a:endParaRPr>
-          </a:p>
-        </p:txBody>
-      </p:sp>
-      <p:sp>
-        <p:nvSpPr>
-          <p:cNvPr id="14" name="PlaceHolder 3"/>
+            <a:endParaRPr b="0" lang="en-US" sz="3200" spc="-1" strike="noStrike">
+              <a:latin typeface="Arial"/>
+            </a:endParaRPr>
+          </a:p>
+        </p:txBody>
+      </p:sp>
+      <p:sp>
+        <p:nvSpPr>
+          <p:cNvPr id="12" name="PlaceHolder 3"/>
           <p:cNvSpPr>
             <a:spLocks noGrp="1"/>
           </p:cNvSpPr>
@@ -1073,8 +1009,8 @@
         </p:nvSpPr>
         <p:spPr>
           <a:xfrm>
-            <a:off x="4674240" y="1203480"/>
-            <a:ext cx="4015800" cy="2982960"/>
+            <a:off x="5187960" y="898560"/>
+            <a:ext cx="4457520" cy="2226600"/>
           </a:xfrm>
           <a:prstGeom prst="rect">
             <a:avLst/>
@@ -1085,18 +1021,15 @@
             <a:normAutofit/>
           </a:bodyPr>
           <a:p>
-            <a:endParaRPr b="0" lang="en-US" sz="1400" spc="-1" strike="noStrike">
-              <a:solidFill>
-                <a:srgbClr val="000000"/>
-              </a:solidFill>
-              <a:latin typeface="Arial"/>
-            </a:endParaRPr>
-          </a:p>
-        </p:txBody>
-      </p:sp>
-      <p:sp>
-        <p:nvSpPr>
-          <p:cNvPr id="15" name="PlaceHolder 4"/>
+            <a:endParaRPr b="0" lang="en-US" sz="3200" spc="-1" strike="noStrike">
+              <a:latin typeface="Arial"/>
+            </a:endParaRPr>
+          </a:p>
+        </p:txBody>
+      </p:sp>
+      <p:sp>
+        <p:nvSpPr>
+          <p:cNvPr id="13" name="PlaceHolder 4"/>
           <p:cNvSpPr>
             <a:spLocks noGrp="1"/>
           </p:cNvSpPr>
@@ -1106,8 +1039,8 @@
         </p:nvSpPr>
         <p:spPr>
           <a:xfrm>
-            <a:off x="457200" y="2761920"/>
-            <a:ext cx="4015800" cy="1422720"/>
+            <a:off x="507240" y="2061720"/>
+            <a:ext cx="4457520" cy="1062000"/>
           </a:xfrm>
           <a:prstGeom prst="rect">
             <a:avLst/>
@@ -1118,10 +1051,7 @@
             <a:normAutofit/>
           </a:bodyPr>
           <a:p>
-            <a:endParaRPr b="0" lang="en-US" sz="1400" spc="-1" strike="noStrike">
-              <a:solidFill>
-                <a:srgbClr val="000000"/>
-              </a:solidFill>
+            <a:endParaRPr b="0" lang="en-US" sz="3200" spc="-1" strike="noStrike">
               <a:latin typeface="Arial"/>
             </a:endParaRPr>
           </a:p>
@@ -1151,7 +1081,7 @@
       </p:grpSpPr>
       <p:sp>
         <p:nvSpPr>
-          <p:cNvPr id="16" name="PlaceHolder 1"/>
+          <p:cNvPr id="14" name="PlaceHolder 1"/>
           <p:cNvSpPr>
             <a:spLocks noGrp="1"/>
           </p:cNvSpPr>
@@ -1162,7 +1092,7 @@
         <p:spPr>
           <a:xfrm>
             <a:off x="311760" y="744480"/>
-            <a:ext cx="8520120" cy="2052360"/>
+            <a:ext cx="8519760" cy="2052000"/>
           </a:xfrm>
           <a:prstGeom prst="rect">
             <a:avLst/>
@@ -1171,18 +1101,16 @@
         <p:txBody>
           <a:bodyPr lIns="0" rIns="0" tIns="0" bIns="0" anchor="ctr"/>
           <a:p>
-            <a:endParaRPr b="0" lang="en-US" sz="1400" spc="-1" strike="noStrike">
-              <a:solidFill>
-                <a:srgbClr val="000000"/>
-              </a:solidFill>
-              <a:latin typeface="Arial"/>
-            </a:endParaRPr>
-          </a:p>
-        </p:txBody>
-      </p:sp>
-      <p:sp>
-        <p:nvSpPr>
-          <p:cNvPr id="17" name="PlaceHolder 2"/>
+            <a:pPr algn="ctr"/>
+            <a:endParaRPr b="0" lang="en-US" sz="4400" spc="-1" strike="noStrike">
+              <a:latin typeface="Arial"/>
+            </a:endParaRPr>
+          </a:p>
+        </p:txBody>
+      </p:sp>
+      <p:sp>
+        <p:nvSpPr>
+          <p:cNvPr id="15" name="PlaceHolder 2"/>
           <p:cNvSpPr>
             <a:spLocks noGrp="1"/>
           </p:cNvSpPr>
@@ -1192,8 +1120,8 @@
         </p:nvSpPr>
         <p:spPr>
           <a:xfrm>
-            <a:off x="457200" y="1203480"/>
-            <a:ext cx="4015800" cy="2982960"/>
+            <a:off x="507240" y="898560"/>
+            <a:ext cx="4457520" cy="2226600"/>
           </a:xfrm>
           <a:prstGeom prst="rect">
             <a:avLst/>
@@ -1204,18 +1132,15 @@
             <a:normAutofit/>
           </a:bodyPr>
           <a:p>
-            <a:endParaRPr b="0" lang="en-US" sz="1400" spc="-1" strike="noStrike">
-              <a:solidFill>
-                <a:srgbClr val="000000"/>
-              </a:solidFill>
-              <a:latin typeface="Arial"/>
-            </a:endParaRPr>
-          </a:p>
-        </p:txBody>
-      </p:sp>
-      <p:sp>
-        <p:nvSpPr>
-          <p:cNvPr id="18" name="PlaceHolder 3"/>
+            <a:endParaRPr b="0" lang="en-US" sz="3200" spc="-1" strike="noStrike">
+              <a:latin typeface="Arial"/>
+            </a:endParaRPr>
+          </a:p>
+        </p:txBody>
+      </p:sp>
+      <p:sp>
+        <p:nvSpPr>
+          <p:cNvPr id="16" name="PlaceHolder 3"/>
           <p:cNvSpPr>
             <a:spLocks noGrp="1"/>
           </p:cNvSpPr>
@@ -1225,8 +1150,8 @@
         </p:nvSpPr>
         <p:spPr>
           <a:xfrm>
-            <a:off x="4674240" y="1203480"/>
-            <a:ext cx="4015800" cy="1422720"/>
+            <a:off x="5187960" y="898560"/>
+            <a:ext cx="4457520" cy="1062000"/>
           </a:xfrm>
           <a:prstGeom prst="rect">
             <a:avLst/>
@@ -1237,18 +1162,15 @@
             <a:normAutofit/>
           </a:bodyPr>
           <a:p>
-            <a:endParaRPr b="0" lang="en-US" sz="1400" spc="-1" strike="noStrike">
-              <a:solidFill>
-                <a:srgbClr val="000000"/>
-              </a:solidFill>
-              <a:latin typeface="Arial"/>
-            </a:endParaRPr>
-          </a:p>
-        </p:txBody>
-      </p:sp>
-      <p:sp>
-        <p:nvSpPr>
-          <p:cNvPr id="19" name="PlaceHolder 4"/>
+            <a:endParaRPr b="0" lang="en-US" sz="3200" spc="-1" strike="noStrike">
+              <a:latin typeface="Arial"/>
+            </a:endParaRPr>
+          </a:p>
+        </p:txBody>
+      </p:sp>
+      <p:sp>
+        <p:nvSpPr>
+          <p:cNvPr id="17" name="PlaceHolder 4"/>
           <p:cNvSpPr>
             <a:spLocks noGrp="1"/>
           </p:cNvSpPr>
@@ -1258,8 +1180,8 @@
         </p:nvSpPr>
         <p:spPr>
           <a:xfrm>
-            <a:off x="4674240" y="2761920"/>
-            <a:ext cx="4015800" cy="1422720"/>
+            <a:off x="5187960" y="2061720"/>
+            <a:ext cx="4457520" cy="1062000"/>
           </a:xfrm>
           <a:prstGeom prst="rect">
             <a:avLst/>
@@ -1270,10 +1192,7 @@
             <a:normAutofit/>
           </a:bodyPr>
           <a:p>
-            <a:endParaRPr b="0" lang="en-US" sz="1400" spc="-1" strike="noStrike">
-              <a:solidFill>
-                <a:srgbClr val="000000"/>
-              </a:solidFill>
+            <a:endParaRPr b="0" lang="en-US" sz="3200" spc="-1" strike="noStrike">
               <a:latin typeface="Arial"/>
             </a:endParaRPr>
           </a:p>
@@ -1303,7 +1222,7 @@
       </p:grpSpPr>
       <p:sp>
         <p:nvSpPr>
-          <p:cNvPr id="20" name="PlaceHolder 1"/>
+          <p:cNvPr id="18" name="PlaceHolder 1"/>
           <p:cNvSpPr>
             <a:spLocks noGrp="1"/>
           </p:cNvSpPr>
@@ -1314,7 +1233,7 @@
         <p:spPr>
           <a:xfrm>
             <a:off x="311760" y="744480"/>
-            <a:ext cx="8520120" cy="2052360"/>
+            <a:ext cx="8519760" cy="2052000"/>
           </a:xfrm>
           <a:prstGeom prst="rect">
             <a:avLst/>
@@ -1323,18 +1242,16 @@
         <p:txBody>
           <a:bodyPr lIns="0" rIns="0" tIns="0" bIns="0" anchor="ctr"/>
           <a:p>
-            <a:endParaRPr b="0" lang="en-US" sz="1400" spc="-1" strike="noStrike">
-              <a:solidFill>
-                <a:srgbClr val="000000"/>
-              </a:solidFill>
-              <a:latin typeface="Arial"/>
-            </a:endParaRPr>
-          </a:p>
-        </p:txBody>
-      </p:sp>
-      <p:sp>
-        <p:nvSpPr>
-          <p:cNvPr id="21" name="PlaceHolder 2"/>
+            <a:pPr algn="ctr"/>
+            <a:endParaRPr b="0" lang="en-US" sz="4400" spc="-1" strike="noStrike">
+              <a:latin typeface="Arial"/>
+            </a:endParaRPr>
+          </a:p>
+        </p:txBody>
+      </p:sp>
+      <p:sp>
+        <p:nvSpPr>
+          <p:cNvPr id="19" name="PlaceHolder 2"/>
           <p:cNvSpPr>
             <a:spLocks noGrp="1"/>
           </p:cNvSpPr>
@@ -1344,8 +1261,8 @@
         </p:nvSpPr>
         <p:spPr>
           <a:xfrm>
-            <a:off x="457200" y="1203480"/>
-            <a:ext cx="4015800" cy="1422720"/>
+            <a:off x="507240" y="898560"/>
+            <a:ext cx="4457520" cy="1062000"/>
           </a:xfrm>
           <a:prstGeom prst="rect">
             <a:avLst/>
@@ -1356,18 +1273,15 @@
             <a:normAutofit/>
           </a:bodyPr>
           <a:p>
-            <a:endParaRPr b="0" lang="en-US" sz="1400" spc="-1" strike="noStrike">
-              <a:solidFill>
-                <a:srgbClr val="000000"/>
-              </a:solidFill>
-              <a:latin typeface="Arial"/>
-            </a:endParaRPr>
-          </a:p>
-        </p:txBody>
-      </p:sp>
-      <p:sp>
-        <p:nvSpPr>
-          <p:cNvPr id="22" name="PlaceHolder 3"/>
+            <a:endParaRPr b="0" lang="en-US" sz="3200" spc="-1" strike="noStrike">
+              <a:latin typeface="Arial"/>
+            </a:endParaRPr>
+          </a:p>
+        </p:txBody>
+      </p:sp>
+      <p:sp>
+        <p:nvSpPr>
+          <p:cNvPr id="20" name="PlaceHolder 3"/>
           <p:cNvSpPr>
             <a:spLocks noGrp="1"/>
           </p:cNvSpPr>
@@ -1377,8 +1291,8 @@
         </p:nvSpPr>
         <p:spPr>
           <a:xfrm>
-            <a:off x="4674240" y="1203480"/>
-            <a:ext cx="4015800" cy="1422720"/>
+            <a:off x="5187960" y="898560"/>
+            <a:ext cx="4457520" cy="1062000"/>
           </a:xfrm>
           <a:prstGeom prst="rect">
             <a:avLst/>
@@ -1389,18 +1303,15 @@
             <a:normAutofit/>
           </a:bodyPr>
           <a:p>
-            <a:endParaRPr b="0" lang="en-US" sz="1400" spc="-1" strike="noStrike">
-              <a:solidFill>
-                <a:srgbClr val="000000"/>
-              </a:solidFill>
-              <a:latin typeface="Arial"/>
-            </a:endParaRPr>
-          </a:p>
-        </p:txBody>
-      </p:sp>
-      <p:sp>
-        <p:nvSpPr>
-          <p:cNvPr id="23" name="PlaceHolder 4"/>
+            <a:endParaRPr b="0" lang="en-US" sz="3200" spc="-1" strike="noStrike">
+              <a:latin typeface="Arial"/>
+            </a:endParaRPr>
+          </a:p>
+        </p:txBody>
+      </p:sp>
+      <p:sp>
+        <p:nvSpPr>
+          <p:cNvPr id="21" name="PlaceHolder 4"/>
           <p:cNvSpPr>
             <a:spLocks noGrp="1"/>
           </p:cNvSpPr>
@@ -1410,8 +1321,8 @@
         </p:nvSpPr>
         <p:spPr>
           <a:xfrm>
-            <a:off x="457200" y="2761920"/>
-            <a:ext cx="8229240" cy="1422720"/>
+            <a:off x="507240" y="2061720"/>
+            <a:ext cx="9135000" cy="1062000"/>
           </a:xfrm>
           <a:prstGeom prst="rect">
             <a:avLst/>
@@ -1422,10 +1333,7 @@
             <a:normAutofit/>
           </a:bodyPr>
           <a:p>
-            <a:endParaRPr b="0" lang="en-US" sz="1400" spc="-1" strike="noStrike">
-              <a:solidFill>
-                <a:srgbClr val="000000"/>
-              </a:solidFill>
+            <a:endParaRPr b="0" lang="en-US" sz="3200" spc="-1" strike="noStrike">
               <a:latin typeface="Arial"/>
             </a:endParaRPr>
           </a:p>
@@ -1473,508 +1381,22 @@
         <p:spPr>
           <a:xfrm>
             <a:off x="311760" y="744480"/>
-            <a:ext cx="8520120" cy="2052360"/>
-          </a:xfrm>
-          <a:prstGeom prst="rect">
-            <a:avLst/>
-          </a:prstGeom>
-        </p:spPr>
-        <p:txBody>
-          <a:bodyPr tIns="91440" bIns="91440" anchor="b"/>
-          <a:p>
-            <a:r>
-              <a:rPr b="0" lang="en-US" sz="5200" spc="-1" strike="noStrike">
-                <a:solidFill>
-                  <a:srgbClr val="000000"/>
-                </a:solidFill>
-                <a:latin typeface="Arial"/>
-              </a:rPr>
-              <a:t>C</a:t>
-            </a:r>
-            <a:r>
-              <a:rPr b="0" lang="en-US" sz="5200" spc="-1" strike="noStrike">
-                <a:solidFill>
-                  <a:srgbClr val="000000"/>
-                </a:solidFill>
-                <a:latin typeface="Arial"/>
-              </a:rPr>
-              <a:t>li</a:t>
-            </a:r>
-            <a:r>
-              <a:rPr b="0" lang="en-US" sz="5200" spc="-1" strike="noStrike">
-                <a:solidFill>
-                  <a:srgbClr val="000000"/>
-                </a:solidFill>
-                <a:latin typeface="Arial"/>
-              </a:rPr>
-              <a:t>c</a:t>
-            </a:r>
-            <a:r>
-              <a:rPr b="0" lang="en-US" sz="5200" spc="-1" strike="noStrike">
-                <a:solidFill>
-                  <a:srgbClr val="000000"/>
-                </a:solidFill>
-                <a:latin typeface="Arial"/>
-              </a:rPr>
-              <a:t>k </a:t>
-            </a:r>
-            <a:r>
-              <a:rPr b="0" lang="en-US" sz="5200" spc="-1" strike="noStrike">
-                <a:solidFill>
-                  <a:srgbClr val="000000"/>
-                </a:solidFill>
-                <a:latin typeface="Arial"/>
-              </a:rPr>
-              <a:t>t</a:t>
-            </a:r>
-            <a:r>
-              <a:rPr b="0" lang="en-US" sz="5200" spc="-1" strike="noStrike">
-                <a:solidFill>
-                  <a:srgbClr val="000000"/>
-                </a:solidFill>
-                <a:latin typeface="Arial"/>
-              </a:rPr>
-              <a:t>o </a:t>
-            </a:r>
-            <a:r>
-              <a:rPr b="0" lang="en-US" sz="5200" spc="-1" strike="noStrike">
-                <a:solidFill>
-                  <a:srgbClr val="000000"/>
-                </a:solidFill>
-                <a:latin typeface="Arial"/>
-              </a:rPr>
-              <a:t>e</a:t>
-            </a:r>
-            <a:r>
-              <a:rPr b="0" lang="en-US" sz="5200" spc="-1" strike="noStrike">
-                <a:solidFill>
-                  <a:srgbClr val="000000"/>
-                </a:solidFill>
-                <a:latin typeface="Arial"/>
-              </a:rPr>
-              <a:t>d</a:t>
-            </a:r>
-            <a:r>
-              <a:rPr b="0" lang="en-US" sz="5200" spc="-1" strike="noStrike">
-                <a:solidFill>
-                  <a:srgbClr val="000000"/>
-                </a:solidFill>
-                <a:latin typeface="Arial"/>
-              </a:rPr>
-              <a:t>it </a:t>
-            </a:r>
-            <a:r>
-              <a:rPr b="0" lang="en-US" sz="5200" spc="-1" strike="noStrike">
-                <a:solidFill>
-                  <a:srgbClr val="000000"/>
-                </a:solidFill>
-                <a:latin typeface="Arial"/>
-              </a:rPr>
-              <a:t>t</a:t>
-            </a:r>
-            <a:r>
-              <a:rPr b="0" lang="en-US" sz="5200" spc="-1" strike="noStrike">
-                <a:solidFill>
-                  <a:srgbClr val="000000"/>
-                </a:solidFill>
-                <a:latin typeface="Arial"/>
-              </a:rPr>
-              <a:t>h</a:t>
-            </a:r>
-            <a:r>
-              <a:rPr b="0" lang="en-US" sz="5200" spc="-1" strike="noStrike">
-                <a:solidFill>
-                  <a:srgbClr val="000000"/>
-                </a:solidFill>
-                <a:latin typeface="Arial"/>
-              </a:rPr>
-              <a:t>e </a:t>
-            </a:r>
-            <a:r>
-              <a:rPr b="0" lang="en-US" sz="5200" spc="-1" strike="noStrike">
-                <a:solidFill>
-                  <a:srgbClr val="000000"/>
-                </a:solidFill>
-                <a:latin typeface="Arial"/>
-              </a:rPr>
-              <a:t>ti</a:t>
-            </a:r>
-            <a:r>
-              <a:rPr b="0" lang="en-US" sz="5200" spc="-1" strike="noStrike">
-                <a:solidFill>
-                  <a:srgbClr val="000000"/>
-                </a:solidFill>
-                <a:latin typeface="Arial"/>
-              </a:rPr>
-              <a:t>tl</a:t>
-            </a:r>
-            <a:r>
-              <a:rPr b="0" lang="en-US" sz="5200" spc="-1" strike="noStrike">
-                <a:solidFill>
-                  <a:srgbClr val="000000"/>
-                </a:solidFill>
-                <a:latin typeface="Arial"/>
-              </a:rPr>
-              <a:t>e </a:t>
-            </a:r>
-            <a:r>
-              <a:rPr b="0" lang="en-US" sz="5200" spc="-1" strike="noStrike">
-                <a:solidFill>
-                  <a:srgbClr val="000000"/>
-                </a:solidFill>
-                <a:latin typeface="Arial"/>
-              </a:rPr>
-              <a:t>t</a:t>
-            </a:r>
-            <a:r>
-              <a:rPr b="0" lang="en-US" sz="5200" spc="-1" strike="noStrike">
-                <a:solidFill>
-                  <a:srgbClr val="000000"/>
-                </a:solidFill>
-                <a:latin typeface="Arial"/>
-              </a:rPr>
-              <a:t>e</a:t>
-            </a:r>
-            <a:r>
-              <a:rPr b="0" lang="en-US" sz="5200" spc="-1" strike="noStrike">
-                <a:solidFill>
-                  <a:srgbClr val="000000"/>
-                </a:solidFill>
-                <a:latin typeface="Arial"/>
-              </a:rPr>
-              <a:t>x</a:t>
-            </a:r>
-            <a:r>
-              <a:rPr b="0" lang="en-US" sz="5200" spc="-1" strike="noStrike">
-                <a:solidFill>
-                  <a:srgbClr val="000000"/>
-                </a:solidFill>
-                <a:latin typeface="Arial"/>
-              </a:rPr>
-              <a:t>t </a:t>
-            </a:r>
-            <a:r>
-              <a:rPr b="0" lang="en-US" sz="5200" spc="-1" strike="noStrike">
-                <a:solidFill>
-                  <a:srgbClr val="000000"/>
-                </a:solidFill>
-                <a:latin typeface="Arial"/>
-              </a:rPr>
-              <a:t>f</a:t>
-            </a:r>
-            <a:r>
-              <a:rPr b="0" lang="en-US" sz="5200" spc="-1" strike="noStrike">
-                <a:solidFill>
-                  <a:srgbClr val="000000"/>
-                </a:solidFill>
-                <a:latin typeface="Arial"/>
-              </a:rPr>
-              <a:t>o</a:t>
-            </a:r>
-            <a:r>
-              <a:rPr b="0" lang="en-US" sz="5200" spc="-1" strike="noStrike">
-                <a:solidFill>
-                  <a:srgbClr val="000000"/>
-                </a:solidFill>
-                <a:latin typeface="Arial"/>
-              </a:rPr>
-              <a:t>r</a:t>
-            </a:r>
-            <a:r>
-              <a:rPr b="0" lang="en-US" sz="5200" spc="-1" strike="noStrike">
-                <a:solidFill>
-                  <a:srgbClr val="000000"/>
-                </a:solidFill>
-                <a:latin typeface="Arial"/>
-              </a:rPr>
-              <a:t>m</a:t>
-            </a:r>
-            <a:r>
-              <a:rPr b="0" lang="en-US" sz="5200" spc="-1" strike="noStrike">
-                <a:solidFill>
-                  <a:srgbClr val="000000"/>
-                </a:solidFill>
-                <a:latin typeface="Arial"/>
-              </a:rPr>
-              <a:t>a</a:t>
-            </a:r>
-            <a:r>
-              <a:rPr b="0" lang="en-US" sz="5200" spc="-1" strike="noStrike">
-                <a:solidFill>
-                  <a:srgbClr val="000000"/>
-                </a:solidFill>
-                <a:latin typeface="Arial"/>
-              </a:rPr>
-              <a:t>t</a:t>
-            </a:r>
-            <a:endParaRPr b="0" lang="en-US" sz="5200" spc="-1" strike="noStrike">
-              <a:solidFill>
-                <a:srgbClr val="000000"/>
-              </a:solidFill>
-              <a:latin typeface="Arial"/>
-            </a:endParaRPr>
-          </a:p>
-        </p:txBody>
-      </p:sp>
-      <p:sp>
-        <p:nvSpPr>
-          <p:cNvPr id="1" name="PlaceHolder 2"/>
-          <p:cNvSpPr>
-            <a:spLocks noGrp="1"/>
-          </p:cNvSpPr>
-          <p:nvPr>
-            <p:ph type="sldNum"/>
-          </p:nvPr>
-        </p:nvSpPr>
-        <p:spPr>
-          <a:xfrm>
-            <a:off x="8472600" y="4663080"/>
-            <a:ext cx="548280" cy="393120"/>
-          </a:xfrm>
-          <a:prstGeom prst="rect">
-            <a:avLst/>
-          </a:prstGeom>
-        </p:spPr>
-        <p:txBody>
-          <a:bodyPr tIns="91440" bIns="91440" anchor="ctr"/>
-          <a:p>
-            <a:pPr algn="r">
-              <a:lnSpc>
-                <a:spcPct val="100000"/>
-              </a:lnSpc>
-            </a:pPr>
-            <a:fld id="{629A3298-2108-459E-928E-94FDADA0E89C}" type="slidenum">
-              <a:rPr b="0" lang="en-US" sz="1000" spc="-1" strike="noStrike">
-                <a:solidFill>
-                  <a:srgbClr val="595959"/>
-                </a:solidFill>
-                <a:latin typeface="Arial"/>
-                <a:ea typeface="Arial"/>
-              </a:rPr>
-              <a:t>&lt;number&gt;</a:t>
-            </a:fld>
-            <a:endParaRPr b="0" lang="en-US" sz="1000" spc="-1" strike="noStrike">
-              <a:latin typeface="Times New Roman"/>
-            </a:endParaRPr>
-          </a:p>
-        </p:txBody>
-      </p:sp>
-      <p:sp>
-        <p:nvSpPr>
-          <p:cNvPr id="2" name="PlaceHolder 3"/>
-          <p:cNvSpPr>
-            <a:spLocks noGrp="1"/>
-          </p:cNvSpPr>
-          <p:nvPr>
-            <p:ph type="body"/>
-          </p:nvPr>
-        </p:nvSpPr>
-        <p:spPr>
-          <a:xfrm>
-            <a:off x="457200" y="1203480"/>
-            <a:ext cx="8229240" cy="2982960"/>
-          </a:xfrm>
-          <a:prstGeom prst="rect">
-            <a:avLst/>
-          </a:prstGeom>
-        </p:spPr>
-        <p:txBody>
-          <a:bodyPr lIns="0" rIns="0" tIns="0" bIns="0">
-            <a:normAutofit/>
-          </a:bodyPr>
-          <a:p>
-            <a:pPr marL="432000" indent="-324000">
-              <a:spcBef>
-                <a:spcPts val="1417"/>
-              </a:spcBef>
-              <a:buClr>
-                <a:srgbClr val="000000"/>
-              </a:buClr>
-              <a:buSzPct val="45000"/>
-              <a:buFont typeface="Wingdings" charset="2"/>
-              <a:buChar char=""/>
-            </a:pPr>
-            <a:r>
-              <a:rPr b="0" lang="en-US" sz="1400" spc="-1" strike="noStrike">
-                <a:solidFill>
-                  <a:srgbClr val="000000"/>
-                </a:solidFill>
-                <a:latin typeface="Arial"/>
-              </a:rPr>
-              <a:t>Click to edit the outline text format</a:t>
-            </a:r>
-            <a:endParaRPr b="0" lang="en-US" sz="1400" spc="-1" strike="noStrike">
-              <a:solidFill>
-                <a:srgbClr val="000000"/>
-              </a:solidFill>
-              <a:latin typeface="Arial"/>
-            </a:endParaRPr>
-          </a:p>
-          <a:p>
-            <a:pPr lvl="1" marL="864000" indent="-324000">
-              <a:spcBef>
-                <a:spcPts val="1134"/>
-              </a:spcBef>
-              <a:buClr>
-                <a:srgbClr val="000000"/>
-              </a:buClr>
-              <a:buSzPct val="75000"/>
-              <a:buFont typeface="Symbol" charset="2"/>
-              <a:buChar char=""/>
-            </a:pPr>
-            <a:r>
-              <a:rPr b="0" lang="en-US" sz="1400" spc="-1" strike="noStrike">
-                <a:solidFill>
-                  <a:srgbClr val="000000"/>
-                </a:solidFill>
-                <a:latin typeface="Arial"/>
-              </a:rPr>
-              <a:t>Second Outline Level</a:t>
-            </a:r>
-            <a:endParaRPr b="0" lang="en-US" sz="1400" spc="-1" strike="noStrike">
-              <a:solidFill>
-                <a:srgbClr val="000000"/>
-              </a:solidFill>
-              <a:latin typeface="Arial"/>
-            </a:endParaRPr>
-          </a:p>
-          <a:p>
-            <a:pPr lvl="2" marL="1296000" indent="-288000">
-              <a:spcBef>
-                <a:spcPts val="850"/>
-              </a:spcBef>
-              <a:buClr>
-                <a:srgbClr val="000000"/>
-              </a:buClr>
-              <a:buSzPct val="45000"/>
-              <a:buFont typeface="Wingdings" charset="2"/>
-              <a:buChar char=""/>
-            </a:pPr>
-            <a:r>
-              <a:rPr b="0" lang="en-US" sz="1400" spc="-1" strike="noStrike">
-                <a:solidFill>
-                  <a:srgbClr val="000000"/>
-                </a:solidFill>
-                <a:latin typeface="Arial"/>
-              </a:rPr>
-              <a:t>Third Outline Level</a:t>
-            </a:r>
-            <a:endParaRPr b="0" lang="en-US" sz="1400" spc="-1" strike="noStrike">
-              <a:solidFill>
-                <a:srgbClr val="000000"/>
-              </a:solidFill>
-              <a:latin typeface="Arial"/>
-            </a:endParaRPr>
-          </a:p>
-          <a:p>
-            <a:pPr lvl="3" marL="1728000" indent="-216000">
-              <a:spcBef>
-                <a:spcPts val="567"/>
-              </a:spcBef>
-              <a:buClr>
-                <a:srgbClr val="000000"/>
-              </a:buClr>
-              <a:buSzPct val="75000"/>
-              <a:buFont typeface="Symbol" charset="2"/>
-              <a:buChar char=""/>
-            </a:pPr>
-            <a:r>
-              <a:rPr b="0" lang="en-US" sz="1400" spc="-1" strike="noStrike">
-                <a:solidFill>
-                  <a:srgbClr val="000000"/>
-                </a:solidFill>
-                <a:latin typeface="Arial"/>
-              </a:rPr>
-              <a:t>Fourth Outline Level</a:t>
-            </a:r>
-            <a:endParaRPr b="0" lang="en-US" sz="1400" spc="-1" strike="noStrike">
-              <a:solidFill>
-                <a:srgbClr val="000000"/>
-              </a:solidFill>
-              <a:latin typeface="Arial"/>
-            </a:endParaRPr>
-          </a:p>
-          <a:p>
-            <a:pPr lvl="4" marL="2160000" indent="-216000">
-              <a:spcBef>
-                <a:spcPts val="283"/>
-              </a:spcBef>
-              <a:buClr>
-                <a:srgbClr val="000000"/>
-              </a:buClr>
-              <a:buSzPct val="45000"/>
-              <a:buFont typeface="Wingdings" charset="2"/>
-              <a:buChar char=""/>
-            </a:pPr>
-            <a:r>
-              <a:rPr b="0" lang="en-US" sz="2000" spc="-1" strike="noStrike">
-                <a:solidFill>
-                  <a:srgbClr val="000000"/>
-                </a:solidFill>
-                <a:latin typeface="Arial"/>
-              </a:rPr>
-              <a:t>Fifth Outline Level</a:t>
-            </a:r>
-            <a:endParaRPr b="0" lang="en-US" sz="2000" spc="-1" strike="noStrike">
-              <a:solidFill>
-                <a:srgbClr val="000000"/>
-              </a:solidFill>
-              <a:latin typeface="Arial"/>
-            </a:endParaRPr>
-          </a:p>
-          <a:p>
-            <a:pPr lvl="5" marL="2592000" indent="-216000">
-              <a:spcBef>
-                <a:spcPts val="283"/>
-              </a:spcBef>
-              <a:buClr>
-                <a:srgbClr val="000000"/>
-              </a:buClr>
-              <a:buSzPct val="45000"/>
-              <a:buFont typeface="Wingdings" charset="2"/>
-              <a:buChar char=""/>
-            </a:pPr>
-            <a:r>
-              <a:rPr b="0" lang="en-US" sz="2000" spc="-1" strike="noStrike">
-                <a:solidFill>
-                  <a:srgbClr val="000000"/>
-                </a:solidFill>
-                <a:latin typeface="Arial"/>
-              </a:rPr>
-              <a:t>Sixth Outline Level</a:t>
-            </a:r>
-            <a:endParaRPr b="0" lang="en-US" sz="2000" spc="-1" strike="noStrike">
-              <a:solidFill>
-                <a:srgbClr val="000000"/>
-              </a:solidFill>
-              <a:latin typeface="Arial"/>
-            </a:endParaRPr>
-          </a:p>
-          <a:p>
-            <a:pPr lvl="6" marL="3024000" indent="-216000">
-              <a:spcBef>
-                <a:spcPts val="283"/>
-              </a:spcBef>
-              <a:buClr>
-                <a:srgbClr val="000000"/>
-              </a:buClr>
-              <a:buSzPct val="45000"/>
-              <a:buFont typeface="Wingdings" charset="2"/>
-              <a:buChar char=""/>
-            </a:pPr>
-            <a:r>
-              <a:rPr b="0" lang="en-US" sz="2000" spc="-1" strike="noStrike">
-                <a:solidFill>
-                  <a:srgbClr val="000000"/>
-                </a:solidFill>
-                <a:latin typeface="Arial"/>
-              </a:rPr>
-              <a:t>Seventh Outline Level</a:t>
-            </a:r>
-            <a:endParaRPr b="0" lang="en-US" sz="2000" spc="-1" strike="noStrike">
-              <a:solidFill>
-                <a:srgbClr val="000000"/>
-              </a:solidFill>
+            <a:ext cx="8519760" cy="2052000"/>
+          </a:xfrm>
+          <a:prstGeom prst="rect">
+            <a:avLst/>
+          </a:prstGeom>
+        </p:spPr>
+        <p:txBody>
+          <a:bodyPr lIns="0" rIns="0" tIns="0" bIns="0" anchor="ctr"/>
+          <a:p>
+            <a:r>
+              <a:rPr b="0" lang="en-US" sz="1800" spc="-1" strike="noStrike">
+                <a:latin typeface="Arial"/>
+              </a:rPr>
+              <a:t>Click to edit the title text format</a:t>
+            </a:r>
+            <a:endParaRPr b="0" lang="en-US" sz="1800" spc="-1" strike="noStrike">
               <a:latin typeface="Arial"/>
             </a:endParaRPr>
           </a:p>
@@ -2026,14 +1448,14 @@
       </p:grpSpPr>
       <p:sp>
         <p:nvSpPr>
-          <p:cNvPr id="39" name="CustomShape 1"/>
+          <p:cNvPr id="37" name="CustomShape 1"/>
           <p:cNvSpPr/>
           <p:nvPr/>
         </p:nvSpPr>
         <p:spPr>
           <a:xfrm>
             <a:off x="3086640" y="2058120"/>
-            <a:ext cx="2196720" cy="1149120"/>
+            <a:ext cx="2196360" cy="1148760"/>
           </a:xfrm>
           <a:prstGeom prst="rect">
             <a:avLst/>
@@ -2057,14 +1479,14 @@
       </p:sp>
       <p:sp>
         <p:nvSpPr>
-          <p:cNvPr id="40" name="CustomShape 2"/>
+          <p:cNvPr id="38" name="CustomShape 2"/>
           <p:cNvSpPr/>
           <p:nvPr/>
         </p:nvSpPr>
         <p:spPr>
           <a:xfrm>
             <a:off x="273240" y="2064960"/>
-            <a:ext cx="2196720" cy="1203120"/>
+            <a:ext cx="2196360" cy="1202760"/>
           </a:xfrm>
           <a:prstGeom prst="rect">
             <a:avLst/>
@@ -2088,14 +1510,14 @@
       </p:sp>
       <p:sp>
         <p:nvSpPr>
-          <p:cNvPr id="41" name="CustomShape 3"/>
+          <p:cNvPr id="39" name="CustomShape 3"/>
           <p:cNvSpPr/>
           <p:nvPr/>
         </p:nvSpPr>
         <p:spPr>
           <a:xfrm>
             <a:off x="3287520" y="509400"/>
-            <a:ext cx="1602360" cy="1149120"/>
+            <a:ext cx="1602000" cy="1148760"/>
           </a:xfrm>
           <a:prstGeom prst="rect">
             <a:avLst/>
@@ -2119,14 +1541,14 @@
       </p:sp>
       <p:sp>
         <p:nvSpPr>
-          <p:cNvPr id="42" name="CustomShape 4"/>
+          <p:cNvPr id="40" name="CustomShape 4"/>
           <p:cNvSpPr/>
           <p:nvPr/>
         </p:nvSpPr>
         <p:spPr>
           <a:xfrm>
             <a:off x="74520" y="509400"/>
-            <a:ext cx="2514600" cy="1149120"/>
+            <a:ext cx="2514240" cy="1148760"/>
           </a:xfrm>
           <a:prstGeom prst="rect">
             <a:avLst/>
@@ -2150,31 +1572,31 @@
       </p:sp>
       <p:sp>
         <p:nvSpPr>
-          <p:cNvPr id="43" name="CustomShape 5"/>
+          <p:cNvPr id="41" name="CustomShape 5"/>
           <p:cNvSpPr/>
           <p:nvPr/>
         </p:nvSpPr>
         <p:spPr>
           <a:xfrm>
             <a:off x="43560" y="1379880"/>
-            <a:ext cx="492120" cy="177480"/>
-          </a:xfrm>
-          <a:prstGeom prst="rect">
-            <a:avLst/>
-          </a:prstGeom>
-          <a:noFill/>
-          <a:ln>
-            <a:noFill/>
-          </a:ln>
-        </p:spPr>
-        <p:style>
-          <a:lnRef idx="0"/>
-          <a:fillRef idx="0"/>
-          <a:effectRef idx="0"/>
-          <a:fontRef idx="minor"/>
-        </p:style>
-        <p:txBody>
-          <a:bodyPr tIns="91440" bIns="91440"/>
+            <a:ext cx="491760" cy="177120"/>
+          </a:xfrm>
+          <a:prstGeom prst="rect">
+            <a:avLst/>
+          </a:prstGeom>
+          <a:noFill/>
+          <a:ln>
+            <a:noFill/>
+          </a:ln>
+        </p:spPr>
+        <p:style>
+          <a:lnRef idx="0"/>
+          <a:fillRef idx="0"/>
+          <a:effectRef idx="0"/>
+          <a:fontRef idx="minor"/>
+        </p:style>
+        <p:txBody>
+          <a:bodyPr lIns="90000" rIns="90000" tIns="91440" bIns="91440"/>
           <a:p>
             <a:pPr>
               <a:lnSpc>
@@ -2202,31 +1624,31 @@
       </p:sp>
       <p:sp>
         <p:nvSpPr>
-          <p:cNvPr id="44" name="CustomShape 6"/>
+          <p:cNvPr id="42" name="CustomShape 6"/>
           <p:cNvSpPr/>
           <p:nvPr/>
         </p:nvSpPr>
         <p:spPr>
           <a:xfrm>
             <a:off x="610200" y="1379880"/>
-            <a:ext cx="424080" cy="177480"/>
-          </a:xfrm>
-          <a:prstGeom prst="rect">
-            <a:avLst/>
-          </a:prstGeom>
-          <a:noFill/>
-          <a:ln>
-            <a:noFill/>
-          </a:ln>
-        </p:spPr>
-        <p:style>
-          <a:lnRef idx="0"/>
-          <a:fillRef idx="0"/>
-          <a:effectRef idx="0"/>
-          <a:fontRef idx="minor"/>
-        </p:style>
-        <p:txBody>
-          <a:bodyPr tIns="91440" bIns="91440"/>
+            <a:ext cx="423720" cy="177120"/>
+          </a:xfrm>
+          <a:prstGeom prst="rect">
+            <a:avLst/>
+          </a:prstGeom>
+          <a:noFill/>
+          <a:ln>
+            <a:noFill/>
+          </a:ln>
+        </p:spPr>
+        <p:style>
+          <a:lnRef idx="0"/>
+          <a:fillRef idx="0"/>
+          <a:effectRef idx="0"/>
+          <a:fontRef idx="minor"/>
+        </p:style>
+        <p:txBody>
+          <a:bodyPr lIns="90000" rIns="90000" tIns="91440" bIns="91440"/>
           <a:p>
             <a:pPr>
               <a:lnSpc>
@@ -2254,31 +1676,31 @@
       </p:sp>
       <p:sp>
         <p:nvSpPr>
-          <p:cNvPr id="45" name="CustomShape 7"/>
+          <p:cNvPr id="43" name="CustomShape 7"/>
           <p:cNvSpPr/>
           <p:nvPr/>
         </p:nvSpPr>
         <p:spPr>
           <a:xfrm>
             <a:off x="1039680" y="1379880"/>
-            <a:ext cx="424080" cy="177480"/>
-          </a:xfrm>
-          <a:prstGeom prst="rect">
-            <a:avLst/>
-          </a:prstGeom>
-          <a:noFill/>
-          <a:ln>
-            <a:noFill/>
-          </a:ln>
-        </p:spPr>
-        <p:style>
-          <a:lnRef idx="0"/>
-          <a:fillRef idx="0"/>
-          <a:effectRef idx="0"/>
-          <a:fontRef idx="minor"/>
-        </p:style>
-        <p:txBody>
-          <a:bodyPr tIns="91440" bIns="91440"/>
+            <a:ext cx="423720" cy="177120"/>
+          </a:xfrm>
+          <a:prstGeom prst="rect">
+            <a:avLst/>
+          </a:prstGeom>
+          <a:noFill/>
+          <a:ln>
+            <a:noFill/>
+          </a:ln>
+        </p:spPr>
+        <p:style>
+          <a:lnRef idx="0"/>
+          <a:fillRef idx="0"/>
+          <a:effectRef idx="0"/>
+          <a:fontRef idx="minor"/>
+        </p:style>
+        <p:txBody>
+          <a:bodyPr lIns="90000" rIns="90000" tIns="91440" bIns="91440"/>
           <a:p>
             <a:pPr>
               <a:lnSpc>
@@ -2306,31 +1728,31 @@
       </p:sp>
       <p:sp>
         <p:nvSpPr>
-          <p:cNvPr id="46" name="CustomShape 8"/>
+          <p:cNvPr id="44" name="CustomShape 8"/>
           <p:cNvSpPr/>
           <p:nvPr/>
         </p:nvSpPr>
         <p:spPr>
           <a:xfrm>
             <a:off x="1486080" y="1379880"/>
-            <a:ext cx="532440" cy="177480"/>
-          </a:xfrm>
-          <a:prstGeom prst="rect">
-            <a:avLst/>
-          </a:prstGeom>
-          <a:noFill/>
-          <a:ln>
-            <a:noFill/>
-          </a:ln>
-        </p:spPr>
-        <p:style>
-          <a:lnRef idx="0"/>
-          <a:fillRef idx="0"/>
-          <a:effectRef idx="0"/>
-          <a:fontRef idx="minor"/>
-        </p:style>
-        <p:txBody>
-          <a:bodyPr tIns="91440" bIns="91440"/>
+            <a:ext cx="532080" cy="177120"/>
+          </a:xfrm>
+          <a:prstGeom prst="rect">
+            <a:avLst/>
+          </a:prstGeom>
+          <a:noFill/>
+          <a:ln>
+            <a:noFill/>
+          </a:ln>
+        </p:spPr>
+        <p:style>
+          <a:lnRef idx="0"/>
+          <a:fillRef idx="0"/>
+          <a:effectRef idx="0"/>
+          <a:fontRef idx="minor"/>
+        </p:style>
+        <p:txBody>
+          <a:bodyPr lIns="90000" rIns="90000" tIns="91440" bIns="91440"/>
           <a:p>
             <a:pPr>
               <a:lnSpc>
@@ -2358,31 +1780,31 @@
       </p:sp>
       <p:sp>
         <p:nvSpPr>
-          <p:cNvPr id="47" name="CustomShape 9"/>
+          <p:cNvPr id="45" name="CustomShape 9"/>
           <p:cNvSpPr/>
           <p:nvPr/>
         </p:nvSpPr>
         <p:spPr>
           <a:xfrm>
             <a:off x="2109600" y="1379880"/>
-            <a:ext cx="630720" cy="177480"/>
-          </a:xfrm>
-          <a:prstGeom prst="rect">
-            <a:avLst/>
-          </a:prstGeom>
-          <a:noFill/>
-          <a:ln>
-            <a:noFill/>
-          </a:ln>
-        </p:spPr>
-        <p:style>
-          <a:lnRef idx="0"/>
-          <a:fillRef idx="0"/>
-          <a:effectRef idx="0"/>
-          <a:fontRef idx="minor"/>
-        </p:style>
-        <p:txBody>
-          <a:bodyPr tIns="91440" bIns="91440"/>
+            <a:ext cx="630360" cy="177120"/>
+          </a:xfrm>
+          <a:prstGeom prst="rect">
+            <a:avLst/>
+          </a:prstGeom>
+          <a:noFill/>
+          <a:ln>
+            <a:noFill/>
+          </a:ln>
+        </p:spPr>
+        <p:style>
+          <a:lnRef idx="0"/>
+          <a:fillRef idx="0"/>
+          <a:effectRef idx="0"/>
+          <a:fontRef idx="minor"/>
+        </p:style>
+        <p:txBody>
+          <a:bodyPr lIns="90000" rIns="90000" tIns="91440" bIns="91440"/>
           <a:p>
             <a:pPr>
               <a:lnSpc>
@@ -2410,14 +1832,14 @@
       </p:sp>
       <p:sp>
         <p:nvSpPr>
-          <p:cNvPr id="48" name="CustomShape 10"/>
+          <p:cNvPr id="46" name="CustomShape 10"/>
           <p:cNvSpPr/>
           <p:nvPr/>
         </p:nvSpPr>
         <p:spPr>
           <a:xfrm rot="5400000">
             <a:off x="556200" y="1113840"/>
-            <a:ext cx="360" cy="532440"/>
+            <a:ext cx="360" cy="532080"/>
           </a:xfrm>
           <a:prstGeom prst="curvedConnector3">
             <a:avLst>
@@ -2442,14 +1864,14 @@
       </p:sp>
       <p:sp>
         <p:nvSpPr>
-          <p:cNvPr id="49" name="CustomShape 11"/>
+          <p:cNvPr id="47" name="CustomShape 11"/>
           <p:cNvSpPr/>
           <p:nvPr/>
         </p:nvSpPr>
         <p:spPr>
           <a:xfrm rot="5400000">
-            <a:off x="1838520" y="793440"/>
-            <a:ext cx="360" cy="1172880"/>
+            <a:off x="1838880" y="793440"/>
+            <a:ext cx="360" cy="1172520"/>
           </a:xfrm>
           <a:prstGeom prst="curvedConnector3">
             <a:avLst>
@@ -2474,14 +1896,14 @@
       </p:sp>
       <p:sp>
         <p:nvSpPr>
-          <p:cNvPr id="50" name="CustomShape 12"/>
+          <p:cNvPr id="48" name="CustomShape 12"/>
           <p:cNvSpPr/>
           <p:nvPr/>
         </p:nvSpPr>
         <p:spPr>
           <a:xfrm rot="5400000">
             <a:off x="2089080" y="1044000"/>
-            <a:ext cx="360" cy="672120"/>
+            <a:ext cx="360" cy="671760"/>
           </a:xfrm>
           <a:prstGeom prst="curvedConnector3">
             <a:avLst>
@@ -2506,14 +1928,14 @@
       </p:sp>
       <p:sp>
         <p:nvSpPr>
-          <p:cNvPr id="51" name="CustomShape 13"/>
+          <p:cNvPr id="49" name="CustomShape 13"/>
           <p:cNvSpPr/>
           <p:nvPr/>
         </p:nvSpPr>
         <p:spPr>
           <a:xfrm flipH="1" rot="16200000">
             <a:off x="1622880" y="578880"/>
-            <a:ext cx="360" cy="1602360"/>
+            <a:ext cx="360" cy="1602000"/>
           </a:xfrm>
           <a:prstGeom prst="curvedConnector3">
             <a:avLst>
@@ -2538,31 +1960,31 @@
       </p:sp>
       <p:sp>
         <p:nvSpPr>
-          <p:cNvPr id="52" name="CustomShape 14"/>
+          <p:cNvPr id="50" name="CustomShape 14"/>
           <p:cNvSpPr/>
           <p:nvPr/>
         </p:nvSpPr>
         <p:spPr>
           <a:xfrm>
             <a:off x="371160" y="927360"/>
-            <a:ext cx="532440" cy="128520"/>
-          </a:xfrm>
-          <a:prstGeom prst="rect">
-            <a:avLst/>
-          </a:prstGeom>
-          <a:noFill/>
-          <a:ln>
-            <a:noFill/>
-          </a:ln>
-        </p:spPr>
-        <p:style>
-          <a:lnRef idx="0"/>
-          <a:fillRef idx="0"/>
-          <a:effectRef idx="0"/>
-          <a:fontRef idx="minor"/>
-        </p:style>
-        <p:txBody>
-          <a:bodyPr tIns="91440" bIns="91440" anchor="ctr"/>
+            <a:ext cx="532080" cy="128160"/>
+          </a:xfrm>
+          <a:prstGeom prst="rect">
+            <a:avLst/>
+          </a:prstGeom>
+          <a:noFill/>
+          <a:ln>
+            <a:noFill/>
+          </a:ln>
+        </p:spPr>
+        <p:style>
+          <a:lnRef idx="0"/>
+          <a:fillRef idx="0"/>
+          <a:effectRef idx="0"/>
+          <a:fontRef idx="minor"/>
+        </p:style>
+        <p:txBody>
+          <a:bodyPr lIns="90000" rIns="90000" tIns="91440" bIns="91440" anchor="ctr"/>
           <a:p>
             <a:pPr>
               <a:lnSpc>
@@ -2587,31 +2009,31 @@
       </p:sp>
       <p:sp>
         <p:nvSpPr>
-          <p:cNvPr id="53" name="CustomShape 15"/>
+          <p:cNvPr id="51" name="CustomShape 15"/>
           <p:cNvSpPr/>
           <p:nvPr/>
         </p:nvSpPr>
         <p:spPr>
           <a:xfrm>
             <a:off x="1319400" y="901440"/>
-            <a:ext cx="492120" cy="162720"/>
-          </a:xfrm>
-          <a:prstGeom prst="rect">
-            <a:avLst/>
-          </a:prstGeom>
-          <a:noFill/>
-          <a:ln>
-            <a:noFill/>
-          </a:ln>
-        </p:spPr>
-        <p:style>
-          <a:lnRef idx="0"/>
-          <a:fillRef idx="0"/>
-          <a:effectRef idx="0"/>
-          <a:fontRef idx="minor"/>
-        </p:style>
-        <p:txBody>
-          <a:bodyPr tIns="91440" bIns="91440"/>
+            <a:ext cx="491760" cy="162360"/>
+          </a:xfrm>
+          <a:prstGeom prst="rect">
+            <a:avLst/>
+          </a:prstGeom>
+          <a:noFill/>
+          <a:ln>
+            <a:noFill/>
+          </a:ln>
+        </p:spPr>
+        <p:style>
+          <a:lnRef idx="0"/>
+          <a:fillRef idx="0"/>
+          <a:effectRef idx="0"/>
+          <a:fontRef idx="minor"/>
+        </p:style>
+        <p:txBody>
+          <a:bodyPr lIns="90000" rIns="90000" tIns="91440" bIns="91440"/>
           <a:p>
             <a:pPr>
               <a:lnSpc>
@@ -2636,31 +2058,31 @@
       </p:sp>
       <p:sp>
         <p:nvSpPr>
-          <p:cNvPr id="54" name="CustomShape 16"/>
+          <p:cNvPr id="52" name="CustomShape 16"/>
           <p:cNvSpPr/>
           <p:nvPr/>
         </p:nvSpPr>
         <p:spPr>
           <a:xfrm>
             <a:off x="1604520" y="828360"/>
-            <a:ext cx="492120" cy="128520"/>
-          </a:xfrm>
-          <a:prstGeom prst="rect">
-            <a:avLst/>
-          </a:prstGeom>
-          <a:noFill/>
-          <a:ln>
-            <a:noFill/>
-          </a:ln>
-        </p:spPr>
-        <p:style>
-          <a:lnRef idx="0"/>
-          <a:fillRef idx="0"/>
-          <a:effectRef idx="0"/>
-          <a:fontRef idx="minor"/>
-        </p:style>
-        <p:txBody>
-          <a:bodyPr tIns="91440" bIns="91440" anchor="ctr"/>
+            <a:ext cx="491760" cy="128160"/>
+          </a:xfrm>
+          <a:prstGeom prst="rect">
+            <a:avLst/>
+          </a:prstGeom>
+          <a:noFill/>
+          <a:ln>
+            <a:noFill/>
+          </a:ln>
+        </p:spPr>
+        <p:style>
+          <a:lnRef idx="0"/>
+          <a:fillRef idx="0"/>
+          <a:effectRef idx="0"/>
+          <a:fontRef idx="minor"/>
+        </p:style>
+        <p:txBody>
+          <a:bodyPr lIns="90000" rIns="90000" tIns="91440" bIns="91440" anchor="ctr"/>
           <a:p>
             <a:pPr>
               <a:lnSpc>
@@ -2685,31 +2107,31 @@
       </p:sp>
       <p:sp>
         <p:nvSpPr>
-          <p:cNvPr id="55" name="CustomShape 17"/>
+          <p:cNvPr id="53" name="CustomShape 17"/>
           <p:cNvSpPr/>
           <p:nvPr/>
         </p:nvSpPr>
         <p:spPr>
           <a:xfrm>
             <a:off x="1868760" y="1229760"/>
-            <a:ext cx="574920" cy="128520"/>
-          </a:xfrm>
-          <a:prstGeom prst="rect">
-            <a:avLst/>
-          </a:prstGeom>
-          <a:noFill/>
-          <a:ln>
-            <a:noFill/>
-          </a:ln>
-        </p:spPr>
-        <p:style>
-          <a:lnRef idx="0"/>
-          <a:fillRef idx="0"/>
-          <a:effectRef idx="0"/>
-          <a:fontRef idx="minor"/>
-        </p:style>
-        <p:txBody>
-          <a:bodyPr tIns="91440" bIns="91440" anchor="ctr"/>
+            <a:ext cx="574560" cy="128160"/>
+          </a:xfrm>
+          <a:prstGeom prst="rect">
+            <a:avLst/>
+          </a:prstGeom>
+          <a:noFill/>
+          <a:ln>
+            <a:noFill/>
+          </a:ln>
+        </p:spPr>
+        <p:style>
+          <a:lnRef idx="0"/>
+          <a:fillRef idx="0"/>
+          <a:effectRef idx="0"/>
+          <a:fontRef idx="minor"/>
+        </p:style>
+        <p:txBody>
+          <a:bodyPr lIns="90000" rIns="90000" tIns="91440" bIns="91440" anchor="ctr"/>
           <a:p>
             <a:pPr>
               <a:lnSpc>
@@ -2734,31 +2156,31 @@
       </p:sp>
       <p:sp>
         <p:nvSpPr>
-          <p:cNvPr id="56" name="CustomShape 18"/>
+          <p:cNvPr id="54" name="CustomShape 18"/>
           <p:cNvSpPr/>
           <p:nvPr/>
         </p:nvSpPr>
         <p:spPr>
           <a:xfrm>
             <a:off x="714600" y="3024360"/>
-            <a:ext cx="492120" cy="177480"/>
-          </a:xfrm>
-          <a:prstGeom prst="rect">
-            <a:avLst/>
-          </a:prstGeom>
-          <a:noFill/>
-          <a:ln>
-            <a:noFill/>
-          </a:ln>
-        </p:spPr>
-        <p:style>
-          <a:lnRef idx="0"/>
-          <a:fillRef idx="0"/>
-          <a:effectRef idx="0"/>
-          <a:fontRef idx="minor"/>
-        </p:style>
-        <p:txBody>
-          <a:bodyPr tIns="91440" bIns="91440"/>
+            <a:ext cx="491760" cy="177120"/>
+          </a:xfrm>
+          <a:prstGeom prst="rect">
+            <a:avLst/>
+          </a:prstGeom>
+          <a:noFill/>
+          <a:ln>
+            <a:noFill/>
+          </a:ln>
+        </p:spPr>
+        <p:style>
+          <a:lnRef idx="0"/>
+          <a:fillRef idx="0"/>
+          <a:effectRef idx="0"/>
+          <a:fontRef idx="minor"/>
+        </p:style>
+        <p:txBody>
+          <a:bodyPr lIns="90000" rIns="90000" tIns="91440" bIns="91440"/>
           <a:p>
             <a:pPr>
               <a:lnSpc>
@@ -2786,31 +2208,31 @@
       </p:sp>
       <p:sp>
         <p:nvSpPr>
-          <p:cNvPr id="57" name="CustomShape 19"/>
+          <p:cNvPr id="55" name="CustomShape 19"/>
           <p:cNvSpPr/>
           <p:nvPr/>
         </p:nvSpPr>
         <p:spPr>
           <a:xfrm>
             <a:off x="289800" y="2668320"/>
-            <a:ext cx="424080" cy="177480"/>
-          </a:xfrm>
-          <a:prstGeom prst="rect">
-            <a:avLst/>
-          </a:prstGeom>
-          <a:noFill/>
-          <a:ln>
-            <a:noFill/>
-          </a:ln>
-        </p:spPr>
-        <p:style>
-          <a:lnRef idx="0"/>
-          <a:fillRef idx="0"/>
-          <a:effectRef idx="0"/>
-          <a:fontRef idx="minor"/>
-        </p:style>
-        <p:txBody>
-          <a:bodyPr tIns="91440" bIns="91440"/>
+            <a:ext cx="423720" cy="177120"/>
+          </a:xfrm>
+          <a:prstGeom prst="rect">
+            <a:avLst/>
+          </a:prstGeom>
+          <a:noFill/>
+          <a:ln>
+            <a:noFill/>
+          </a:ln>
+        </p:spPr>
+        <p:style>
+          <a:lnRef idx="0"/>
+          <a:fillRef idx="0"/>
+          <a:effectRef idx="0"/>
+          <a:fontRef idx="minor"/>
+        </p:style>
+        <p:txBody>
+          <a:bodyPr lIns="90000" rIns="90000" tIns="91440" bIns="91440"/>
           <a:p>
             <a:pPr>
               <a:lnSpc>
@@ -2838,31 +2260,31 @@
       </p:sp>
       <p:sp>
         <p:nvSpPr>
-          <p:cNvPr id="58" name="CustomShape 20"/>
+          <p:cNvPr id="56" name="CustomShape 20"/>
           <p:cNvSpPr/>
           <p:nvPr/>
         </p:nvSpPr>
         <p:spPr>
           <a:xfrm>
             <a:off x="1520280" y="2846160"/>
-            <a:ext cx="424080" cy="177480"/>
-          </a:xfrm>
-          <a:prstGeom prst="rect">
-            <a:avLst/>
-          </a:prstGeom>
-          <a:noFill/>
-          <a:ln>
-            <a:noFill/>
-          </a:ln>
-        </p:spPr>
-        <p:style>
-          <a:lnRef idx="0"/>
-          <a:fillRef idx="0"/>
-          <a:effectRef idx="0"/>
-          <a:fontRef idx="minor"/>
-        </p:style>
-        <p:txBody>
-          <a:bodyPr tIns="91440" bIns="91440"/>
+            <a:ext cx="423720" cy="177120"/>
+          </a:xfrm>
+          <a:prstGeom prst="rect">
+            <a:avLst/>
+          </a:prstGeom>
+          <a:noFill/>
+          <a:ln>
+            <a:noFill/>
+          </a:ln>
+        </p:spPr>
+        <p:style>
+          <a:lnRef idx="0"/>
+          <a:fillRef idx="0"/>
+          <a:effectRef idx="0"/>
+          <a:fontRef idx="minor"/>
+        </p:style>
+        <p:txBody>
+          <a:bodyPr lIns="90000" rIns="90000" tIns="91440" bIns="91440"/>
           <a:p>
             <a:pPr>
               <a:lnSpc>
@@ -2890,31 +2312,31 @@
       </p:sp>
       <p:sp>
         <p:nvSpPr>
-          <p:cNvPr id="59" name="CustomShape 21"/>
+          <p:cNvPr id="57" name="CustomShape 21"/>
           <p:cNvSpPr/>
           <p:nvPr/>
         </p:nvSpPr>
         <p:spPr>
           <a:xfrm>
             <a:off x="1945080" y="2593800"/>
-            <a:ext cx="532440" cy="177480"/>
-          </a:xfrm>
-          <a:prstGeom prst="rect">
-            <a:avLst/>
-          </a:prstGeom>
-          <a:noFill/>
-          <a:ln>
-            <a:noFill/>
-          </a:ln>
-        </p:spPr>
-        <p:style>
-          <a:lnRef idx="0"/>
-          <a:fillRef idx="0"/>
-          <a:effectRef idx="0"/>
-          <a:fontRef idx="minor"/>
-        </p:style>
-        <p:txBody>
-          <a:bodyPr tIns="91440" bIns="91440"/>
+            <a:ext cx="532080" cy="177120"/>
+          </a:xfrm>
+          <a:prstGeom prst="rect">
+            <a:avLst/>
+          </a:prstGeom>
+          <a:noFill/>
+          <a:ln>
+            <a:noFill/>
+          </a:ln>
+        </p:spPr>
+        <p:style>
+          <a:lnRef idx="0"/>
+          <a:fillRef idx="0"/>
+          <a:effectRef idx="0"/>
+          <a:fontRef idx="minor"/>
+        </p:style>
+        <p:txBody>
+          <a:bodyPr lIns="90000" rIns="90000" tIns="91440" bIns="91440"/>
           <a:p>
             <a:pPr>
               <a:lnSpc>
@@ -2942,31 +2364,31 @@
       </p:sp>
       <p:sp>
         <p:nvSpPr>
-          <p:cNvPr id="60" name="CustomShape 22"/>
+          <p:cNvPr id="58" name="CustomShape 22"/>
           <p:cNvSpPr/>
           <p:nvPr/>
         </p:nvSpPr>
         <p:spPr>
           <a:xfrm>
             <a:off x="1001520" y="2550240"/>
-            <a:ext cx="630720" cy="177480"/>
-          </a:xfrm>
-          <a:prstGeom prst="rect">
-            <a:avLst/>
-          </a:prstGeom>
-          <a:noFill/>
-          <a:ln>
-            <a:noFill/>
-          </a:ln>
-        </p:spPr>
-        <p:style>
-          <a:lnRef idx="0"/>
-          <a:fillRef idx="0"/>
-          <a:effectRef idx="0"/>
-          <a:fontRef idx="minor"/>
-        </p:style>
-        <p:txBody>
-          <a:bodyPr tIns="91440" bIns="91440"/>
+            <a:ext cx="630360" cy="177120"/>
+          </a:xfrm>
+          <a:prstGeom prst="rect">
+            <a:avLst/>
+          </a:prstGeom>
+          <a:noFill/>
+          <a:ln>
+            <a:noFill/>
+          </a:ln>
+        </p:spPr>
+        <p:style>
+          <a:lnRef idx="0"/>
+          <a:fillRef idx="0"/>
+          <a:effectRef idx="0"/>
+          <a:fontRef idx="minor"/>
+        </p:style>
+        <p:txBody>
+          <a:bodyPr lIns="90000" rIns="90000" tIns="91440" bIns="91440"/>
           <a:p>
             <a:pPr>
               <a:lnSpc>
@@ -2994,14 +2416,14 @@
       </p:sp>
       <p:sp>
         <p:nvSpPr>
-          <p:cNvPr id="61" name="CustomShape 23"/>
+          <p:cNvPr id="59" name="CustomShape 23"/>
           <p:cNvSpPr/>
           <p:nvPr/>
         </p:nvSpPr>
         <p:spPr>
           <a:xfrm flipH="1" rot="16200000">
-            <a:off x="553320" y="2616840"/>
-            <a:ext cx="355320" cy="458280"/>
+            <a:off x="553680" y="2616840"/>
+            <a:ext cx="354960" cy="457920"/>
           </a:xfrm>
           <a:prstGeom prst="curvedConnector3">
             <a:avLst>
@@ -3026,14 +2448,14 @@
       </p:sp>
       <p:sp>
         <p:nvSpPr>
-          <p:cNvPr id="62" name="CustomShape 24"/>
+          <p:cNvPr id="60" name="CustomShape 24"/>
           <p:cNvSpPr/>
           <p:nvPr/>
         </p:nvSpPr>
         <p:spPr>
           <a:xfrm flipH="1" rot="16200000">
-            <a:off x="1376280" y="2490480"/>
-            <a:ext cx="295560" cy="415080"/>
+            <a:off x="1376640" y="2490480"/>
+            <a:ext cx="295200" cy="414720"/>
           </a:xfrm>
           <a:prstGeom prst="curvedConnector5">
             <a:avLst>
@@ -3060,14 +2482,14 @@
       </p:sp>
       <p:sp>
         <p:nvSpPr>
-          <p:cNvPr id="63" name="CustomShape 25"/>
+          <p:cNvPr id="61" name="CustomShape 25"/>
           <p:cNvSpPr/>
           <p:nvPr/>
         </p:nvSpPr>
         <p:spPr>
           <a:xfrm flipH="1" rot="16200000">
-            <a:off x="1741680" y="2124720"/>
-            <a:ext cx="43200" cy="893880"/>
+            <a:off x="1742040" y="2124720"/>
+            <a:ext cx="42840" cy="893520"/>
           </a:xfrm>
           <a:prstGeom prst="curvedConnector3">
             <a:avLst>
@@ -3092,14 +2514,14 @@
       </p:sp>
       <p:sp>
         <p:nvSpPr>
-          <p:cNvPr id="64" name="CustomShape 26"/>
+          <p:cNvPr id="62" name="CustomShape 26"/>
           <p:cNvSpPr/>
           <p:nvPr/>
         </p:nvSpPr>
         <p:spPr>
           <a:xfrm rot="16200000">
-            <a:off x="850320" y="2202120"/>
-            <a:ext cx="117720" cy="814320"/>
+            <a:off x="850320" y="2202480"/>
+            <a:ext cx="117360" cy="813960"/>
           </a:xfrm>
           <a:prstGeom prst="curvedConnector3">
             <a:avLst>
@@ -3124,31 +2546,31 @@
       </p:sp>
       <p:sp>
         <p:nvSpPr>
-          <p:cNvPr id="65" name="CustomShape 27"/>
+          <p:cNvPr id="63" name="CustomShape 27"/>
           <p:cNvSpPr/>
           <p:nvPr/>
         </p:nvSpPr>
         <p:spPr>
           <a:xfrm>
             <a:off x="714600" y="2008440"/>
-            <a:ext cx="1602360" cy="305280"/>
-          </a:xfrm>
-          <a:prstGeom prst="rect">
-            <a:avLst/>
-          </a:prstGeom>
-          <a:noFill/>
-          <a:ln>
-            <a:noFill/>
-          </a:ln>
-        </p:spPr>
-        <p:style>
-          <a:lnRef idx="0"/>
-          <a:fillRef idx="0"/>
-          <a:effectRef idx="0"/>
-          <a:fontRef idx="minor"/>
-        </p:style>
-        <p:txBody>
-          <a:bodyPr tIns="91440" bIns="91440"/>
+            <a:ext cx="1602000" cy="304920"/>
+          </a:xfrm>
+          <a:prstGeom prst="rect">
+            <a:avLst/>
+          </a:prstGeom>
+          <a:noFill/>
+          <a:ln>
+            <a:noFill/>
+          </a:ln>
+        </p:spPr>
+        <p:style>
+          <a:lnRef idx="0"/>
+          <a:fillRef idx="0"/>
+          <a:effectRef idx="0"/>
+          <a:fontRef idx="minor"/>
+        </p:style>
+        <p:txBody>
+          <a:bodyPr lIns="90000" rIns="90000" tIns="91440" bIns="91440"/>
           <a:p>
             <a:pPr>
               <a:lnSpc>
@@ -3173,31 +2595,31 @@
       </p:sp>
       <p:sp>
         <p:nvSpPr>
-          <p:cNvPr id="66" name="CustomShape 28"/>
+          <p:cNvPr id="64" name="CustomShape 28"/>
           <p:cNvSpPr/>
           <p:nvPr/>
         </p:nvSpPr>
         <p:spPr>
           <a:xfrm>
             <a:off x="4781880" y="2715840"/>
-            <a:ext cx="726120" cy="365760"/>
-          </a:xfrm>
-          <a:prstGeom prst="rect">
-            <a:avLst/>
-          </a:prstGeom>
-          <a:noFill/>
-          <a:ln>
-            <a:noFill/>
-          </a:ln>
-        </p:spPr>
-        <p:style>
-          <a:lnRef idx="0"/>
-          <a:fillRef idx="0"/>
-          <a:effectRef idx="0"/>
-          <a:fontRef idx="minor"/>
-        </p:style>
-        <p:txBody>
-          <a:bodyPr tIns="91440" bIns="91440"/>
+            <a:ext cx="725760" cy="365400"/>
+          </a:xfrm>
+          <a:prstGeom prst="rect">
+            <a:avLst/>
+          </a:prstGeom>
+          <a:noFill/>
+          <a:ln>
+            <a:noFill/>
+          </a:ln>
+        </p:spPr>
+        <p:style>
+          <a:lnRef idx="0"/>
+          <a:fillRef idx="0"/>
+          <a:effectRef idx="0"/>
+          <a:fontRef idx="minor"/>
+        </p:style>
+        <p:txBody>
+          <a:bodyPr lIns="90000" rIns="90000" tIns="91440" bIns="91440"/>
           <a:p>
             <a:pPr>
               <a:lnSpc>
@@ -3225,31 +2647,31 @@
       </p:sp>
       <p:sp>
         <p:nvSpPr>
-          <p:cNvPr id="67" name="CustomShape 29"/>
+          <p:cNvPr id="65" name="CustomShape 29"/>
           <p:cNvSpPr/>
           <p:nvPr/>
         </p:nvSpPr>
         <p:spPr>
           <a:xfrm>
             <a:off x="4424760" y="2715480"/>
-            <a:ext cx="616320" cy="365760"/>
-          </a:xfrm>
-          <a:prstGeom prst="rect">
-            <a:avLst/>
-          </a:prstGeom>
-          <a:noFill/>
-          <a:ln>
-            <a:noFill/>
-          </a:ln>
-        </p:spPr>
-        <p:style>
-          <a:lnRef idx="0"/>
-          <a:fillRef idx="0"/>
-          <a:effectRef idx="0"/>
-          <a:fontRef idx="minor"/>
-        </p:style>
-        <p:txBody>
-          <a:bodyPr tIns="91440" bIns="91440"/>
+            <a:ext cx="615960" cy="365400"/>
+          </a:xfrm>
+          <a:prstGeom prst="rect">
+            <a:avLst/>
+          </a:prstGeom>
+          <a:noFill/>
+          <a:ln>
+            <a:noFill/>
+          </a:ln>
+        </p:spPr>
+        <p:style>
+          <a:lnRef idx="0"/>
+          <a:fillRef idx="0"/>
+          <a:effectRef idx="0"/>
+          <a:fontRef idx="minor"/>
+        </p:style>
+        <p:txBody>
+          <a:bodyPr lIns="90000" rIns="90000" tIns="91440" bIns="91440"/>
           <a:p>
             <a:pPr>
               <a:lnSpc>
@@ -3277,31 +2699,31 @@
       </p:sp>
       <p:sp>
         <p:nvSpPr>
-          <p:cNvPr id="68" name="CustomShape 30"/>
+          <p:cNvPr id="66" name="CustomShape 30"/>
           <p:cNvSpPr/>
           <p:nvPr/>
         </p:nvSpPr>
         <p:spPr>
           <a:xfrm>
             <a:off x="4021920" y="2715840"/>
-            <a:ext cx="616320" cy="365760"/>
-          </a:xfrm>
-          <a:prstGeom prst="rect">
-            <a:avLst/>
-          </a:prstGeom>
-          <a:noFill/>
-          <a:ln>
-            <a:noFill/>
-          </a:ln>
-        </p:spPr>
-        <p:style>
-          <a:lnRef idx="0"/>
-          <a:fillRef idx="0"/>
-          <a:effectRef idx="0"/>
-          <a:fontRef idx="minor"/>
-        </p:style>
-        <p:txBody>
-          <a:bodyPr tIns="91440" bIns="91440"/>
+            <a:ext cx="615960" cy="365400"/>
+          </a:xfrm>
+          <a:prstGeom prst="rect">
+            <a:avLst/>
+          </a:prstGeom>
+          <a:noFill/>
+          <a:ln>
+            <a:noFill/>
+          </a:ln>
+        </p:spPr>
+        <p:style>
+          <a:lnRef idx="0"/>
+          <a:fillRef idx="0"/>
+          <a:effectRef idx="0"/>
+          <a:fontRef idx="minor"/>
+        </p:style>
+        <p:txBody>
+          <a:bodyPr lIns="90000" rIns="90000" tIns="91440" bIns="91440"/>
           <a:p>
             <a:pPr>
               <a:lnSpc>
@@ -3329,31 +2751,31 @@
       </p:sp>
       <p:sp>
         <p:nvSpPr>
-          <p:cNvPr id="69" name="CustomShape 31"/>
+          <p:cNvPr id="67" name="CustomShape 31"/>
           <p:cNvSpPr/>
           <p:nvPr/>
         </p:nvSpPr>
         <p:spPr>
           <a:xfrm>
             <a:off x="3635640" y="2715480"/>
-            <a:ext cx="726480" cy="365760"/>
-          </a:xfrm>
-          <a:prstGeom prst="rect">
-            <a:avLst/>
-          </a:prstGeom>
-          <a:noFill/>
-          <a:ln>
-            <a:noFill/>
-          </a:ln>
-        </p:spPr>
-        <p:style>
-          <a:lnRef idx="0"/>
-          <a:fillRef idx="0"/>
-          <a:effectRef idx="0"/>
-          <a:fontRef idx="minor"/>
-        </p:style>
-        <p:txBody>
-          <a:bodyPr tIns="91440" bIns="91440"/>
+            <a:ext cx="726120" cy="365400"/>
+          </a:xfrm>
+          <a:prstGeom prst="rect">
+            <a:avLst/>
+          </a:prstGeom>
+          <a:noFill/>
+          <a:ln>
+            <a:noFill/>
+          </a:ln>
+        </p:spPr>
+        <p:style>
+          <a:lnRef idx="0"/>
+          <a:fillRef idx="0"/>
+          <a:effectRef idx="0"/>
+          <a:fontRef idx="minor"/>
+        </p:style>
+        <p:txBody>
+          <a:bodyPr lIns="90000" rIns="90000" tIns="91440" bIns="91440"/>
           <a:p>
             <a:pPr>
               <a:lnSpc>
@@ -3381,31 +2803,31 @@
       </p:sp>
       <p:sp>
         <p:nvSpPr>
-          <p:cNvPr id="70" name="CustomShape 32"/>
+          <p:cNvPr id="68" name="CustomShape 32"/>
           <p:cNvSpPr/>
           <p:nvPr/>
         </p:nvSpPr>
         <p:spPr>
           <a:xfrm>
             <a:off x="3086640" y="2715840"/>
-            <a:ext cx="871920" cy="365760"/>
-          </a:xfrm>
-          <a:prstGeom prst="rect">
-            <a:avLst/>
-          </a:prstGeom>
-          <a:noFill/>
-          <a:ln>
-            <a:noFill/>
-          </a:ln>
-        </p:spPr>
-        <p:style>
-          <a:lnRef idx="0"/>
-          <a:fillRef idx="0"/>
-          <a:effectRef idx="0"/>
-          <a:fontRef idx="minor"/>
-        </p:style>
-        <p:txBody>
-          <a:bodyPr tIns="91440" bIns="91440"/>
+            <a:ext cx="871560" cy="365400"/>
+          </a:xfrm>
+          <a:prstGeom prst="rect">
+            <a:avLst/>
+          </a:prstGeom>
+          <a:noFill/>
+          <a:ln>
+            <a:noFill/>
+          </a:ln>
+        </p:spPr>
+        <p:style>
+          <a:lnRef idx="0"/>
+          <a:fillRef idx="0"/>
+          <a:effectRef idx="0"/>
+          <a:fontRef idx="minor"/>
+        </p:style>
+        <p:txBody>
+          <a:bodyPr lIns="90000" rIns="90000" tIns="91440" bIns="91440"/>
           <a:p>
             <a:pPr>
               <a:lnSpc>
@@ -3433,14 +2855,14 @@
       </p:sp>
       <p:sp>
         <p:nvSpPr>
-          <p:cNvPr id="71" name="CustomShape 33"/>
+          <p:cNvPr id="69" name="CustomShape 33"/>
           <p:cNvSpPr/>
           <p:nvPr/>
         </p:nvSpPr>
         <p:spPr>
           <a:xfrm flipH="1" rot="16200000">
-            <a:off x="4938840" y="2509560"/>
-            <a:ext cx="360" cy="411840"/>
+            <a:off x="4938480" y="2509920"/>
+            <a:ext cx="360" cy="411480"/>
           </a:xfrm>
           <a:prstGeom prst="curvedConnector3">
             <a:avLst>
@@ -3465,14 +2887,14 @@
       </p:sp>
       <p:sp>
         <p:nvSpPr>
-          <p:cNvPr id="72" name="CustomShape 34"/>
+          <p:cNvPr id="70" name="CustomShape 34"/>
           <p:cNvSpPr/>
           <p:nvPr/>
         </p:nvSpPr>
         <p:spPr>
           <a:xfrm flipH="1" rot="16200000">
-            <a:off x="3926520" y="2312280"/>
-            <a:ext cx="360" cy="807120"/>
+            <a:off x="3926160" y="2312640"/>
+            <a:ext cx="360" cy="806760"/>
           </a:xfrm>
           <a:prstGeom prst="curvedConnector3">
             <a:avLst>
@@ -3497,14 +2919,14 @@
       </p:sp>
       <p:sp>
         <p:nvSpPr>
-          <p:cNvPr id="73" name="CustomShape 35"/>
+          <p:cNvPr id="71" name="CustomShape 35"/>
           <p:cNvSpPr/>
           <p:nvPr/>
         </p:nvSpPr>
         <p:spPr>
           <a:xfrm flipH="1" rot="16200000">
-            <a:off x="3760920" y="2477880"/>
-            <a:ext cx="360" cy="475920"/>
+            <a:off x="3760560" y="2478240"/>
+            <a:ext cx="360" cy="475560"/>
           </a:xfrm>
           <a:prstGeom prst="curvedConnector3">
             <a:avLst>
@@ -3529,14 +2951,14 @@
       </p:sp>
       <p:sp>
         <p:nvSpPr>
-          <p:cNvPr id="74" name="CustomShape 36"/>
+          <p:cNvPr id="72" name="CustomShape 36"/>
           <p:cNvSpPr/>
           <p:nvPr/>
         </p:nvSpPr>
         <p:spPr>
           <a:xfrm rot="5400000">
             <a:off x="4127760" y="2110680"/>
-            <a:ext cx="360" cy="1209960"/>
+            <a:ext cx="360" cy="1209600"/>
           </a:xfrm>
           <a:prstGeom prst="curvedConnector3">
             <a:avLst>
@@ -3561,31 +2983,31 @@
       </p:sp>
       <p:sp>
         <p:nvSpPr>
-          <p:cNvPr id="75" name="CustomShape 37"/>
+          <p:cNvPr id="73" name="CustomShape 37"/>
           <p:cNvSpPr/>
           <p:nvPr/>
         </p:nvSpPr>
         <p:spPr>
           <a:xfrm>
             <a:off x="3066840" y="2015640"/>
-            <a:ext cx="2235960" cy="243360"/>
-          </a:xfrm>
-          <a:prstGeom prst="rect">
-            <a:avLst/>
-          </a:prstGeom>
-          <a:noFill/>
-          <a:ln>
-            <a:noFill/>
-          </a:ln>
-        </p:spPr>
-        <p:style>
-          <a:lnRef idx="0"/>
-          <a:fillRef idx="0"/>
-          <a:effectRef idx="0"/>
-          <a:fontRef idx="minor"/>
-        </p:style>
-        <p:txBody>
-          <a:bodyPr tIns="91440" bIns="91440"/>
+            <a:ext cx="2235600" cy="243000"/>
+          </a:xfrm>
+          <a:prstGeom prst="rect">
+            <a:avLst/>
+          </a:prstGeom>
+          <a:noFill/>
+          <a:ln>
+            <a:noFill/>
+          </a:ln>
+        </p:spPr>
+        <p:style>
+          <a:lnRef idx="0"/>
+          <a:fillRef idx="0"/>
+          <a:effectRef idx="0"/>
+          <a:fontRef idx="minor"/>
+        </p:style>
+        <p:txBody>
+          <a:bodyPr lIns="90000" rIns="90000" tIns="91440" bIns="91440"/>
           <a:p>
             <a:pPr algn="ctr">
               <a:lnSpc>
@@ -3610,31 +3032,31 @@
       </p:sp>
       <p:sp>
         <p:nvSpPr>
-          <p:cNvPr id="76" name="CustomShape 38"/>
+          <p:cNvPr id="74" name="CustomShape 38"/>
           <p:cNvSpPr/>
           <p:nvPr/>
         </p:nvSpPr>
         <p:spPr>
           <a:xfrm>
             <a:off x="118080" y="509400"/>
-            <a:ext cx="2413080" cy="243360"/>
-          </a:xfrm>
-          <a:prstGeom prst="rect">
-            <a:avLst/>
-          </a:prstGeom>
-          <a:noFill/>
-          <a:ln>
-            <a:noFill/>
-          </a:ln>
-        </p:spPr>
-        <p:style>
-          <a:lnRef idx="0"/>
-          <a:fillRef idx="0"/>
-          <a:effectRef idx="0"/>
-          <a:fontRef idx="minor"/>
-        </p:style>
-        <p:txBody>
-          <a:bodyPr tIns="91440" bIns="91440"/>
+            <a:ext cx="2412720" cy="243000"/>
+          </a:xfrm>
+          <a:prstGeom prst="rect">
+            <a:avLst/>
+          </a:prstGeom>
+          <a:noFill/>
+          <a:ln>
+            <a:noFill/>
+          </a:ln>
+        </p:spPr>
+        <p:style>
+          <a:lnRef idx="0"/>
+          <a:fillRef idx="0"/>
+          <a:effectRef idx="0"/>
+          <a:fontRef idx="minor"/>
+        </p:style>
+        <p:txBody>
+          <a:bodyPr lIns="90000" rIns="90000" tIns="91440" bIns="91440"/>
           <a:p>
             <a:pPr algn="ctr">
               <a:lnSpc>
@@ -3659,31 +3081,31 @@
       </p:sp>
       <p:sp>
         <p:nvSpPr>
-          <p:cNvPr id="77" name="CustomShape 39"/>
+          <p:cNvPr id="75" name="CustomShape 39"/>
           <p:cNvSpPr/>
           <p:nvPr/>
         </p:nvSpPr>
         <p:spPr>
           <a:xfrm>
             <a:off x="2873880" y="492840"/>
-            <a:ext cx="2413080" cy="283320"/>
-          </a:xfrm>
-          <a:prstGeom prst="rect">
-            <a:avLst/>
-          </a:prstGeom>
-          <a:noFill/>
-          <a:ln>
-            <a:noFill/>
-          </a:ln>
-        </p:spPr>
-        <p:style>
-          <a:lnRef idx="0"/>
-          <a:fillRef idx="0"/>
-          <a:effectRef idx="0"/>
-          <a:fontRef idx="minor"/>
-        </p:style>
-        <p:txBody>
-          <a:bodyPr tIns="91440" bIns="91440"/>
+            <a:ext cx="2412720" cy="282960"/>
+          </a:xfrm>
+          <a:prstGeom prst="rect">
+            <a:avLst/>
+          </a:prstGeom>
+          <a:noFill/>
+          <a:ln>
+            <a:noFill/>
+          </a:ln>
+        </p:spPr>
+        <p:style>
+          <a:lnRef idx="0"/>
+          <a:fillRef idx="0"/>
+          <a:effectRef idx="0"/>
+          <a:fontRef idx="minor"/>
+        </p:style>
+        <p:txBody>
+          <a:bodyPr lIns="90000" rIns="90000" tIns="91440" bIns="91440"/>
           <a:p>
             <a:pPr algn="ctr">
               <a:lnSpc>
@@ -3708,14 +3130,14 @@
       </p:sp>
       <p:sp>
         <p:nvSpPr>
-          <p:cNvPr id="78" name="CustomShape 40"/>
+          <p:cNvPr id="76" name="CustomShape 40"/>
           <p:cNvSpPr/>
           <p:nvPr/>
         </p:nvSpPr>
         <p:spPr>
           <a:xfrm>
             <a:off x="1311480" y="1676880"/>
-            <a:ext cx="5760" cy="387720"/>
+            <a:ext cx="5400" cy="387360"/>
           </a:xfrm>
           <a:custGeom>
             <a:avLst/>
@@ -3751,14 +3173,14 @@
       </p:sp>
       <p:sp>
         <p:nvSpPr>
-          <p:cNvPr id="79" name="CustomShape 41"/>
+          <p:cNvPr id="77" name="CustomShape 41"/>
           <p:cNvSpPr/>
           <p:nvPr/>
         </p:nvSpPr>
         <p:spPr>
           <a:xfrm>
             <a:off x="4124880" y="1658880"/>
-            <a:ext cx="5760" cy="387720"/>
+            <a:ext cx="5400" cy="387360"/>
           </a:xfrm>
           <a:custGeom>
             <a:avLst/>
@@ -3794,14 +3216,14 @@
       </p:sp>
       <p:sp>
         <p:nvSpPr>
-          <p:cNvPr id="80" name="CustomShape 42"/>
+          <p:cNvPr id="78" name="CustomShape 42"/>
           <p:cNvSpPr/>
           <p:nvPr/>
         </p:nvSpPr>
         <p:spPr>
           <a:xfrm>
             <a:off x="2470320" y="2666880"/>
-            <a:ext cx="522000" cy="720"/>
+            <a:ext cx="521640" cy="360"/>
           </a:xfrm>
           <a:custGeom>
             <a:avLst/>
@@ -3837,31 +3259,31 @@
       </p:sp>
       <p:sp>
         <p:nvSpPr>
-          <p:cNvPr id="81" name="CustomShape 43"/>
+          <p:cNvPr id="79" name="CustomShape 43"/>
           <p:cNvSpPr/>
           <p:nvPr/>
         </p:nvSpPr>
         <p:spPr>
           <a:xfrm>
             <a:off x="3372120" y="743760"/>
-            <a:ext cx="966960" cy="162720"/>
-          </a:xfrm>
-          <a:prstGeom prst="rect">
-            <a:avLst/>
-          </a:prstGeom>
-          <a:noFill/>
-          <a:ln>
-            <a:noFill/>
-          </a:ln>
-        </p:spPr>
-        <p:style>
-          <a:lnRef idx="0"/>
-          <a:fillRef idx="0"/>
-          <a:effectRef idx="0"/>
-          <a:fontRef idx="minor"/>
-        </p:style>
-        <p:txBody>
-          <a:bodyPr tIns="91440" bIns="91440" anchor="ctr"/>
+            <a:ext cx="966600" cy="162360"/>
+          </a:xfrm>
+          <a:prstGeom prst="rect">
+            <a:avLst/>
+          </a:prstGeom>
+          <a:noFill/>
+          <a:ln>
+            <a:noFill/>
+          </a:ln>
+        </p:spPr>
+        <p:style>
+          <a:lnRef idx="0"/>
+          <a:fillRef idx="0"/>
+          <a:effectRef idx="0"/>
+          <a:fontRef idx="minor"/>
+        </p:style>
+        <p:txBody>
+          <a:bodyPr lIns="90000" rIns="90000" tIns="91440" bIns="91440" anchor="ctr"/>
           <a:p>
             <a:pPr>
               <a:lnSpc>
@@ -3886,31 +3308,31 @@
       </p:sp>
       <p:sp>
         <p:nvSpPr>
-          <p:cNvPr id="82" name="CustomShape 44"/>
+          <p:cNvPr id="80" name="CustomShape 44"/>
           <p:cNvSpPr/>
           <p:nvPr/>
         </p:nvSpPr>
         <p:spPr>
           <a:xfrm>
             <a:off x="4410720" y="734040"/>
-            <a:ext cx="456840" cy="128520"/>
-          </a:xfrm>
-          <a:prstGeom prst="rect">
-            <a:avLst/>
-          </a:prstGeom>
-          <a:noFill/>
-          <a:ln>
-            <a:noFill/>
-          </a:ln>
-        </p:spPr>
-        <p:style>
-          <a:lnRef idx="0"/>
-          <a:fillRef idx="0"/>
-          <a:effectRef idx="0"/>
-          <a:fontRef idx="minor"/>
-        </p:style>
-        <p:txBody>
-          <a:bodyPr tIns="91440" bIns="91440" anchor="ctr"/>
+            <a:ext cx="456480" cy="128160"/>
+          </a:xfrm>
+          <a:prstGeom prst="rect">
+            <a:avLst/>
+          </a:prstGeom>
+          <a:noFill/>
+          <a:ln>
+            <a:noFill/>
+          </a:ln>
+        </p:spPr>
+        <p:style>
+          <a:lnRef idx="0"/>
+          <a:fillRef idx="0"/>
+          <a:effectRef idx="0"/>
+          <a:fontRef idx="minor"/>
+        </p:style>
+        <p:txBody>
+          <a:bodyPr lIns="90000" rIns="90000" tIns="91440" bIns="91440" anchor="ctr"/>
           <a:p>
             <a:pPr>
               <a:lnSpc>
@@ -3935,31 +3357,31 @@
       </p:sp>
       <p:sp>
         <p:nvSpPr>
-          <p:cNvPr id="83" name="CustomShape 45"/>
+          <p:cNvPr id="81" name="CustomShape 45"/>
           <p:cNvSpPr/>
           <p:nvPr/>
         </p:nvSpPr>
         <p:spPr>
           <a:xfrm>
             <a:off x="3372120" y="922320"/>
-            <a:ext cx="807120" cy="162720"/>
-          </a:xfrm>
-          <a:prstGeom prst="rect">
-            <a:avLst/>
-          </a:prstGeom>
-          <a:noFill/>
-          <a:ln>
-            <a:noFill/>
-          </a:ln>
-        </p:spPr>
-        <p:style>
-          <a:lnRef idx="0"/>
-          <a:fillRef idx="0"/>
-          <a:effectRef idx="0"/>
-          <a:fontRef idx="minor"/>
-        </p:style>
-        <p:txBody>
-          <a:bodyPr tIns="91440" bIns="91440" anchor="ctr"/>
+            <a:ext cx="806760" cy="162360"/>
+          </a:xfrm>
+          <a:prstGeom prst="rect">
+            <a:avLst/>
+          </a:prstGeom>
+          <a:noFill/>
+          <a:ln>
+            <a:noFill/>
+          </a:ln>
+        </p:spPr>
+        <p:style>
+          <a:lnRef idx="0"/>
+          <a:fillRef idx="0"/>
+          <a:effectRef idx="0"/>
+          <a:fontRef idx="minor"/>
+        </p:style>
+        <p:txBody>
+          <a:bodyPr lIns="90000" rIns="90000" tIns="91440" bIns="91440" anchor="ctr"/>
           <a:p>
             <a:pPr>
               <a:lnSpc>
@@ -3984,31 +3406,31 @@
       </p:sp>
       <p:sp>
         <p:nvSpPr>
-          <p:cNvPr id="84" name="CustomShape 46"/>
+          <p:cNvPr id="82" name="CustomShape 46"/>
           <p:cNvSpPr/>
           <p:nvPr/>
         </p:nvSpPr>
         <p:spPr>
           <a:xfrm>
             <a:off x="3372120" y="1100880"/>
-            <a:ext cx="807120" cy="162720"/>
-          </a:xfrm>
-          <a:prstGeom prst="rect">
-            <a:avLst/>
-          </a:prstGeom>
-          <a:noFill/>
-          <a:ln>
-            <a:noFill/>
-          </a:ln>
-        </p:spPr>
-        <p:style>
-          <a:lnRef idx="0"/>
-          <a:fillRef idx="0"/>
-          <a:effectRef idx="0"/>
-          <a:fontRef idx="minor"/>
-        </p:style>
-        <p:txBody>
-          <a:bodyPr tIns="91440" bIns="91440" anchor="ctr"/>
+            <a:ext cx="806760" cy="162360"/>
+          </a:xfrm>
+          <a:prstGeom prst="rect">
+            <a:avLst/>
+          </a:prstGeom>
+          <a:noFill/>
+          <a:ln>
+            <a:noFill/>
+          </a:ln>
+        </p:spPr>
+        <p:style>
+          <a:lnRef idx="0"/>
+          <a:fillRef idx="0"/>
+          <a:effectRef idx="0"/>
+          <a:fontRef idx="minor"/>
+        </p:style>
+        <p:txBody>
+          <a:bodyPr lIns="90000" rIns="90000" tIns="91440" bIns="91440" anchor="ctr"/>
           <a:p>
             <a:pPr>
               <a:lnSpc>
@@ -4033,31 +3455,31 @@
       </p:sp>
       <p:sp>
         <p:nvSpPr>
-          <p:cNvPr id="85" name="CustomShape 47"/>
+          <p:cNvPr id="83" name="CustomShape 47"/>
           <p:cNvSpPr/>
           <p:nvPr/>
         </p:nvSpPr>
         <p:spPr>
           <a:xfrm>
             <a:off x="3372120" y="1279800"/>
-            <a:ext cx="807120" cy="162720"/>
-          </a:xfrm>
-          <a:prstGeom prst="rect">
-            <a:avLst/>
-          </a:prstGeom>
-          <a:noFill/>
-          <a:ln>
-            <a:noFill/>
-          </a:ln>
-        </p:spPr>
-        <p:style>
-          <a:lnRef idx="0"/>
-          <a:fillRef idx="0"/>
-          <a:effectRef idx="0"/>
-          <a:fontRef idx="minor"/>
-        </p:style>
-        <p:txBody>
-          <a:bodyPr tIns="91440" bIns="91440" anchor="ctr"/>
+            <a:ext cx="806760" cy="162360"/>
+          </a:xfrm>
+          <a:prstGeom prst="rect">
+            <a:avLst/>
+          </a:prstGeom>
+          <a:noFill/>
+          <a:ln>
+            <a:noFill/>
+          </a:ln>
+        </p:spPr>
+        <p:style>
+          <a:lnRef idx="0"/>
+          <a:fillRef idx="0"/>
+          <a:effectRef idx="0"/>
+          <a:fontRef idx="minor"/>
+        </p:style>
+        <p:txBody>
+          <a:bodyPr lIns="90000" rIns="90000" tIns="91440" bIns="91440" anchor="ctr"/>
           <a:p>
             <a:pPr>
               <a:lnSpc>
@@ -4075,41 +3497,38 @@
               <a:t>objects</a:t>
             </a:r>
             <a:endParaRPr b="0" lang="en-US" sz="700" spc="-1" strike="noStrike">
-              <a:solidFill>
-                <a:srgbClr val="f58220"/>
-              </a:solidFill>
-              <a:latin typeface="Arial"/>
-            </a:endParaRPr>
-          </a:p>
-        </p:txBody>
-      </p:sp>
-      <p:sp>
-        <p:nvSpPr>
-          <p:cNvPr id="86" name="CustomShape 48"/>
+              <a:latin typeface="Arial"/>
+            </a:endParaRPr>
+          </a:p>
+        </p:txBody>
+      </p:sp>
+      <p:sp>
+        <p:nvSpPr>
+          <p:cNvPr id="84" name="CustomShape 48"/>
           <p:cNvSpPr/>
           <p:nvPr/>
         </p:nvSpPr>
         <p:spPr>
           <a:xfrm>
             <a:off x="4410720" y="912600"/>
-            <a:ext cx="456840" cy="128520"/>
-          </a:xfrm>
-          <a:prstGeom prst="rect">
-            <a:avLst/>
-          </a:prstGeom>
-          <a:noFill/>
-          <a:ln>
-            <a:noFill/>
-          </a:ln>
-        </p:spPr>
-        <p:style>
-          <a:lnRef idx="0"/>
-          <a:fillRef idx="0"/>
-          <a:effectRef idx="0"/>
-          <a:fontRef idx="minor"/>
-        </p:style>
-        <p:txBody>
-          <a:bodyPr tIns="91440" bIns="91440" anchor="ctr"/>
+            <a:ext cx="456480" cy="128160"/>
+          </a:xfrm>
+          <a:prstGeom prst="rect">
+            <a:avLst/>
+          </a:prstGeom>
+          <a:noFill/>
+          <a:ln>
+            <a:noFill/>
+          </a:ln>
+        </p:spPr>
+        <p:style>
+          <a:lnRef idx="0"/>
+          <a:fillRef idx="0"/>
+          <a:effectRef idx="0"/>
+          <a:fontRef idx="minor"/>
+        </p:style>
+        <p:txBody>
+          <a:bodyPr lIns="90000" rIns="90000" tIns="91440" bIns="91440" anchor="ctr"/>
           <a:p>
             <a:pPr>
               <a:lnSpc>
@@ -4134,31 +3553,31 @@
       </p:sp>
       <p:sp>
         <p:nvSpPr>
-          <p:cNvPr id="87" name="CustomShape 49"/>
+          <p:cNvPr id="85" name="CustomShape 49"/>
           <p:cNvSpPr/>
           <p:nvPr/>
         </p:nvSpPr>
         <p:spPr>
           <a:xfrm>
             <a:off x="4396320" y="1091520"/>
-            <a:ext cx="456840" cy="128520"/>
-          </a:xfrm>
-          <a:prstGeom prst="rect">
-            <a:avLst/>
-          </a:prstGeom>
-          <a:noFill/>
-          <a:ln>
-            <a:noFill/>
-          </a:ln>
-        </p:spPr>
-        <p:style>
-          <a:lnRef idx="0"/>
-          <a:fillRef idx="0"/>
-          <a:effectRef idx="0"/>
-          <a:fontRef idx="minor"/>
-        </p:style>
-        <p:txBody>
-          <a:bodyPr tIns="91440" bIns="91440" anchor="ctr"/>
+            <a:ext cx="456480" cy="128160"/>
+          </a:xfrm>
+          <a:prstGeom prst="rect">
+            <a:avLst/>
+          </a:prstGeom>
+          <a:noFill/>
+          <a:ln>
+            <a:noFill/>
+          </a:ln>
+        </p:spPr>
+        <p:style>
+          <a:lnRef idx="0"/>
+          <a:fillRef idx="0"/>
+          <a:effectRef idx="0"/>
+          <a:fontRef idx="minor"/>
+        </p:style>
+        <p:txBody>
+          <a:bodyPr lIns="90000" rIns="90000" tIns="91440" bIns="91440" anchor="ctr"/>
           <a:p>
             <a:pPr>
               <a:lnSpc>
@@ -4173,7 +3592,7 @@
                 <a:latin typeface="Arial"/>
                 <a:ea typeface="Arial"/>
               </a:rPr>
-              <a:t>-0.2</a:t>
+              <a:t>0.2</a:t>
             </a:r>
             <a:endParaRPr b="0" lang="en-US" sz="700" spc="-1" strike="noStrike">
               <a:latin typeface="Arial"/>
@@ -4183,31 +3602,31 @@
       </p:sp>
       <p:sp>
         <p:nvSpPr>
-          <p:cNvPr id="88" name="CustomShape 50"/>
-          <p:cNvSpPr/>
-          <p:nvPr/>
-        </p:nvSpPr>
-        <p:spPr>
-          <a:xfrm>
-            <a:off x="4425120" y="1270080"/>
-            <a:ext cx="456840" cy="128520"/>
-          </a:xfrm>
-          <a:prstGeom prst="rect">
-            <a:avLst/>
-          </a:prstGeom>
-          <a:noFill/>
-          <a:ln>
-            <a:noFill/>
-          </a:ln>
-        </p:spPr>
-        <p:style>
-          <a:lnRef idx="0"/>
-          <a:fillRef idx="0"/>
-          <a:effectRef idx="0"/>
-          <a:fontRef idx="minor"/>
-        </p:style>
-        <p:txBody>
-          <a:bodyPr tIns="91440" bIns="91440" anchor="ctr"/>
+          <p:cNvPr id="86" name="CustomShape 50"/>
+          <p:cNvSpPr/>
+          <p:nvPr/>
+        </p:nvSpPr>
+        <p:spPr>
+          <a:xfrm>
+            <a:off x="4389120" y="1270080"/>
+            <a:ext cx="456480" cy="128160"/>
+          </a:xfrm>
+          <a:prstGeom prst="rect">
+            <a:avLst/>
+          </a:prstGeom>
+          <a:noFill/>
+          <a:ln>
+            <a:noFill/>
+          </a:ln>
+        </p:spPr>
+        <p:style>
+          <a:lnRef idx="0"/>
+          <a:fillRef idx="0"/>
+          <a:effectRef idx="0"/>
+          <a:fontRef idx="minor"/>
+        </p:style>
+        <p:txBody>
+          <a:bodyPr lIns="90000" rIns="90000" tIns="91440" bIns="91440" anchor="ctr"/>
           <a:p>
             <a:pPr>
               <a:lnSpc>
@@ -4222,7 +3641,7 @@
                 <a:latin typeface="Arial"/>
                 <a:ea typeface="Arial"/>
               </a:rPr>
-              <a:t>0.8</a:t>
+              <a:t>-0.8</a:t>
             </a:r>
             <a:endParaRPr b="0" lang="en-US" sz="700" spc="-1" strike="noStrike">
               <a:latin typeface="Arial"/>
@@ -4232,14 +3651,14 @@
       </p:sp>
       <p:sp>
         <p:nvSpPr>
-          <p:cNvPr id="89" name="CustomShape 51"/>
+          <p:cNvPr id="87" name="CustomShape 51"/>
           <p:cNvSpPr/>
           <p:nvPr/>
         </p:nvSpPr>
         <p:spPr>
           <a:xfrm>
             <a:off x="2583000" y="3241800"/>
-            <a:ext cx="2842920" cy="186480"/>
+            <a:ext cx="2842560" cy="186120"/>
           </a:xfrm>
           <a:custGeom>
             <a:avLst/>
@@ -4282,14 +3701,14 @@
       </p:sp>
       <p:sp>
         <p:nvSpPr>
-          <p:cNvPr id="90" name="CustomShape 52"/>
+          <p:cNvPr id="88" name="CustomShape 52"/>
           <p:cNvSpPr/>
           <p:nvPr/>
         </p:nvSpPr>
         <p:spPr>
           <a:xfrm>
             <a:off x="5648040" y="2058120"/>
-            <a:ext cx="1987920" cy="1149120"/>
+            <a:ext cx="1987560" cy="1148760"/>
           </a:xfrm>
           <a:prstGeom prst="rect">
             <a:avLst/>
@@ -4313,14 +3732,14 @@
       </p:sp>
       <p:sp>
         <p:nvSpPr>
-          <p:cNvPr id="91" name="CustomShape 53"/>
+          <p:cNvPr id="89" name="CustomShape 53"/>
           <p:cNvSpPr/>
           <p:nvPr/>
         </p:nvSpPr>
         <p:spPr>
           <a:xfrm>
             <a:off x="5816880" y="509400"/>
-            <a:ext cx="1602360" cy="1149120"/>
+            <a:ext cx="1602000" cy="1148760"/>
           </a:xfrm>
           <a:prstGeom prst="rect">
             <a:avLst/>
@@ -4344,31 +3763,31 @@
       </p:sp>
       <p:sp>
         <p:nvSpPr>
-          <p:cNvPr id="92" name="CustomShape 54"/>
+          <p:cNvPr id="90" name="CustomShape 54"/>
           <p:cNvSpPr/>
           <p:nvPr/>
         </p:nvSpPr>
         <p:spPr>
           <a:xfrm>
             <a:off x="7133040" y="2716200"/>
-            <a:ext cx="726480" cy="365760"/>
-          </a:xfrm>
-          <a:prstGeom prst="rect">
-            <a:avLst/>
-          </a:prstGeom>
-          <a:noFill/>
-          <a:ln>
-            <a:noFill/>
-          </a:ln>
-        </p:spPr>
-        <p:style>
-          <a:lnRef idx="0"/>
-          <a:fillRef idx="0"/>
-          <a:effectRef idx="0"/>
-          <a:fontRef idx="minor"/>
-        </p:style>
-        <p:txBody>
-          <a:bodyPr tIns="91440" bIns="91440"/>
+            <a:ext cx="726120" cy="365400"/>
+          </a:xfrm>
+          <a:prstGeom prst="rect">
+            <a:avLst/>
+          </a:prstGeom>
+          <a:noFill/>
+          <a:ln>
+            <a:noFill/>
+          </a:ln>
+        </p:spPr>
+        <p:style>
+          <a:lnRef idx="0"/>
+          <a:fillRef idx="0"/>
+          <a:effectRef idx="0"/>
+          <a:fontRef idx="minor"/>
+        </p:style>
+        <p:txBody>
+          <a:bodyPr lIns="90000" rIns="90000" tIns="91440" bIns="91440"/>
           <a:p>
             <a:pPr>
               <a:lnSpc>
@@ -4396,31 +3815,31 @@
       </p:sp>
       <p:sp>
         <p:nvSpPr>
-          <p:cNvPr id="93" name="CustomShape 55"/>
+          <p:cNvPr id="91" name="CustomShape 55"/>
           <p:cNvSpPr/>
           <p:nvPr/>
         </p:nvSpPr>
         <p:spPr>
           <a:xfrm>
             <a:off x="5648040" y="2715480"/>
-            <a:ext cx="485640" cy="305280"/>
-          </a:xfrm>
-          <a:prstGeom prst="rect">
-            <a:avLst/>
-          </a:prstGeom>
-          <a:noFill/>
-          <a:ln>
-            <a:noFill/>
-          </a:ln>
-        </p:spPr>
-        <p:style>
-          <a:lnRef idx="0"/>
-          <a:fillRef idx="0"/>
-          <a:effectRef idx="0"/>
-          <a:fontRef idx="minor"/>
-        </p:style>
-        <p:txBody>
-          <a:bodyPr tIns="91440" bIns="91440"/>
+            <a:ext cx="485280" cy="304920"/>
+          </a:xfrm>
+          <a:prstGeom prst="rect">
+            <a:avLst/>
+          </a:prstGeom>
+          <a:noFill/>
+          <a:ln>
+            <a:noFill/>
+          </a:ln>
+        </p:spPr>
+        <p:style>
+          <a:lnRef idx="0"/>
+          <a:fillRef idx="0"/>
+          <a:effectRef idx="0"/>
+          <a:fontRef idx="minor"/>
+        </p:style>
+        <p:txBody>
+          <a:bodyPr lIns="90000" rIns="90000" tIns="91440" bIns="91440"/>
           <a:p>
             <a:pPr>
               <a:lnSpc>
@@ -4448,31 +3867,31 @@
       </p:sp>
       <p:sp>
         <p:nvSpPr>
-          <p:cNvPr id="94" name="CustomShape 56"/>
+          <p:cNvPr id="92" name="CustomShape 56"/>
           <p:cNvSpPr/>
           <p:nvPr/>
         </p:nvSpPr>
         <p:spPr>
           <a:xfrm>
             <a:off x="6730200" y="2716200"/>
-            <a:ext cx="411840" cy="365760"/>
-          </a:xfrm>
-          <a:prstGeom prst="rect">
-            <a:avLst/>
-          </a:prstGeom>
-          <a:noFill/>
-          <a:ln>
-            <a:noFill/>
-          </a:ln>
-        </p:spPr>
-        <p:style>
-          <a:lnRef idx="0"/>
-          <a:fillRef idx="0"/>
-          <a:effectRef idx="0"/>
-          <a:fontRef idx="minor"/>
-        </p:style>
-        <p:txBody>
-          <a:bodyPr tIns="91440" bIns="91440"/>
+            <a:ext cx="411480" cy="365400"/>
+          </a:xfrm>
+          <a:prstGeom prst="rect">
+            <a:avLst/>
+          </a:prstGeom>
+          <a:noFill/>
+          <a:ln>
+            <a:noFill/>
+          </a:ln>
+        </p:spPr>
+        <p:style>
+          <a:lnRef idx="0"/>
+          <a:fillRef idx="0"/>
+          <a:effectRef idx="0"/>
+          <a:fontRef idx="minor"/>
+        </p:style>
+        <p:txBody>
+          <a:bodyPr lIns="90000" rIns="90000" tIns="91440" bIns="91440"/>
           <a:p>
             <a:pPr>
               <a:lnSpc>
@@ -4500,31 +3919,31 @@
       </p:sp>
       <p:sp>
         <p:nvSpPr>
-          <p:cNvPr id="95" name="CustomShape 57"/>
+          <p:cNvPr id="93" name="CustomShape 57"/>
           <p:cNvSpPr/>
           <p:nvPr/>
         </p:nvSpPr>
         <p:spPr>
           <a:xfrm>
             <a:off x="6368040" y="2715480"/>
-            <a:ext cx="492120" cy="365760"/>
-          </a:xfrm>
-          <a:prstGeom prst="rect">
-            <a:avLst/>
-          </a:prstGeom>
-          <a:noFill/>
-          <a:ln>
-            <a:noFill/>
-          </a:ln>
-        </p:spPr>
-        <p:style>
-          <a:lnRef idx="0"/>
-          <a:fillRef idx="0"/>
-          <a:effectRef idx="0"/>
-          <a:fontRef idx="minor"/>
-        </p:style>
-        <p:txBody>
-          <a:bodyPr tIns="91440" bIns="91440"/>
+            <a:ext cx="491760" cy="365400"/>
+          </a:xfrm>
+          <a:prstGeom prst="rect">
+            <a:avLst/>
+          </a:prstGeom>
+          <a:noFill/>
+          <a:ln>
+            <a:noFill/>
+          </a:ln>
+        </p:spPr>
+        <p:style>
+          <a:lnRef idx="0"/>
+          <a:fillRef idx="0"/>
+          <a:effectRef idx="0"/>
+          <a:fontRef idx="minor"/>
+        </p:style>
+        <p:txBody>
+          <a:bodyPr lIns="90000" rIns="90000" tIns="91440" bIns="91440"/>
           <a:p>
             <a:pPr>
               <a:lnSpc>
@@ -4552,31 +3971,31 @@
       </p:sp>
       <p:sp>
         <p:nvSpPr>
-          <p:cNvPr id="96" name="CustomShape 58"/>
+          <p:cNvPr id="94" name="CustomShape 58"/>
           <p:cNvSpPr/>
           <p:nvPr/>
         </p:nvSpPr>
         <p:spPr>
           <a:xfrm>
             <a:off x="5973480" y="2716200"/>
-            <a:ext cx="616320" cy="365760"/>
-          </a:xfrm>
-          <a:prstGeom prst="rect">
-            <a:avLst/>
-          </a:prstGeom>
-          <a:noFill/>
-          <a:ln>
-            <a:noFill/>
-          </a:ln>
-        </p:spPr>
-        <p:style>
-          <a:lnRef idx="0"/>
-          <a:fillRef idx="0"/>
-          <a:effectRef idx="0"/>
-          <a:fontRef idx="minor"/>
-        </p:style>
-        <p:txBody>
-          <a:bodyPr tIns="91440" bIns="91440"/>
+            <a:ext cx="615960" cy="365400"/>
+          </a:xfrm>
+          <a:prstGeom prst="rect">
+            <a:avLst/>
+          </a:prstGeom>
+          <a:noFill/>
+          <a:ln>
+            <a:noFill/>
+          </a:ln>
+        </p:spPr>
+        <p:style>
+          <a:lnRef idx="0"/>
+          <a:fillRef idx="0"/>
+          <a:effectRef idx="0"/>
+          <a:fontRef idx="minor"/>
+        </p:style>
+        <p:txBody>
+          <a:bodyPr lIns="90000" rIns="90000" tIns="91440" bIns="91440"/>
           <a:p>
             <a:pPr>
               <a:lnSpc>
@@ -4604,14 +4023,14 @@
       </p:sp>
       <p:sp>
         <p:nvSpPr>
-          <p:cNvPr id="97" name="CustomShape 59"/>
+          <p:cNvPr id="95" name="CustomShape 59"/>
           <p:cNvSpPr/>
           <p:nvPr/>
         </p:nvSpPr>
         <p:spPr>
           <a:xfrm flipH="1" rot="16200000">
-            <a:off x="6693480" y="1913040"/>
-            <a:ext cx="360" cy="1604880"/>
+            <a:off x="6693120" y="1913400"/>
+            <a:ext cx="360" cy="1604520"/>
           </a:xfrm>
           <a:prstGeom prst="curvedConnector3">
             <a:avLst>
@@ -4636,14 +4055,14 @@
       </p:sp>
       <p:sp>
         <p:nvSpPr>
-          <p:cNvPr id="98" name="CustomShape 60"/>
+          <p:cNvPr id="96" name="CustomShape 60"/>
           <p:cNvSpPr/>
           <p:nvPr/>
         </p:nvSpPr>
         <p:spPr>
           <a:xfrm flipH="1" rot="16200000">
             <a:off x="6608160" y="2389320"/>
-            <a:ext cx="360" cy="654120"/>
+            <a:ext cx="360" cy="653760"/>
           </a:xfrm>
           <a:prstGeom prst="curvedConnector3">
             <a:avLst>
@@ -4668,14 +4087,14 @@
       </p:sp>
       <p:sp>
         <p:nvSpPr>
-          <p:cNvPr id="99" name="CustomShape 61"/>
+          <p:cNvPr id="97" name="CustomShape 61"/>
           <p:cNvSpPr/>
           <p:nvPr/>
         </p:nvSpPr>
         <p:spPr>
           <a:xfrm flipH="1" rot="16200000">
-            <a:off x="6447960" y="2550240"/>
-            <a:ext cx="360" cy="331920"/>
+            <a:off x="6447600" y="2550600"/>
+            <a:ext cx="360" cy="331560"/>
           </a:xfrm>
           <a:prstGeom prst="curvedConnector3">
             <a:avLst>
@@ -4700,14 +4119,14 @@
       </p:sp>
       <p:sp>
         <p:nvSpPr>
-          <p:cNvPr id="100" name="CustomShape 62"/>
+          <p:cNvPr id="98" name="CustomShape 62"/>
           <p:cNvSpPr/>
           <p:nvPr/>
         </p:nvSpPr>
         <p:spPr>
           <a:xfrm flipH="1" rot="16200000">
             <a:off x="6085800" y="2520360"/>
-            <a:ext cx="360" cy="390600"/>
+            <a:ext cx="360" cy="390240"/>
           </a:xfrm>
           <a:prstGeom prst="curvedConnector3">
             <a:avLst>
@@ -4732,31 +4151,31 @@
       </p:sp>
       <p:sp>
         <p:nvSpPr>
-          <p:cNvPr id="101" name="CustomShape 63"/>
+          <p:cNvPr id="99" name="CustomShape 63"/>
           <p:cNvSpPr/>
           <p:nvPr/>
         </p:nvSpPr>
         <p:spPr>
           <a:xfrm>
             <a:off x="5596560" y="2015640"/>
-            <a:ext cx="2236320" cy="243360"/>
-          </a:xfrm>
-          <a:prstGeom prst="rect">
-            <a:avLst/>
-          </a:prstGeom>
-          <a:noFill/>
-          <a:ln>
-            <a:noFill/>
-          </a:ln>
-        </p:spPr>
-        <p:style>
-          <a:lnRef idx="0"/>
-          <a:fillRef idx="0"/>
-          <a:effectRef idx="0"/>
-          <a:fontRef idx="minor"/>
-        </p:style>
-        <p:txBody>
-          <a:bodyPr tIns="91440" bIns="91440"/>
+            <a:ext cx="2235960" cy="243000"/>
+          </a:xfrm>
+          <a:prstGeom prst="rect">
+            <a:avLst/>
+          </a:prstGeom>
+          <a:noFill/>
+          <a:ln>
+            <a:noFill/>
+          </a:ln>
+        </p:spPr>
+        <p:style>
+          <a:lnRef idx="0"/>
+          <a:fillRef idx="0"/>
+          <a:effectRef idx="0"/>
+          <a:fontRef idx="minor"/>
+        </p:style>
+        <p:txBody>
+          <a:bodyPr lIns="90000" rIns="90000" tIns="91440" bIns="91440"/>
           <a:p>
             <a:pPr algn="ctr">
               <a:lnSpc>
@@ -4781,31 +4200,31 @@
       </p:sp>
       <p:sp>
         <p:nvSpPr>
-          <p:cNvPr id="102" name="CustomShape 64"/>
+          <p:cNvPr id="100" name="CustomShape 64"/>
           <p:cNvSpPr/>
           <p:nvPr/>
         </p:nvSpPr>
         <p:spPr>
           <a:xfrm>
             <a:off x="5403600" y="492840"/>
-            <a:ext cx="2413080" cy="283320"/>
-          </a:xfrm>
-          <a:prstGeom prst="rect">
-            <a:avLst/>
-          </a:prstGeom>
-          <a:noFill/>
-          <a:ln>
-            <a:noFill/>
-          </a:ln>
-        </p:spPr>
-        <p:style>
-          <a:lnRef idx="0"/>
-          <a:fillRef idx="0"/>
-          <a:effectRef idx="0"/>
-          <a:fontRef idx="minor"/>
-        </p:style>
-        <p:txBody>
-          <a:bodyPr tIns="91440" bIns="91440"/>
+            <a:ext cx="2412720" cy="282960"/>
+          </a:xfrm>
+          <a:prstGeom prst="rect">
+            <a:avLst/>
+          </a:prstGeom>
+          <a:noFill/>
+          <a:ln>
+            <a:noFill/>
+          </a:ln>
+        </p:spPr>
+        <p:style>
+          <a:lnRef idx="0"/>
+          <a:fillRef idx="0"/>
+          <a:effectRef idx="0"/>
+          <a:fontRef idx="minor"/>
+        </p:style>
+        <p:txBody>
+          <a:bodyPr lIns="90000" rIns="90000" tIns="91440" bIns="91440"/>
           <a:p>
             <a:pPr algn="ctr">
               <a:lnSpc>
@@ -4830,14 +4249,14 @@
       </p:sp>
       <p:sp>
         <p:nvSpPr>
-          <p:cNvPr id="103" name="CustomShape 65"/>
+          <p:cNvPr id="101" name="CustomShape 65"/>
           <p:cNvSpPr/>
           <p:nvPr/>
         </p:nvSpPr>
         <p:spPr>
           <a:xfrm>
             <a:off x="6654600" y="1658880"/>
-            <a:ext cx="5760" cy="387720"/>
+            <a:ext cx="5400" cy="387360"/>
           </a:xfrm>
           <a:custGeom>
             <a:avLst/>
@@ -4873,14 +4292,14 @@
       </p:sp>
       <p:sp>
         <p:nvSpPr>
-          <p:cNvPr id="104" name="CustomShape 66"/>
+          <p:cNvPr id="102" name="CustomShape 66"/>
           <p:cNvSpPr/>
           <p:nvPr/>
         </p:nvSpPr>
         <p:spPr>
           <a:xfrm>
             <a:off x="8020080" y="2061000"/>
-            <a:ext cx="1987920" cy="1149120"/>
+            <a:ext cx="1987560" cy="1148760"/>
           </a:xfrm>
           <a:prstGeom prst="rect">
             <a:avLst/>
@@ -4904,14 +4323,14 @@
       </p:sp>
       <p:sp>
         <p:nvSpPr>
-          <p:cNvPr id="105" name="CustomShape 67"/>
+          <p:cNvPr id="103" name="CustomShape 67"/>
           <p:cNvSpPr/>
           <p:nvPr/>
         </p:nvSpPr>
         <p:spPr>
           <a:xfrm>
             <a:off x="8153280" y="512280"/>
-            <a:ext cx="1602360" cy="1149120"/>
+            <a:ext cx="1602000" cy="1148760"/>
           </a:xfrm>
           <a:prstGeom prst="rect">
             <a:avLst/>
@@ -4935,31 +4354,31 @@
       </p:sp>
       <p:sp>
         <p:nvSpPr>
-          <p:cNvPr id="106" name="CustomShape 68"/>
+          <p:cNvPr id="104" name="CustomShape 68"/>
           <p:cNvSpPr/>
           <p:nvPr/>
         </p:nvSpPr>
         <p:spPr>
           <a:xfrm>
             <a:off x="8516520" y="2734200"/>
-            <a:ext cx="726480" cy="365760"/>
-          </a:xfrm>
-          <a:prstGeom prst="rect">
-            <a:avLst/>
-          </a:prstGeom>
-          <a:noFill/>
-          <a:ln>
-            <a:noFill/>
-          </a:ln>
-        </p:spPr>
-        <p:style>
-          <a:lnRef idx="0"/>
-          <a:fillRef idx="0"/>
-          <a:effectRef idx="0"/>
-          <a:fontRef idx="minor"/>
-        </p:style>
-        <p:txBody>
-          <a:bodyPr tIns="91440" bIns="91440"/>
+            <a:ext cx="726120" cy="365400"/>
+          </a:xfrm>
+          <a:prstGeom prst="rect">
+            <a:avLst/>
+          </a:prstGeom>
+          <a:noFill/>
+          <a:ln>
+            <a:noFill/>
+          </a:ln>
+        </p:spPr>
+        <p:style>
+          <a:lnRef idx="0"/>
+          <a:fillRef idx="0"/>
+          <a:effectRef idx="0"/>
+          <a:fontRef idx="minor"/>
+        </p:style>
+        <p:txBody>
+          <a:bodyPr lIns="90000" rIns="90000" tIns="91440" bIns="91440"/>
           <a:p>
             <a:pPr>
               <a:lnSpc>
@@ -4987,31 +4406,31 @@
       </p:sp>
       <p:sp>
         <p:nvSpPr>
-          <p:cNvPr id="107" name="CustomShape 69"/>
+          <p:cNvPr id="105" name="CustomShape 69"/>
           <p:cNvSpPr/>
           <p:nvPr/>
         </p:nvSpPr>
         <p:spPr>
           <a:xfrm>
             <a:off x="8020080" y="2718360"/>
-            <a:ext cx="485640" cy="305280"/>
-          </a:xfrm>
-          <a:prstGeom prst="rect">
-            <a:avLst/>
-          </a:prstGeom>
-          <a:noFill/>
-          <a:ln>
-            <a:noFill/>
-          </a:ln>
-        </p:spPr>
-        <p:style>
-          <a:lnRef idx="0"/>
-          <a:fillRef idx="0"/>
-          <a:effectRef idx="0"/>
-          <a:fontRef idx="minor"/>
-        </p:style>
-        <p:txBody>
-          <a:bodyPr tIns="91440" bIns="91440"/>
+            <a:ext cx="485280" cy="304920"/>
+          </a:xfrm>
+          <a:prstGeom prst="rect">
+            <a:avLst/>
+          </a:prstGeom>
+          <a:noFill/>
+          <a:ln>
+            <a:noFill/>
+          </a:ln>
+        </p:spPr>
+        <p:style>
+          <a:lnRef idx="0"/>
+          <a:fillRef idx="0"/>
+          <a:effectRef idx="0"/>
+          <a:fontRef idx="minor"/>
+        </p:style>
+        <p:txBody>
+          <a:bodyPr lIns="90000" rIns="90000" tIns="91440" bIns="91440"/>
           <a:p>
             <a:pPr>
               <a:lnSpc>
@@ -5039,31 +4458,31 @@
       </p:sp>
       <p:sp>
         <p:nvSpPr>
-          <p:cNvPr id="108" name="CustomShape 70"/>
+          <p:cNvPr id="106" name="CustomShape 70"/>
           <p:cNvSpPr/>
           <p:nvPr/>
         </p:nvSpPr>
         <p:spPr>
           <a:xfrm>
             <a:off x="9635760" y="2718720"/>
-            <a:ext cx="411840" cy="365760"/>
-          </a:xfrm>
-          <a:prstGeom prst="rect">
-            <a:avLst/>
-          </a:prstGeom>
-          <a:noFill/>
-          <a:ln>
-            <a:noFill/>
-          </a:ln>
-        </p:spPr>
-        <p:style>
-          <a:lnRef idx="0"/>
-          <a:fillRef idx="0"/>
-          <a:effectRef idx="0"/>
-          <a:fontRef idx="minor"/>
-        </p:style>
-        <p:txBody>
-          <a:bodyPr tIns="91440" bIns="91440"/>
+            <a:ext cx="411480" cy="365400"/>
+          </a:xfrm>
+          <a:prstGeom prst="rect">
+            <a:avLst/>
+          </a:prstGeom>
+          <a:noFill/>
+          <a:ln>
+            <a:noFill/>
+          </a:ln>
+        </p:spPr>
+        <p:style>
+          <a:lnRef idx="0"/>
+          <a:fillRef idx="0"/>
+          <a:effectRef idx="0"/>
+          <a:fontRef idx="minor"/>
+        </p:style>
+        <p:txBody>
+          <a:bodyPr lIns="90000" rIns="90000" tIns="91440" bIns="91440"/>
           <a:p>
             <a:pPr>
               <a:lnSpc>
@@ -5091,31 +4510,31 @@
       </p:sp>
       <p:sp>
         <p:nvSpPr>
-          <p:cNvPr id="109" name="CustomShape 71"/>
+          <p:cNvPr id="107" name="CustomShape 71"/>
           <p:cNvSpPr/>
           <p:nvPr/>
         </p:nvSpPr>
         <p:spPr>
           <a:xfrm>
             <a:off x="8893440" y="2691000"/>
-            <a:ext cx="492120" cy="424080"/>
-          </a:xfrm>
-          <a:prstGeom prst="rect">
-            <a:avLst/>
-          </a:prstGeom>
-          <a:noFill/>
-          <a:ln>
-            <a:noFill/>
-          </a:ln>
-        </p:spPr>
-        <p:style>
-          <a:lnRef idx="0"/>
-          <a:fillRef idx="0"/>
-          <a:effectRef idx="0"/>
-          <a:fontRef idx="minor"/>
-        </p:style>
-        <p:txBody>
-          <a:bodyPr tIns="91440" bIns="91440" anchor="ctr"/>
+            <a:ext cx="491760" cy="423720"/>
+          </a:xfrm>
+          <a:prstGeom prst="rect">
+            <a:avLst/>
+          </a:prstGeom>
+          <a:noFill/>
+          <a:ln>
+            <a:noFill/>
+          </a:ln>
+        </p:spPr>
+        <p:style>
+          <a:lnRef idx="0"/>
+          <a:fillRef idx="0"/>
+          <a:effectRef idx="0"/>
+          <a:fontRef idx="minor"/>
+        </p:style>
+        <p:txBody>
+          <a:bodyPr lIns="90000" rIns="90000" tIns="91440" bIns="91440" anchor="ctr"/>
           <a:p>
             <a:pPr>
               <a:lnSpc>
@@ -5143,31 +4562,31 @@
       </p:sp>
       <p:sp>
         <p:nvSpPr>
-          <p:cNvPr id="110" name="CustomShape 72"/>
+          <p:cNvPr id="108" name="CustomShape 72"/>
           <p:cNvSpPr/>
           <p:nvPr/>
         </p:nvSpPr>
         <p:spPr>
           <a:xfrm>
             <a:off x="9280080" y="2715480"/>
-            <a:ext cx="616320" cy="365760"/>
-          </a:xfrm>
-          <a:prstGeom prst="rect">
-            <a:avLst/>
-          </a:prstGeom>
-          <a:noFill/>
-          <a:ln>
-            <a:noFill/>
-          </a:ln>
-        </p:spPr>
-        <p:style>
-          <a:lnRef idx="0"/>
-          <a:fillRef idx="0"/>
-          <a:effectRef idx="0"/>
-          <a:fontRef idx="minor"/>
-        </p:style>
-        <p:txBody>
-          <a:bodyPr tIns="91440" bIns="91440"/>
+            <a:ext cx="615960" cy="365400"/>
+          </a:xfrm>
+          <a:prstGeom prst="rect">
+            <a:avLst/>
+          </a:prstGeom>
+          <a:noFill/>
+          <a:ln>
+            <a:noFill/>
+          </a:ln>
+        </p:spPr>
+        <p:style>
+          <a:lnRef idx="0"/>
+          <a:fillRef idx="0"/>
+          <a:effectRef idx="0"/>
+          <a:fontRef idx="minor"/>
+        </p:style>
+        <p:txBody>
+          <a:bodyPr lIns="90000" rIns="90000" tIns="91440" bIns="91440"/>
           <a:p>
             <a:pPr>
               <a:lnSpc>
@@ -5195,14 +4614,14 @@
       </p:sp>
       <p:sp>
         <p:nvSpPr>
-          <p:cNvPr id="111" name="CustomShape 73"/>
+          <p:cNvPr id="109" name="CustomShape 73"/>
           <p:cNvSpPr/>
           <p:nvPr/>
         </p:nvSpPr>
         <p:spPr>
           <a:xfrm flipH="1" rot="16200000">
-            <a:off x="8564040" y="2417760"/>
-            <a:ext cx="15480" cy="616320"/>
+            <a:off x="8563680" y="2417760"/>
+            <a:ext cx="15120" cy="615960"/>
           </a:xfrm>
           <a:prstGeom prst="curvedConnector3">
             <a:avLst>
@@ -5227,14 +4646,14 @@
       </p:sp>
       <p:sp>
         <p:nvSpPr>
-          <p:cNvPr id="112" name="CustomShape 74"/>
+          <p:cNvPr id="110" name="CustomShape 74"/>
           <p:cNvSpPr/>
           <p:nvPr/>
         </p:nvSpPr>
         <p:spPr>
           <a:xfrm flipH="1" rot="16200000">
-            <a:off x="9695880" y="2572560"/>
-            <a:ext cx="2880" cy="288720"/>
+            <a:off x="9695520" y="2572560"/>
+            <a:ext cx="2520" cy="288360"/>
           </a:xfrm>
           <a:prstGeom prst="curvedConnector3">
             <a:avLst>
@@ -5259,14 +4678,14 @@
       </p:sp>
       <p:sp>
         <p:nvSpPr>
-          <p:cNvPr id="113" name="CustomShape 75"/>
+          <p:cNvPr id="111" name="CustomShape 75"/>
           <p:cNvSpPr/>
           <p:nvPr/>
         </p:nvSpPr>
         <p:spPr>
           <a:xfrm rot="5400000">
-            <a:off x="9322560" y="2532960"/>
-            <a:ext cx="47520" cy="412560"/>
+            <a:off x="9322920" y="2532960"/>
+            <a:ext cx="47160" cy="412200"/>
           </a:xfrm>
           <a:prstGeom prst="curvedConnector3">
             <a:avLst>
@@ -5291,14 +4710,14 @@
       </p:sp>
       <p:sp>
         <p:nvSpPr>
-          <p:cNvPr id="114" name="CustomShape 76"/>
+          <p:cNvPr id="112" name="CustomShape 76"/>
           <p:cNvSpPr/>
           <p:nvPr/>
         </p:nvSpPr>
         <p:spPr>
           <a:xfrm rot="16200000">
-            <a:off x="8906400" y="2072520"/>
-            <a:ext cx="2520" cy="1289160"/>
+            <a:off x="8906400" y="2072880"/>
+            <a:ext cx="2160" cy="1288800"/>
           </a:xfrm>
           <a:prstGeom prst="curvedConnector3">
             <a:avLst>
@@ -5323,31 +4742,31 @@
       </p:sp>
       <p:sp>
         <p:nvSpPr>
-          <p:cNvPr id="115" name="CustomShape 77"/>
+          <p:cNvPr id="113" name="CustomShape 77"/>
           <p:cNvSpPr/>
           <p:nvPr/>
         </p:nvSpPr>
         <p:spPr>
           <a:xfrm>
             <a:off x="7968600" y="2018520"/>
-            <a:ext cx="2236320" cy="243360"/>
-          </a:xfrm>
-          <a:prstGeom prst="rect">
-            <a:avLst/>
-          </a:prstGeom>
-          <a:noFill/>
-          <a:ln>
-            <a:noFill/>
-          </a:ln>
-        </p:spPr>
-        <p:style>
-          <a:lnRef idx="0"/>
-          <a:fillRef idx="0"/>
-          <a:effectRef idx="0"/>
-          <a:fontRef idx="minor"/>
-        </p:style>
-        <p:txBody>
-          <a:bodyPr tIns="91440" bIns="91440"/>
+            <a:ext cx="2235960" cy="243000"/>
+          </a:xfrm>
+          <a:prstGeom prst="rect">
+            <a:avLst/>
+          </a:prstGeom>
+          <a:noFill/>
+          <a:ln>
+            <a:noFill/>
+          </a:ln>
+        </p:spPr>
+        <p:style>
+          <a:lnRef idx="0"/>
+          <a:fillRef idx="0"/>
+          <a:effectRef idx="0"/>
+          <a:fontRef idx="minor"/>
+        </p:style>
+        <p:txBody>
+          <a:bodyPr lIns="90000" rIns="90000" tIns="91440" bIns="91440"/>
           <a:p>
             <a:pPr algn="ctr">
               <a:lnSpc>
@@ -5372,31 +4791,31 @@
       </p:sp>
       <p:sp>
         <p:nvSpPr>
-          <p:cNvPr id="116" name="CustomShape 78"/>
+          <p:cNvPr id="114" name="CustomShape 78"/>
           <p:cNvSpPr/>
           <p:nvPr/>
         </p:nvSpPr>
         <p:spPr>
           <a:xfrm>
             <a:off x="7811640" y="495720"/>
-            <a:ext cx="2413080" cy="283320"/>
-          </a:xfrm>
-          <a:prstGeom prst="rect">
-            <a:avLst/>
-          </a:prstGeom>
-          <a:noFill/>
-          <a:ln>
-            <a:noFill/>
-          </a:ln>
-        </p:spPr>
-        <p:style>
-          <a:lnRef idx="0"/>
-          <a:fillRef idx="0"/>
-          <a:effectRef idx="0"/>
-          <a:fontRef idx="minor"/>
-        </p:style>
-        <p:txBody>
-          <a:bodyPr tIns="91440" bIns="91440"/>
+            <a:ext cx="2412720" cy="282960"/>
+          </a:xfrm>
+          <a:prstGeom prst="rect">
+            <a:avLst/>
+          </a:prstGeom>
+          <a:noFill/>
+          <a:ln>
+            <a:noFill/>
+          </a:ln>
+        </p:spPr>
+        <p:style>
+          <a:lnRef idx="0"/>
+          <a:fillRef idx="0"/>
+          <a:effectRef idx="0"/>
+          <a:fontRef idx="minor"/>
+        </p:style>
+        <p:txBody>
+          <a:bodyPr lIns="90000" rIns="90000" tIns="91440" bIns="91440"/>
           <a:p>
             <a:pPr algn="ctr">
               <a:lnSpc>
@@ -5421,14 +4840,14 @@
       </p:sp>
       <p:sp>
         <p:nvSpPr>
-          <p:cNvPr id="117" name="CustomShape 79"/>
+          <p:cNvPr id="115" name="CustomShape 79"/>
           <p:cNvSpPr/>
           <p:nvPr/>
         </p:nvSpPr>
         <p:spPr>
           <a:xfrm>
             <a:off x="9026640" y="1661760"/>
-            <a:ext cx="5760" cy="387720"/>
+            <a:ext cx="5400" cy="387360"/>
           </a:xfrm>
           <a:custGeom>
             <a:avLst/>
@@ -5464,14 +4883,14 @@
       </p:sp>
       <p:sp>
         <p:nvSpPr>
-          <p:cNvPr id="118" name="CustomShape 80"/>
+          <p:cNvPr id="116" name="CustomShape 80"/>
           <p:cNvSpPr/>
           <p:nvPr/>
         </p:nvSpPr>
         <p:spPr>
           <a:xfrm>
             <a:off x="2504880" y="3233520"/>
-            <a:ext cx="5515200" cy="387720"/>
+            <a:ext cx="5514840" cy="387360"/>
           </a:xfrm>
           <a:custGeom>
             <a:avLst/>
@@ -5514,31 +4933,31 @@
       </p:sp>
       <p:sp>
         <p:nvSpPr>
-          <p:cNvPr id="119" name="CustomShape 81"/>
+          <p:cNvPr id="117" name="CustomShape 81"/>
           <p:cNvSpPr/>
           <p:nvPr/>
         </p:nvSpPr>
         <p:spPr>
           <a:xfrm>
             <a:off x="5856120" y="743760"/>
-            <a:ext cx="966960" cy="162720"/>
-          </a:xfrm>
-          <a:prstGeom prst="rect">
-            <a:avLst/>
-          </a:prstGeom>
-          <a:noFill/>
-          <a:ln>
-            <a:noFill/>
-          </a:ln>
-        </p:spPr>
-        <p:style>
-          <a:lnRef idx="0"/>
-          <a:fillRef idx="0"/>
-          <a:effectRef idx="0"/>
-          <a:fontRef idx="minor"/>
-        </p:style>
-        <p:txBody>
-          <a:bodyPr tIns="91440" bIns="91440" anchor="ctr"/>
+            <a:ext cx="966600" cy="162360"/>
+          </a:xfrm>
+          <a:prstGeom prst="rect">
+            <a:avLst/>
+          </a:prstGeom>
+          <a:noFill/>
+          <a:ln>
+            <a:noFill/>
+          </a:ln>
+        </p:spPr>
+        <p:style>
+          <a:lnRef idx="0"/>
+          <a:fillRef idx="0"/>
+          <a:effectRef idx="0"/>
+          <a:fontRef idx="minor"/>
+        </p:style>
+        <p:txBody>
+          <a:bodyPr lIns="90000" rIns="90000" tIns="91440" bIns="91440" anchor="ctr"/>
           <a:p>
             <a:pPr>
               <a:lnSpc>
@@ -5553,37 +4972,507 @@
                 <a:latin typeface="Arial"/>
                 <a:ea typeface="Arial"/>
               </a:rPr>
-              <a:t>adjecti</a:t>
-            </a:r>
+              <a:t>adjectival modifiers</a:t>
+            </a:r>
+            <a:endParaRPr b="0" lang="en-US" sz="700" spc="-1" strike="noStrike">
+              <a:latin typeface="Arial"/>
+            </a:endParaRPr>
+          </a:p>
+        </p:txBody>
+      </p:sp>
+      <p:sp>
+        <p:nvSpPr>
+          <p:cNvPr id="118" name="CustomShape 82"/>
+          <p:cNvSpPr/>
+          <p:nvPr/>
+        </p:nvSpPr>
+        <p:spPr>
+          <a:xfrm>
+            <a:off x="6894720" y="734040"/>
+            <a:ext cx="456480" cy="128160"/>
+          </a:xfrm>
+          <a:prstGeom prst="rect">
+            <a:avLst/>
+          </a:prstGeom>
+          <a:noFill/>
+          <a:ln>
+            <a:noFill/>
+          </a:ln>
+        </p:spPr>
+        <p:style>
+          <a:lnRef idx="0"/>
+          <a:fillRef idx="0"/>
+          <a:effectRef idx="0"/>
+          <a:fontRef idx="minor"/>
+        </p:style>
+        <p:txBody>
+          <a:bodyPr lIns="90000" rIns="90000" tIns="91440" bIns="91440" anchor="ctr"/>
+          <a:p>
+            <a:pPr>
+              <a:lnSpc>
+                <a:spcPct val="100000"/>
+              </a:lnSpc>
+            </a:pPr>
             <a:r>
               <a:rPr b="0" lang="en-US" sz="700" spc="-1" strike="noStrike">
                 <a:solidFill>
+                  <a:srgbClr val="000000"/>
+                </a:solidFill>
+                <a:latin typeface="Arial"/>
+                <a:ea typeface="Arial"/>
+              </a:rPr>
+              <a:t>0.3</a:t>
+            </a:r>
+            <a:endParaRPr b="0" lang="en-US" sz="700" spc="-1" strike="noStrike">
+              <a:latin typeface="Arial"/>
+            </a:endParaRPr>
+          </a:p>
+        </p:txBody>
+      </p:sp>
+      <p:sp>
+        <p:nvSpPr>
+          <p:cNvPr id="119" name="CustomShape 83"/>
+          <p:cNvSpPr/>
+          <p:nvPr/>
+        </p:nvSpPr>
+        <p:spPr>
+          <a:xfrm>
+            <a:off x="5856120" y="922320"/>
+            <a:ext cx="806760" cy="162360"/>
+          </a:xfrm>
+          <a:prstGeom prst="rect">
+            <a:avLst/>
+          </a:prstGeom>
+          <a:noFill/>
+          <a:ln>
+            <a:noFill/>
+          </a:ln>
+        </p:spPr>
+        <p:style>
+          <a:lnRef idx="0"/>
+          <a:fillRef idx="0"/>
+          <a:effectRef idx="0"/>
+          <a:fontRef idx="minor"/>
+        </p:style>
+        <p:txBody>
+          <a:bodyPr lIns="90000" rIns="90000" tIns="91440" bIns="91440" anchor="ctr"/>
+          <a:p>
+            <a:pPr>
+              <a:lnSpc>
+                <a:spcPct val="100000"/>
+              </a:lnSpc>
+            </a:pPr>
+            <a:r>
+              <a:rPr b="0" lang="en-US" sz="700" spc="-1" strike="noStrike">
+                <a:solidFill>
+                  <a:srgbClr val="ff0000"/>
+                </a:solidFill>
+                <a:latin typeface="Arial"/>
+                <a:ea typeface="Arial"/>
+              </a:rPr>
+              <a:t>numerals</a:t>
+            </a:r>
+            <a:endParaRPr b="0" lang="en-US" sz="700" spc="-1" strike="noStrike">
+              <a:latin typeface="Arial"/>
+            </a:endParaRPr>
+          </a:p>
+        </p:txBody>
+      </p:sp>
+      <p:sp>
+        <p:nvSpPr>
+          <p:cNvPr id="120" name="CustomShape 84"/>
+          <p:cNvSpPr/>
+          <p:nvPr/>
+        </p:nvSpPr>
+        <p:spPr>
+          <a:xfrm>
+            <a:off x="5856120" y="1100880"/>
+            <a:ext cx="806760" cy="162360"/>
+          </a:xfrm>
+          <a:prstGeom prst="rect">
+            <a:avLst/>
+          </a:prstGeom>
+          <a:noFill/>
+          <a:ln>
+            <a:noFill/>
+          </a:ln>
+        </p:spPr>
+        <p:style>
+          <a:lnRef idx="0"/>
+          <a:fillRef idx="0"/>
+          <a:effectRef idx="0"/>
+          <a:fontRef idx="minor"/>
+        </p:style>
+        <p:txBody>
+          <a:bodyPr lIns="90000" rIns="90000" tIns="91440" bIns="91440" anchor="ctr"/>
+          <a:p>
+            <a:pPr>
+              <a:lnSpc>
+                <a:spcPct val="100000"/>
+              </a:lnSpc>
+            </a:pPr>
+            <a:r>
+              <a:rPr b="0" lang="en-US" sz="700" spc="-1" strike="noStrike">
+                <a:solidFill>
+                  <a:srgbClr val="ff00ff"/>
+                </a:solidFill>
+                <a:latin typeface="Arial"/>
+                <a:ea typeface="Arial"/>
+              </a:rPr>
+              <a:t>subjects</a:t>
+            </a:r>
+            <a:endParaRPr b="0" lang="en-US" sz="700" spc="-1" strike="noStrike">
+              <a:latin typeface="Arial"/>
+            </a:endParaRPr>
+          </a:p>
+        </p:txBody>
+      </p:sp>
+      <p:sp>
+        <p:nvSpPr>
+          <p:cNvPr id="121" name="CustomShape 85"/>
+          <p:cNvSpPr/>
+          <p:nvPr/>
+        </p:nvSpPr>
+        <p:spPr>
+          <a:xfrm>
+            <a:off x="5856120" y="1279800"/>
+            <a:ext cx="806760" cy="162360"/>
+          </a:xfrm>
+          <a:prstGeom prst="rect">
+            <a:avLst/>
+          </a:prstGeom>
+          <a:noFill/>
+          <a:ln>
+            <a:noFill/>
+          </a:ln>
+        </p:spPr>
+        <p:style>
+          <a:lnRef idx="0"/>
+          <a:fillRef idx="0"/>
+          <a:effectRef idx="0"/>
+          <a:fontRef idx="minor"/>
+        </p:style>
+        <p:txBody>
+          <a:bodyPr lIns="90000" rIns="90000" tIns="91440" bIns="91440" anchor="ctr"/>
+          <a:p>
+            <a:pPr>
+              <a:lnSpc>
+                <a:spcPct val="100000"/>
+              </a:lnSpc>
+            </a:pPr>
+            <a:r>
+              <a:rPr b="0" lang="en-US" sz="700" spc="-1" strike="noStrike">
+                <a:solidFill>
+                  <a:srgbClr val="f58220"/>
+                </a:solidFill>
+                <a:latin typeface="Arial"/>
+                <a:ea typeface="Arial"/>
+              </a:rPr>
+              <a:t>objects</a:t>
+            </a:r>
+            <a:endParaRPr b="0" lang="en-US" sz="700" spc="-1" strike="noStrike">
+              <a:latin typeface="Arial"/>
+            </a:endParaRPr>
+          </a:p>
+        </p:txBody>
+      </p:sp>
+      <p:sp>
+        <p:nvSpPr>
+          <p:cNvPr id="122" name="CustomShape 86"/>
+          <p:cNvSpPr/>
+          <p:nvPr/>
+        </p:nvSpPr>
+        <p:spPr>
+          <a:xfrm>
+            <a:off x="6894720" y="912600"/>
+            <a:ext cx="456480" cy="128160"/>
+          </a:xfrm>
+          <a:prstGeom prst="rect">
+            <a:avLst/>
+          </a:prstGeom>
+          <a:noFill/>
+          <a:ln>
+            <a:noFill/>
+          </a:ln>
+        </p:spPr>
+        <p:style>
+          <a:lnRef idx="0"/>
+          <a:fillRef idx="0"/>
+          <a:effectRef idx="0"/>
+          <a:fontRef idx="minor"/>
+        </p:style>
+        <p:txBody>
+          <a:bodyPr lIns="90000" rIns="90000" tIns="91440" bIns="91440" anchor="ctr"/>
+          <a:p>
+            <a:pPr>
+              <a:lnSpc>
+                <a:spcPct val="100000"/>
+              </a:lnSpc>
+            </a:pPr>
+            <a:r>
+              <a:rPr b="0" lang="en-US" sz="700" spc="-1" strike="noStrike">
+                <a:solidFill>
+                  <a:srgbClr val="000000"/>
+                </a:solidFill>
+                <a:latin typeface="Arial"/>
+                <a:ea typeface="Arial"/>
+              </a:rPr>
+              <a:t>0.7</a:t>
+            </a:r>
+            <a:endParaRPr b="0" lang="en-US" sz="700" spc="-1" strike="noStrike">
+              <a:latin typeface="Arial"/>
+            </a:endParaRPr>
+          </a:p>
+        </p:txBody>
+      </p:sp>
+      <p:sp>
+        <p:nvSpPr>
+          <p:cNvPr id="123" name="CustomShape 87"/>
+          <p:cNvSpPr/>
+          <p:nvPr/>
+        </p:nvSpPr>
+        <p:spPr>
+          <a:xfrm>
+            <a:off x="6880320" y="1091520"/>
+            <a:ext cx="456480" cy="128160"/>
+          </a:xfrm>
+          <a:prstGeom prst="rect">
+            <a:avLst/>
+          </a:prstGeom>
+          <a:noFill/>
+          <a:ln>
+            <a:noFill/>
+          </a:ln>
+        </p:spPr>
+        <p:style>
+          <a:lnRef idx="0"/>
+          <a:fillRef idx="0"/>
+          <a:effectRef idx="0"/>
+          <a:fontRef idx="minor"/>
+        </p:style>
+        <p:txBody>
+          <a:bodyPr lIns="90000" rIns="90000" tIns="91440" bIns="91440" anchor="ctr"/>
+          <a:p>
+            <a:pPr>
+              <a:lnSpc>
+                <a:spcPct val="100000"/>
+              </a:lnSpc>
+            </a:pPr>
+            <a:r>
+              <a:rPr b="0" lang="en-US" sz="700" spc="-1" strike="noStrike">
+                <a:solidFill>
+                  <a:srgbClr val="000000"/>
+                </a:solidFill>
+                <a:latin typeface="Arial"/>
+                <a:ea typeface="Arial"/>
+              </a:rPr>
+              <a:t> </a:t>
+            </a:r>
+            <a:r>
+              <a:rPr b="0" lang="en-US" sz="700" spc="-1" strike="noStrike">
+                <a:solidFill>
+                  <a:srgbClr val="000000"/>
+                </a:solidFill>
+                <a:latin typeface="Arial"/>
+                <a:ea typeface="Arial"/>
+              </a:rPr>
+              <a:t>0.2</a:t>
+            </a:r>
+            <a:endParaRPr b="0" lang="en-US" sz="700" spc="-1" strike="noStrike">
+              <a:latin typeface="Arial"/>
+            </a:endParaRPr>
+          </a:p>
+        </p:txBody>
+      </p:sp>
+      <p:sp>
+        <p:nvSpPr>
+          <p:cNvPr id="124" name="CustomShape 88"/>
+          <p:cNvSpPr/>
+          <p:nvPr/>
+        </p:nvSpPr>
+        <p:spPr>
+          <a:xfrm>
+            <a:off x="6909120" y="1270080"/>
+            <a:ext cx="456480" cy="128160"/>
+          </a:xfrm>
+          <a:prstGeom prst="rect">
+            <a:avLst/>
+          </a:prstGeom>
+          <a:noFill/>
+          <a:ln>
+            <a:noFill/>
+          </a:ln>
+        </p:spPr>
+        <p:style>
+          <a:lnRef idx="0"/>
+          <a:fillRef idx="0"/>
+          <a:effectRef idx="0"/>
+          <a:fontRef idx="minor"/>
+        </p:style>
+        <p:txBody>
+          <a:bodyPr lIns="90000" rIns="90000" tIns="91440" bIns="91440" anchor="ctr"/>
+          <a:p>
+            <a:pPr>
+              <a:lnSpc>
+                <a:spcPct val="100000"/>
+              </a:lnSpc>
+            </a:pPr>
+            <a:r>
+              <a:rPr b="0" lang="en-US" sz="700" spc="-1" strike="noStrike">
+                <a:solidFill>
+                  <a:srgbClr val="000000"/>
+                </a:solidFill>
+                <a:latin typeface="Arial"/>
+                <a:ea typeface="Arial"/>
+              </a:rPr>
+              <a:t>0.1</a:t>
+            </a:r>
+            <a:endParaRPr b="0" lang="en-US" sz="700" spc="-1" strike="noStrike">
+              <a:latin typeface="Arial"/>
+            </a:endParaRPr>
+          </a:p>
+        </p:txBody>
+      </p:sp>
+      <p:sp>
+        <p:nvSpPr>
+          <p:cNvPr id="125" name="CustomShape 89"/>
+          <p:cNvSpPr/>
+          <p:nvPr/>
+        </p:nvSpPr>
+        <p:spPr>
+          <a:xfrm>
+            <a:off x="8268120" y="743760"/>
+            <a:ext cx="966600" cy="162360"/>
+          </a:xfrm>
+          <a:prstGeom prst="rect">
+            <a:avLst/>
+          </a:prstGeom>
+          <a:noFill/>
+          <a:ln>
+            <a:noFill/>
+          </a:ln>
+        </p:spPr>
+        <p:style>
+          <a:lnRef idx="0"/>
+          <a:fillRef idx="0"/>
+          <a:effectRef idx="0"/>
+          <a:fontRef idx="minor"/>
+        </p:style>
+        <p:txBody>
+          <a:bodyPr lIns="90000" rIns="90000" tIns="91440" bIns="91440" anchor="ctr"/>
+          <a:p>
+            <a:pPr>
+              <a:lnSpc>
+                <a:spcPct val="100000"/>
+              </a:lnSpc>
+            </a:pPr>
+            <a:r>
+              <a:rPr b="0" lang="en-US" sz="700" spc="-1" strike="noStrike">
+                <a:solidFill>
                   <a:srgbClr val="38761d"/>
                 </a:solidFill>
                 <a:latin typeface="Arial"/>
                 <a:ea typeface="Arial"/>
               </a:rPr>
-              <a:t>val </a:t>
-            </a:r>
+              <a:t>adjectival modifiers</a:t>
+            </a:r>
+            <a:endParaRPr b="0" lang="en-US" sz="700" spc="-1" strike="noStrike">
+              <a:latin typeface="Arial"/>
+            </a:endParaRPr>
+          </a:p>
+        </p:txBody>
+      </p:sp>
+      <p:sp>
+        <p:nvSpPr>
+          <p:cNvPr id="126" name="CustomShape 90"/>
+          <p:cNvSpPr/>
+          <p:nvPr/>
+        </p:nvSpPr>
+        <p:spPr>
+          <a:xfrm>
+            <a:off x="9306720" y="734040"/>
+            <a:ext cx="456480" cy="128160"/>
+          </a:xfrm>
+          <a:prstGeom prst="rect">
+            <a:avLst/>
+          </a:prstGeom>
+          <a:noFill/>
+          <a:ln>
+            <a:noFill/>
+          </a:ln>
+        </p:spPr>
+        <p:style>
+          <a:lnRef idx="0"/>
+          <a:fillRef idx="0"/>
+          <a:effectRef idx="0"/>
+          <a:fontRef idx="minor"/>
+        </p:style>
+        <p:txBody>
+          <a:bodyPr lIns="90000" rIns="90000" tIns="91440" bIns="91440" anchor="ctr"/>
+          <a:p>
+            <a:pPr>
+              <a:lnSpc>
+                <a:spcPct val="100000"/>
+              </a:lnSpc>
+            </a:pPr>
             <a:r>
               <a:rPr b="0" lang="en-US" sz="700" spc="-1" strike="noStrike">
                 <a:solidFill>
-                  <a:srgbClr val="38761d"/>
-                </a:solidFill>
-                <a:latin typeface="Arial"/>
-                <a:ea typeface="Arial"/>
-              </a:rPr>
-              <a:t>modifi</a:t>
-            </a:r>
+                  <a:srgbClr val="000000"/>
+                </a:solidFill>
+                <a:latin typeface="Arial"/>
+                <a:ea typeface="Arial"/>
+              </a:rPr>
+              <a:t>-0.3</a:t>
+            </a:r>
+            <a:endParaRPr b="0" lang="en-US" sz="700" spc="-1" strike="noStrike">
+              <a:latin typeface="Arial"/>
+            </a:endParaRPr>
+          </a:p>
+        </p:txBody>
+      </p:sp>
+      <p:sp>
+        <p:nvSpPr>
+          <p:cNvPr id="127" name="CustomShape 91"/>
+          <p:cNvSpPr/>
+          <p:nvPr/>
+        </p:nvSpPr>
+        <p:spPr>
+          <a:xfrm>
+            <a:off x="8268120" y="922320"/>
+            <a:ext cx="806760" cy="162360"/>
+          </a:xfrm>
+          <a:prstGeom prst="rect">
+            <a:avLst/>
+          </a:prstGeom>
+          <a:noFill/>
+          <a:ln>
+            <a:noFill/>
+          </a:ln>
+        </p:spPr>
+        <p:style>
+          <a:lnRef idx="0"/>
+          <a:fillRef idx="0"/>
+          <a:effectRef idx="0"/>
+          <a:fontRef idx="minor"/>
+        </p:style>
+        <p:txBody>
+          <a:bodyPr lIns="90000" rIns="90000" tIns="91440" bIns="91440" anchor="ctr"/>
+          <a:p>
+            <a:pPr>
+              <a:lnSpc>
+                <a:spcPct val="100000"/>
+              </a:lnSpc>
+            </a:pPr>
             <a:r>
               <a:rPr b="0" lang="en-US" sz="700" spc="-1" strike="noStrike">
                 <a:solidFill>
-                  <a:srgbClr val="38761d"/>
-                </a:solidFill>
-                <a:latin typeface="Arial"/>
-                <a:ea typeface="Arial"/>
-              </a:rPr>
-              <a:t>ers</a:t>
+                  <a:srgbClr val="ff0000"/>
+                </a:solidFill>
+                <a:latin typeface="Arial"/>
+                <a:ea typeface="Arial"/>
+              </a:rPr>
+              <a:t>numerals</a:t>
             </a:r>
             <a:endParaRPr b="0" lang="en-US" sz="700" spc="-1" strike="noStrike">
               <a:latin typeface="Arial"/>
@@ -5593,31 +5482,31 @@
       </p:sp>
       <p:sp>
         <p:nvSpPr>
-          <p:cNvPr id="120" name="CustomShape 82"/>
-          <p:cNvSpPr/>
-          <p:nvPr/>
-        </p:nvSpPr>
-        <p:spPr>
-          <a:xfrm>
-            <a:off x="6894720" y="734040"/>
-            <a:ext cx="456840" cy="128520"/>
-          </a:xfrm>
-          <a:prstGeom prst="rect">
-            <a:avLst/>
-          </a:prstGeom>
-          <a:noFill/>
-          <a:ln>
-            <a:noFill/>
-          </a:ln>
-        </p:spPr>
-        <p:style>
-          <a:lnRef idx="0"/>
-          <a:fillRef idx="0"/>
-          <a:effectRef idx="0"/>
-          <a:fontRef idx="minor"/>
-        </p:style>
-        <p:txBody>
-          <a:bodyPr tIns="91440" bIns="91440" anchor="ctr"/>
+          <p:cNvPr id="128" name="CustomShape 92"/>
+          <p:cNvSpPr/>
+          <p:nvPr/>
+        </p:nvSpPr>
+        <p:spPr>
+          <a:xfrm>
+            <a:off x="8268120" y="1100880"/>
+            <a:ext cx="806760" cy="162360"/>
+          </a:xfrm>
+          <a:prstGeom prst="rect">
+            <a:avLst/>
+          </a:prstGeom>
+          <a:noFill/>
+          <a:ln>
+            <a:noFill/>
+          </a:ln>
+        </p:spPr>
+        <p:style>
+          <a:lnRef idx="0"/>
+          <a:fillRef idx="0"/>
+          <a:effectRef idx="0"/>
+          <a:fontRef idx="minor"/>
+        </p:style>
+        <p:txBody>
+          <a:bodyPr lIns="90000" rIns="90000" tIns="91440" bIns="91440" anchor="ctr"/>
           <a:p>
             <a:pPr>
               <a:lnSpc>
@@ -5627,12 +5516,110 @@
             <a:r>
               <a:rPr b="0" lang="en-US" sz="700" spc="-1" strike="noStrike">
                 <a:solidFill>
+                  <a:srgbClr val="ff00ff"/>
+                </a:solidFill>
+                <a:latin typeface="Arial"/>
+                <a:ea typeface="Arial"/>
+              </a:rPr>
+              <a:t>subjects</a:t>
+            </a:r>
+            <a:endParaRPr b="0" lang="en-US" sz="700" spc="-1" strike="noStrike">
+              <a:latin typeface="Arial"/>
+            </a:endParaRPr>
+          </a:p>
+        </p:txBody>
+      </p:sp>
+      <p:sp>
+        <p:nvSpPr>
+          <p:cNvPr id="129" name="CustomShape 93"/>
+          <p:cNvSpPr/>
+          <p:nvPr/>
+        </p:nvSpPr>
+        <p:spPr>
+          <a:xfrm>
+            <a:off x="8268120" y="1279800"/>
+            <a:ext cx="806760" cy="162360"/>
+          </a:xfrm>
+          <a:prstGeom prst="rect">
+            <a:avLst/>
+          </a:prstGeom>
+          <a:noFill/>
+          <a:ln>
+            <a:noFill/>
+          </a:ln>
+        </p:spPr>
+        <p:style>
+          <a:lnRef idx="0"/>
+          <a:fillRef idx="0"/>
+          <a:effectRef idx="0"/>
+          <a:fontRef idx="minor"/>
+        </p:style>
+        <p:txBody>
+          <a:bodyPr lIns="90000" rIns="90000" tIns="91440" bIns="91440" anchor="ctr"/>
+          <a:p>
+            <a:pPr>
+              <a:lnSpc>
+                <a:spcPct val="100000"/>
+              </a:lnSpc>
+            </a:pPr>
+            <a:r>
+              <a:rPr b="0" lang="en-US" sz="700" spc="-1" strike="noStrike">
+                <a:solidFill>
+                  <a:srgbClr val="f58220"/>
+                </a:solidFill>
+                <a:latin typeface="Arial"/>
+                <a:ea typeface="Arial"/>
+              </a:rPr>
+              <a:t>objects</a:t>
+            </a:r>
+            <a:endParaRPr b="0" lang="en-US" sz="700" spc="-1" strike="noStrike">
+              <a:latin typeface="Arial"/>
+            </a:endParaRPr>
+          </a:p>
+        </p:txBody>
+      </p:sp>
+      <p:sp>
+        <p:nvSpPr>
+          <p:cNvPr id="130" name="CustomShape 94"/>
+          <p:cNvSpPr/>
+          <p:nvPr/>
+        </p:nvSpPr>
+        <p:spPr>
+          <a:xfrm>
+            <a:off x="9306720" y="912600"/>
+            <a:ext cx="456480" cy="128160"/>
+          </a:xfrm>
+          <a:prstGeom prst="rect">
+            <a:avLst/>
+          </a:prstGeom>
+          <a:noFill/>
+          <a:ln>
+            <a:noFill/>
+          </a:ln>
+        </p:spPr>
+        <p:style>
+          <a:lnRef idx="0"/>
+          <a:fillRef idx="0"/>
+          <a:effectRef idx="0"/>
+          <a:fontRef idx="minor"/>
+        </p:style>
+        <p:txBody>
+          <a:bodyPr lIns="90000" rIns="90000" tIns="91440" bIns="91440" anchor="ctr"/>
+          <a:p>
+            <a:pPr>
+              <a:lnSpc>
+                <a:spcPct val="100000"/>
+              </a:lnSpc>
+            </a:pPr>
+            <a:r>
+              <a:rPr b="0" lang="en-US" sz="700" spc="-1" strike="noStrike">
+                <a:solidFill>
                   <a:srgbClr val="000000"/>
                 </a:solidFill>
                 <a:latin typeface="Arial"/>
                 <a:ea typeface="Arial"/>
               </a:rPr>
-              <a:t>0.3</a:t>
+              <a:t>0.7</a:t>
             </a:r>
             <a:endParaRPr b="0" lang="en-US" sz="700" spc="-1" strike="noStrike">
               <a:latin typeface="Arial"/>
@@ -5642,31 +5629,31 @@
       </p:sp>
       <p:sp>
         <p:nvSpPr>
-          <p:cNvPr id="121" name="CustomShape 83"/>
-          <p:cNvSpPr/>
-          <p:nvPr/>
-        </p:nvSpPr>
-        <p:spPr>
-          <a:xfrm>
-            <a:off x="5856120" y="922320"/>
-            <a:ext cx="807120" cy="162720"/>
-          </a:xfrm>
-          <a:prstGeom prst="rect">
-            <a:avLst/>
-          </a:prstGeom>
-          <a:noFill/>
-          <a:ln>
-            <a:noFill/>
-          </a:ln>
-        </p:spPr>
-        <p:style>
-          <a:lnRef idx="0"/>
-          <a:fillRef idx="0"/>
-          <a:effectRef idx="0"/>
-          <a:fontRef idx="minor"/>
-        </p:style>
-        <p:txBody>
-          <a:bodyPr tIns="91440" bIns="91440" anchor="ctr"/>
+          <p:cNvPr id="131" name="CustomShape 95"/>
+          <p:cNvSpPr/>
+          <p:nvPr/>
+        </p:nvSpPr>
+        <p:spPr>
+          <a:xfrm>
+            <a:off x="9292320" y="1091520"/>
+            <a:ext cx="456480" cy="128160"/>
+          </a:xfrm>
+          <a:prstGeom prst="rect">
+            <a:avLst/>
+          </a:prstGeom>
+          <a:noFill/>
+          <a:ln>
+            <a:noFill/>
+          </a:ln>
+        </p:spPr>
+        <p:style>
+          <a:lnRef idx="0"/>
+          <a:fillRef idx="0"/>
+          <a:effectRef idx="0"/>
+          <a:fontRef idx="minor"/>
+        </p:style>
+        <p:txBody>
+          <a:bodyPr lIns="90000" rIns="90000" tIns="91440" bIns="91440" anchor="ctr"/>
           <a:p>
             <a:pPr>
               <a:lnSpc>
@@ -5676,32 +5663,22 @@
             <a:r>
               <a:rPr b="0" lang="en-US" sz="700" spc="-1" strike="noStrike">
                 <a:solidFill>
-                  <a:srgbClr val="ff0000"/>
-                </a:solidFill>
-                <a:latin typeface="Arial"/>
-                <a:ea typeface="Arial"/>
-              </a:rPr>
-              <a:t>num</a:t>
+                  <a:srgbClr val="000000"/>
+                </a:solidFill>
+                <a:latin typeface="Arial"/>
+                <a:ea typeface="Arial"/>
+              </a:rPr>
+              <a:t> </a:t>
             </a:r>
             <a:r>
               <a:rPr b="0" lang="en-US" sz="700" spc="-1" strike="noStrike">
                 <a:solidFill>
-                  <a:srgbClr val="ff0000"/>
-                </a:solidFill>
-                <a:latin typeface="Arial"/>
-                <a:ea typeface="Arial"/>
-              </a:rPr>
-              <a:t>eral</a:t>
-            </a:r>
-            <a:r>
-              <a:rPr b="0" lang="en-US" sz="700" spc="-1" strike="noStrike">
-                <a:solidFill>
-                  <a:srgbClr val="ff0000"/>
-                </a:solidFill>
-                <a:latin typeface="Arial"/>
-                <a:ea typeface="Arial"/>
-              </a:rPr>
-              <a:t>s</a:t>
+                  <a:srgbClr val="000000"/>
+                </a:solidFill>
+                <a:latin typeface="Arial"/>
+                <a:ea typeface="Arial"/>
+              </a:rPr>
+              <a:t>0.2</a:t>
             </a:r>
             <a:endParaRPr b="0" lang="en-US" sz="700" spc="-1" strike="noStrike">
               <a:latin typeface="Arial"/>
@@ -5711,735 +5688,31 @@
       </p:sp>
       <p:sp>
         <p:nvSpPr>
-          <p:cNvPr id="122" name="CustomShape 84"/>
-          <p:cNvSpPr/>
-          <p:nvPr/>
-        </p:nvSpPr>
-        <p:spPr>
-          <a:xfrm>
-            <a:off x="5856120" y="1100880"/>
-            <a:ext cx="807120" cy="162720"/>
-          </a:xfrm>
-          <a:prstGeom prst="rect">
-            <a:avLst/>
-          </a:prstGeom>
-          <a:noFill/>
-          <a:ln>
-            <a:noFill/>
-          </a:ln>
-        </p:spPr>
-        <p:style>
-          <a:lnRef idx="0"/>
-          <a:fillRef idx="0"/>
-          <a:effectRef idx="0"/>
-          <a:fontRef idx="minor"/>
-        </p:style>
-        <p:txBody>
-          <a:bodyPr tIns="91440" bIns="91440" anchor="ctr"/>
-          <a:p>
-            <a:pPr>
-              <a:lnSpc>
-                <a:spcPct val="100000"/>
-              </a:lnSpc>
-            </a:pPr>
-            <a:r>
-              <a:rPr b="0" lang="en-US" sz="700" spc="-1" strike="noStrike">
-                <a:solidFill>
-                  <a:srgbClr val="ff00ff"/>
-                </a:solidFill>
-                <a:latin typeface="Arial"/>
-                <a:ea typeface="Arial"/>
-              </a:rPr>
-              <a:t>subj</a:t>
-            </a:r>
-            <a:r>
-              <a:rPr b="0" lang="en-US" sz="700" spc="-1" strike="noStrike">
-                <a:solidFill>
-                  <a:srgbClr val="ff00ff"/>
-                </a:solidFill>
-                <a:latin typeface="Arial"/>
-                <a:ea typeface="Arial"/>
-              </a:rPr>
-              <a:t>ects</a:t>
-            </a:r>
-            <a:endParaRPr b="0" lang="en-US" sz="700" spc="-1" strike="noStrike">
-              <a:latin typeface="Arial"/>
-            </a:endParaRPr>
-          </a:p>
-        </p:txBody>
-      </p:sp>
-      <p:sp>
-        <p:nvSpPr>
-          <p:cNvPr id="123" name="CustomShape 85"/>
-          <p:cNvSpPr/>
-          <p:nvPr/>
-        </p:nvSpPr>
-        <p:spPr>
-          <a:xfrm>
-            <a:off x="5856120" y="1279800"/>
-            <a:ext cx="807120" cy="162720"/>
-          </a:xfrm>
-          <a:prstGeom prst="rect">
-            <a:avLst/>
-          </a:prstGeom>
-          <a:noFill/>
-          <a:ln>
-            <a:noFill/>
-          </a:ln>
-        </p:spPr>
-        <p:style>
-          <a:lnRef idx="0"/>
-          <a:fillRef idx="0"/>
-          <a:effectRef idx="0"/>
-          <a:fontRef idx="minor"/>
-        </p:style>
-        <p:txBody>
-          <a:bodyPr tIns="91440" bIns="91440" anchor="ctr"/>
-          <a:p>
-            <a:pPr>
-              <a:lnSpc>
-                <a:spcPct val="100000"/>
-              </a:lnSpc>
-            </a:pPr>
-            <a:r>
-              <a:rPr b="0" lang="en-US" sz="700" spc="-1" strike="noStrike">
-                <a:solidFill>
-                  <a:srgbClr val="f58220"/>
-                </a:solidFill>
-                <a:latin typeface="Arial"/>
-                <a:ea typeface="Arial"/>
-              </a:rPr>
-              <a:t>obje</a:t>
-            </a:r>
-            <a:r>
-              <a:rPr b="0" lang="en-US" sz="700" spc="-1" strike="noStrike">
-                <a:solidFill>
-                  <a:srgbClr val="f58220"/>
-                </a:solidFill>
-                <a:latin typeface="Arial"/>
-                <a:ea typeface="Arial"/>
-              </a:rPr>
-              <a:t>cts</a:t>
-            </a:r>
-            <a:endParaRPr b="0" lang="en-US" sz="700" spc="-1" strike="noStrike">
-              <a:solidFill>
-                <a:srgbClr val="f58220"/>
-              </a:solidFill>
-              <a:latin typeface="Arial"/>
-            </a:endParaRPr>
-          </a:p>
-        </p:txBody>
-      </p:sp>
-      <p:sp>
-        <p:nvSpPr>
-          <p:cNvPr id="124" name="CustomShape 86"/>
-          <p:cNvSpPr/>
-          <p:nvPr/>
-        </p:nvSpPr>
-        <p:spPr>
-          <a:xfrm>
-            <a:off x="6894720" y="912600"/>
-            <a:ext cx="456840" cy="128520"/>
-          </a:xfrm>
-          <a:prstGeom prst="rect">
-            <a:avLst/>
-          </a:prstGeom>
-          <a:noFill/>
-          <a:ln>
-            <a:noFill/>
-          </a:ln>
-        </p:spPr>
-        <p:style>
-          <a:lnRef idx="0"/>
-          <a:fillRef idx="0"/>
-          <a:effectRef idx="0"/>
-          <a:fontRef idx="minor"/>
-        </p:style>
-        <p:txBody>
-          <a:bodyPr tIns="91440" bIns="91440" anchor="ctr"/>
-          <a:p>
-            <a:pPr>
-              <a:lnSpc>
-                <a:spcPct val="100000"/>
-              </a:lnSpc>
-            </a:pPr>
-            <a:r>
-              <a:rPr b="0" lang="en-US" sz="700" spc="-1" strike="noStrike">
-                <a:solidFill>
-                  <a:srgbClr val="000000"/>
-                </a:solidFill>
-                <a:latin typeface="Arial"/>
-                <a:ea typeface="Arial"/>
-              </a:rPr>
-              <a:t>0.7</a:t>
-            </a:r>
-            <a:endParaRPr b="0" lang="en-US" sz="700" spc="-1" strike="noStrike">
-              <a:latin typeface="Arial"/>
-            </a:endParaRPr>
-          </a:p>
-        </p:txBody>
-      </p:sp>
-      <p:sp>
-        <p:nvSpPr>
-          <p:cNvPr id="125" name="CustomShape 87"/>
-          <p:cNvSpPr/>
-          <p:nvPr/>
-        </p:nvSpPr>
-        <p:spPr>
-          <a:xfrm>
-            <a:off x="6880320" y="1091520"/>
-            <a:ext cx="456840" cy="128520"/>
-          </a:xfrm>
-          <a:prstGeom prst="rect">
-            <a:avLst/>
-          </a:prstGeom>
-          <a:noFill/>
-          <a:ln>
-            <a:noFill/>
-          </a:ln>
-        </p:spPr>
-        <p:style>
-          <a:lnRef idx="0"/>
-          <a:fillRef idx="0"/>
-          <a:effectRef idx="0"/>
-          <a:fontRef idx="minor"/>
-        </p:style>
-        <p:txBody>
-          <a:bodyPr tIns="91440" bIns="91440" anchor="ctr"/>
-          <a:p>
-            <a:pPr>
-              <a:lnSpc>
-                <a:spcPct val="100000"/>
-              </a:lnSpc>
-            </a:pPr>
-            <a:r>
-              <a:rPr b="0" lang="en-US" sz="700" spc="-1" strike="noStrike">
-                <a:solidFill>
-                  <a:srgbClr val="000000"/>
-                </a:solidFill>
-                <a:latin typeface="Arial"/>
-                <a:ea typeface="Arial"/>
-              </a:rPr>
-              <a:t> </a:t>
-            </a:r>
-            <a:r>
-              <a:rPr b="0" lang="en-US" sz="700" spc="-1" strike="noStrike">
-                <a:solidFill>
-                  <a:srgbClr val="000000"/>
-                </a:solidFill>
-                <a:latin typeface="Arial"/>
-                <a:ea typeface="Arial"/>
-              </a:rPr>
-              <a:t>0.2</a:t>
-            </a:r>
-            <a:endParaRPr b="0" lang="en-US" sz="700" spc="-1" strike="noStrike">
-              <a:latin typeface="Arial"/>
-            </a:endParaRPr>
-          </a:p>
-        </p:txBody>
-      </p:sp>
-      <p:sp>
-        <p:nvSpPr>
-          <p:cNvPr id="126" name="CustomShape 88"/>
-          <p:cNvSpPr/>
-          <p:nvPr/>
-        </p:nvSpPr>
-        <p:spPr>
-          <a:xfrm>
-            <a:off x="6909120" y="1270080"/>
-            <a:ext cx="456840" cy="128520"/>
-          </a:xfrm>
-          <a:prstGeom prst="rect">
-            <a:avLst/>
-          </a:prstGeom>
-          <a:noFill/>
-          <a:ln>
-            <a:noFill/>
-          </a:ln>
-        </p:spPr>
-        <p:style>
-          <a:lnRef idx="0"/>
-          <a:fillRef idx="0"/>
-          <a:effectRef idx="0"/>
-          <a:fontRef idx="minor"/>
-        </p:style>
-        <p:txBody>
-          <a:bodyPr tIns="91440" bIns="91440" anchor="ctr"/>
-          <a:p>
-            <a:pPr>
-              <a:lnSpc>
-                <a:spcPct val="100000"/>
-              </a:lnSpc>
-            </a:pPr>
-            <a:r>
-              <a:rPr b="0" lang="en-US" sz="700" spc="-1" strike="noStrike">
-                <a:solidFill>
-                  <a:srgbClr val="000000"/>
-                </a:solidFill>
-                <a:latin typeface="Arial"/>
-                <a:ea typeface="Arial"/>
-              </a:rPr>
-              <a:t>0.1</a:t>
-            </a:r>
-            <a:endParaRPr b="0" lang="en-US" sz="700" spc="-1" strike="noStrike">
-              <a:latin typeface="Arial"/>
-            </a:endParaRPr>
-          </a:p>
-        </p:txBody>
-      </p:sp>
-      <p:sp>
-        <p:nvSpPr>
-          <p:cNvPr id="127" name="CustomShape 89"/>
-          <p:cNvSpPr/>
-          <p:nvPr/>
-        </p:nvSpPr>
-        <p:spPr>
-          <a:xfrm>
-            <a:off x="8268120" y="743760"/>
-            <a:ext cx="966960" cy="162720"/>
-          </a:xfrm>
-          <a:prstGeom prst="rect">
-            <a:avLst/>
-          </a:prstGeom>
-          <a:noFill/>
-          <a:ln>
-            <a:noFill/>
-          </a:ln>
-        </p:spPr>
-        <p:style>
-          <a:lnRef idx="0"/>
-          <a:fillRef idx="0"/>
-          <a:effectRef idx="0"/>
-          <a:fontRef idx="minor"/>
-        </p:style>
-        <p:txBody>
-          <a:bodyPr tIns="91440" bIns="91440" anchor="ctr"/>
-          <a:p>
-            <a:pPr>
-              <a:lnSpc>
-                <a:spcPct val="100000"/>
-              </a:lnSpc>
-            </a:pPr>
-            <a:r>
-              <a:rPr b="0" lang="en-US" sz="700" spc="-1" strike="noStrike">
-                <a:solidFill>
-                  <a:srgbClr val="38761d"/>
-                </a:solidFill>
-                <a:latin typeface="Arial"/>
-                <a:ea typeface="Arial"/>
-              </a:rPr>
-              <a:t>adje</a:t>
-            </a:r>
-            <a:r>
-              <a:rPr b="0" lang="en-US" sz="700" spc="-1" strike="noStrike">
-                <a:solidFill>
-                  <a:srgbClr val="38761d"/>
-                </a:solidFill>
-                <a:latin typeface="Arial"/>
-                <a:ea typeface="Arial"/>
-              </a:rPr>
-              <a:t>ctiv</a:t>
-            </a:r>
-            <a:r>
-              <a:rPr b="0" lang="en-US" sz="700" spc="-1" strike="noStrike">
-                <a:solidFill>
-                  <a:srgbClr val="38761d"/>
-                </a:solidFill>
-                <a:latin typeface="Arial"/>
-                <a:ea typeface="Arial"/>
-              </a:rPr>
-              <a:t>al </a:t>
-            </a:r>
-            <a:r>
-              <a:rPr b="0" lang="en-US" sz="700" spc="-1" strike="noStrike">
-                <a:solidFill>
-                  <a:srgbClr val="38761d"/>
-                </a:solidFill>
-                <a:latin typeface="Arial"/>
-                <a:ea typeface="Arial"/>
-              </a:rPr>
-              <a:t>mod</a:t>
-            </a:r>
-            <a:r>
-              <a:rPr b="0" lang="en-US" sz="700" spc="-1" strike="noStrike">
-                <a:solidFill>
-                  <a:srgbClr val="38761d"/>
-                </a:solidFill>
-                <a:latin typeface="Arial"/>
-                <a:ea typeface="Arial"/>
-              </a:rPr>
-              <a:t>ifier</a:t>
-            </a:r>
-            <a:r>
-              <a:rPr b="0" lang="en-US" sz="700" spc="-1" strike="noStrike">
-                <a:solidFill>
-                  <a:srgbClr val="38761d"/>
-                </a:solidFill>
-                <a:latin typeface="Arial"/>
-                <a:ea typeface="Arial"/>
-              </a:rPr>
-              <a:t>s</a:t>
-            </a:r>
-            <a:endParaRPr b="0" lang="en-US" sz="700" spc="-1" strike="noStrike">
-              <a:latin typeface="Arial"/>
-            </a:endParaRPr>
-          </a:p>
-        </p:txBody>
-      </p:sp>
-      <p:sp>
-        <p:nvSpPr>
-          <p:cNvPr id="128" name="CustomShape 90"/>
-          <p:cNvSpPr/>
-          <p:nvPr/>
-        </p:nvSpPr>
-        <p:spPr>
-          <a:xfrm>
-            <a:off x="9306720" y="734040"/>
-            <a:ext cx="456840" cy="128520"/>
-          </a:xfrm>
-          <a:prstGeom prst="rect">
-            <a:avLst/>
-          </a:prstGeom>
-          <a:noFill/>
-          <a:ln>
-            <a:noFill/>
-          </a:ln>
-        </p:spPr>
-        <p:style>
-          <a:lnRef idx="0"/>
-          <a:fillRef idx="0"/>
-          <a:effectRef idx="0"/>
-          <a:fontRef idx="minor"/>
-        </p:style>
-        <p:txBody>
-          <a:bodyPr tIns="91440" bIns="91440" anchor="ctr"/>
-          <a:p>
-            <a:pPr>
-              <a:lnSpc>
-                <a:spcPct val="100000"/>
-              </a:lnSpc>
-            </a:pPr>
-            <a:r>
-              <a:rPr b="0" lang="en-US" sz="700" spc="-1" strike="noStrike">
-                <a:solidFill>
-                  <a:srgbClr val="000000"/>
-                </a:solidFill>
-                <a:latin typeface="Arial"/>
-                <a:ea typeface="Arial"/>
-              </a:rPr>
-              <a:t>-0.3</a:t>
-            </a:r>
-            <a:endParaRPr b="0" lang="en-US" sz="700" spc="-1" strike="noStrike">
-              <a:latin typeface="Arial"/>
-            </a:endParaRPr>
-          </a:p>
-        </p:txBody>
-      </p:sp>
-      <p:sp>
-        <p:nvSpPr>
-          <p:cNvPr id="129" name="CustomShape 91"/>
-          <p:cNvSpPr/>
-          <p:nvPr/>
-        </p:nvSpPr>
-        <p:spPr>
-          <a:xfrm>
-            <a:off x="8268120" y="922320"/>
-            <a:ext cx="807120" cy="162720"/>
-          </a:xfrm>
-          <a:prstGeom prst="rect">
-            <a:avLst/>
-          </a:prstGeom>
-          <a:noFill/>
-          <a:ln>
-            <a:noFill/>
-          </a:ln>
-        </p:spPr>
-        <p:style>
-          <a:lnRef idx="0"/>
-          <a:fillRef idx="0"/>
-          <a:effectRef idx="0"/>
-          <a:fontRef idx="minor"/>
-        </p:style>
-        <p:txBody>
-          <a:bodyPr tIns="91440" bIns="91440" anchor="ctr"/>
-          <a:p>
-            <a:pPr>
-              <a:lnSpc>
-                <a:spcPct val="100000"/>
-              </a:lnSpc>
-            </a:pPr>
-            <a:r>
-              <a:rPr b="0" lang="en-US" sz="700" spc="-1" strike="noStrike">
-                <a:solidFill>
-                  <a:srgbClr val="ff0000"/>
-                </a:solidFill>
-                <a:latin typeface="Arial"/>
-                <a:ea typeface="Arial"/>
-              </a:rPr>
-              <a:t>numerals</a:t>
-            </a:r>
-            <a:endParaRPr b="0" lang="en-US" sz="700" spc="-1" strike="noStrike">
-              <a:latin typeface="Arial"/>
-            </a:endParaRPr>
-          </a:p>
-        </p:txBody>
-      </p:sp>
-      <p:sp>
-        <p:nvSpPr>
-          <p:cNvPr id="130" name="CustomShape 92"/>
-          <p:cNvSpPr/>
-          <p:nvPr/>
-        </p:nvSpPr>
-        <p:spPr>
-          <a:xfrm>
-            <a:off x="8268120" y="1100880"/>
-            <a:ext cx="807120" cy="162720"/>
-          </a:xfrm>
-          <a:prstGeom prst="rect">
-            <a:avLst/>
-          </a:prstGeom>
-          <a:noFill/>
-          <a:ln>
-            <a:noFill/>
-          </a:ln>
-        </p:spPr>
-        <p:style>
-          <a:lnRef idx="0"/>
-          <a:fillRef idx="0"/>
-          <a:effectRef idx="0"/>
-          <a:fontRef idx="minor"/>
-        </p:style>
-        <p:txBody>
-          <a:bodyPr tIns="91440" bIns="91440" anchor="ctr"/>
-          <a:p>
-            <a:pPr>
-              <a:lnSpc>
-                <a:spcPct val="100000"/>
-              </a:lnSpc>
-            </a:pPr>
-            <a:r>
-              <a:rPr b="0" lang="en-US" sz="700" spc="-1" strike="noStrike">
-                <a:solidFill>
-                  <a:srgbClr val="ff00ff"/>
-                </a:solidFill>
-                <a:latin typeface="Arial"/>
-                <a:ea typeface="Arial"/>
-              </a:rPr>
-              <a:t>subjec</a:t>
-            </a:r>
-            <a:r>
-              <a:rPr b="0" lang="en-US" sz="700" spc="-1" strike="noStrike">
-                <a:solidFill>
-                  <a:srgbClr val="ff00ff"/>
-                </a:solidFill>
-                <a:latin typeface="Arial"/>
-                <a:ea typeface="Arial"/>
-              </a:rPr>
-              <a:t>ts</a:t>
-            </a:r>
-            <a:endParaRPr b="0" lang="en-US" sz="700" spc="-1" strike="noStrike">
-              <a:latin typeface="Arial"/>
-            </a:endParaRPr>
-          </a:p>
-        </p:txBody>
-      </p:sp>
-      <p:sp>
-        <p:nvSpPr>
-          <p:cNvPr id="131" name="CustomShape 93"/>
-          <p:cNvSpPr/>
-          <p:nvPr/>
-        </p:nvSpPr>
-        <p:spPr>
-          <a:xfrm>
-            <a:off x="8268120" y="1279800"/>
-            <a:ext cx="807120" cy="162720"/>
-          </a:xfrm>
-          <a:prstGeom prst="rect">
-            <a:avLst/>
-          </a:prstGeom>
-          <a:noFill/>
-          <a:ln>
-            <a:noFill/>
-          </a:ln>
-        </p:spPr>
-        <p:style>
-          <a:lnRef idx="0"/>
-          <a:fillRef idx="0"/>
-          <a:effectRef idx="0"/>
-          <a:fontRef idx="minor"/>
-        </p:style>
-        <p:txBody>
-          <a:bodyPr tIns="91440" bIns="91440" anchor="ctr"/>
-          <a:p>
-            <a:pPr>
-              <a:lnSpc>
-                <a:spcPct val="100000"/>
-              </a:lnSpc>
-            </a:pPr>
-            <a:r>
-              <a:rPr b="0" lang="en-US" sz="700" spc="-1" strike="noStrike">
-                <a:solidFill>
-                  <a:srgbClr val="f58220"/>
-                </a:solidFill>
-                <a:latin typeface="Arial"/>
-                <a:ea typeface="Arial"/>
-              </a:rPr>
-              <a:t>object</a:t>
-            </a:r>
-            <a:r>
-              <a:rPr b="0" lang="en-US" sz="700" spc="-1" strike="noStrike">
-                <a:solidFill>
-                  <a:srgbClr val="f58220"/>
-                </a:solidFill>
-                <a:latin typeface="Arial"/>
-                <a:ea typeface="Arial"/>
-              </a:rPr>
-              <a:t>s</a:t>
-            </a:r>
-            <a:endParaRPr b="0" lang="en-US" sz="700" spc="-1" strike="noStrike">
-              <a:solidFill>
-                <a:srgbClr val="f58220"/>
-              </a:solidFill>
-              <a:latin typeface="Arial"/>
-            </a:endParaRPr>
-          </a:p>
-        </p:txBody>
-      </p:sp>
-      <p:sp>
-        <p:nvSpPr>
-          <p:cNvPr id="132" name="CustomShape 94"/>
-          <p:cNvSpPr/>
-          <p:nvPr/>
-        </p:nvSpPr>
-        <p:spPr>
-          <a:xfrm>
-            <a:off x="9306720" y="912600"/>
-            <a:ext cx="456840" cy="128520"/>
-          </a:xfrm>
-          <a:prstGeom prst="rect">
-            <a:avLst/>
-          </a:prstGeom>
-          <a:noFill/>
-          <a:ln>
-            <a:noFill/>
-          </a:ln>
-        </p:spPr>
-        <p:style>
-          <a:lnRef idx="0"/>
-          <a:fillRef idx="0"/>
-          <a:effectRef idx="0"/>
-          <a:fontRef idx="minor"/>
-        </p:style>
-        <p:txBody>
-          <a:bodyPr tIns="91440" bIns="91440" anchor="ctr"/>
-          <a:p>
-            <a:pPr>
-              <a:lnSpc>
-                <a:spcPct val="100000"/>
-              </a:lnSpc>
-            </a:pPr>
-            <a:r>
-              <a:rPr b="0" lang="en-US" sz="700" spc="-1" strike="noStrike">
-                <a:solidFill>
-                  <a:srgbClr val="000000"/>
-                </a:solidFill>
-                <a:latin typeface="Arial"/>
-                <a:ea typeface="Arial"/>
-              </a:rPr>
-              <a:t>0.7</a:t>
-            </a:r>
-            <a:endParaRPr b="0" lang="en-US" sz="700" spc="-1" strike="noStrike">
-              <a:latin typeface="Arial"/>
-            </a:endParaRPr>
-          </a:p>
-        </p:txBody>
-      </p:sp>
-      <p:sp>
-        <p:nvSpPr>
-          <p:cNvPr id="133" name="CustomShape 95"/>
-          <p:cNvSpPr/>
-          <p:nvPr/>
-        </p:nvSpPr>
-        <p:spPr>
-          <a:xfrm>
-            <a:off x="9292320" y="1091520"/>
-            <a:ext cx="456840" cy="128520"/>
-          </a:xfrm>
-          <a:prstGeom prst="rect">
-            <a:avLst/>
-          </a:prstGeom>
-          <a:noFill/>
-          <a:ln>
-            <a:noFill/>
-          </a:ln>
-        </p:spPr>
-        <p:style>
-          <a:lnRef idx="0"/>
-          <a:fillRef idx="0"/>
-          <a:effectRef idx="0"/>
-          <a:fontRef idx="minor"/>
-        </p:style>
-        <p:txBody>
-          <a:bodyPr tIns="91440" bIns="91440" anchor="ctr"/>
-          <a:p>
-            <a:pPr>
-              <a:lnSpc>
-                <a:spcPct val="100000"/>
-              </a:lnSpc>
-            </a:pPr>
-            <a:r>
-              <a:rPr b="0" lang="en-US" sz="700" spc="-1" strike="noStrike">
-                <a:solidFill>
-                  <a:srgbClr val="000000"/>
-                </a:solidFill>
-                <a:latin typeface="Arial"/>
-                <a:ea typeface="Arial"/>
-              </a:rPr>
-              <a:t> </a:t>
-            </a:r>
-            <a:r>
-              <a:rPr b="0" lang="en-US" sz="700" spc="-1" strike="noStrike">
-                <a:solidFill>
-                  <a:srgbClr val="000000"/>
-                </a:solidFill>
-                <a:latin typeface="Arial"/>
-                <a:ea typeface="Arial"/>
-              </a:rPr>
-              <a:t>0.2</a:t>
-            </a:r>
-            <a:endParaRPr b="0" lang="en-US" sz="700" spc="-1" strike="noStrike">
-              <a:latin typeface="Arial"/>
-            </a:endParaRPr>
-          </a:p>
-        </p:txBody>
-      </p:sp>
-      <p:sp>
-        <p:nvSpPr>
-          <p:cNvPr id="134" name="CustomShape 96"/>
+          <p:cNvPr id="132" name="CustomShape 96"/>
           <p:cNvSpPr/>
           <p:nvPr/>
         </p:nvSpPr>
         <p:spPr>
           <a:xfrm>
             <a:off x="9321120" y="1270080"/>
-            <a:ext cx="456840" cy="128520"/>
-          </a:xfrm>
-          <a:prstGeom prst="rect">
-            <a:avLst/>
-          </a:prstGeom>
-          <a:noFill/>
-          <a:ln>
-            <a:noFill/>
-          </a:ln>
-        </p:spPr>
-        <p:style>
-          <a:lnRef idx="0"/>
-          <a:fillRef idx="0"/>
-          <a:effectRef idx="0"/>
-          <a:fontRef idx="minor"/>
-        </p:style>
-        <p:txBody>
-          <a:bodyPr tIns="91440" bIns="91440" anchor="ctr"/>
+            <a:ext cx="456480" cy="128160"/>
+          </a:xfrm>
+          <a:prstGeom prst="rect">
+            <a:avLst/>
+          </a:prstGeom>
+          <a:noFill/>
+          <a:ln>
+            <a:noFill/>
+          </a:ln>
+        </p:spPr>
+        <p:style>
+          <a:lnRef idx="0"/>
+          <a:fillRef idx="0"/>
+          <a:effectRef idx="0"/>
+          <a:fontRef idx="minor"/>
+        </p:style>
+        <p:txBody>
+          <a:bodyPr lIns="90000" rIns="90000" tIns="91440" bIns="91440" anchor="ctr"/>
           <a:p>
             <a:pPr>
               <a:lnSpc>
